--- a/一点弱智技巧.pptx
+++ b/一点弱智技巧.pptx
@@ -6,6 +6,7 @@
   </p:sldMasterIdLst>
   <p:sldIdLst>
     <p:sldId id="256" r:id="rId3"/>
+    <p:sldId id="257" r:id="rId4"/>
   </p:sldIdLst>
   <p:sldSz cx="12192000" cy="6858000"/>
   <p:notesSz cx="6858000" cy="9144000"/>
@@ -3011,6 +3012,88 @@
 </p:sld>
 </file>
 
+<file path=ppt/slides/slide2.xml><?xml version="1.0" encoding="utf-8"?>
+<p:sld xmlns:a="http://schemas.openxmlformats.org/drawingml/2006/main" xmlns:r="http://schemas.openxmlformats.org/officeDocument/2006/relationships" xmlns:p="http://schemas.openxmlformats.org/presentationml/2006/main">
+  <p:cSld>
+    <p:spTree>
+      <p:nvGrpSpPr>
+        <p:cNvPr id="1" name=""/>
+        <p:cNvGrpSpPr/>
+        <p:nvPr/>
+      </p:nvGrpSpPr>
+      <p:grpSpPr/>
+      <p:sp>
+        <p:nvSpPr>
+          <p:cNvPr id="2" name="标题 1"/>
+          <p:cNvSpPr>
+            <a:spLocks noGrp="1"/>
+          </p:cNvSpPr>
+          <p:nvPr>
+            <p:ph type="title"/>
+          </p:nvPr>
+        </p:nvSpPr>
+        <p:spPr/>
+        <p:txBody>
+          <a:bodyPr/>
+          <a:p>
+            <a:r>
+              <a:rPr lang="en-US" altLang="zh-CN"/>
+              <a:t>realloc</a:t>
+            </a:r>
+            <a:r>
+              <a:rPr lang="zh-CN" altLang="en-US"/>
+              <a:t>有概率更换</a:t>
+            </a:r>
+            <a:r>
+              <a:rPr lang="zh-CN" altLang="en-US"/>
+              <a:t>空间位置</a:t>
+            </a:r>
+            <a:endParaRPr lang="zh-CN" altLang="en-US"/>
+          </a:p>
+        </p:txBody>
+      </p:sp>
+      <p:sp>
+        <p:nvSpPr>
+          <p:cNvPr id="3" name="内容占位符 2"/>
+          <p:cNvSpPr>
+            <a:spLocks noGrp="1"/>
+          </p:cNvSpPr>
+          <p:nvPr>
+            <p:ph idx="1"/>
+          </p:nvPr>
+        </p:nvSpPr>
+        <p:spPr/>
+        <p:txBody>
+          <a:bodyPr/>
+          <a:p>
+            <a:r>
+              <a:rPr lang="zh-CN" altLang="en-US"/>
+              <a:t>如果</a:t>
+            </a:r>
+            <a:r>
+              <a:rPr lang="en-US" altLang="zh-CN"/>
+              <a:t>size</a:t>
+            </a:r>
+            <a:r>
+              <a:rPr lang="zh-CN" altLang="en-US"/>
+              <a:t>小于原大小，不会更改首</a:t>
+            </a:r>
+            <a:r>
+              <a:rPr lang="zh-CN" altLang="en-US"/>
+              <a:t>位置</a:t>
+            </a:r>
+            <a:endParaRPr lang="zh-CN" altLang="en-US"/>
+          </a:p>
+        </p:txBody>
+      </p:sp>
+    </p:spTree>
+  </p:cSld>
+  <p:clrMapOvr>
+    <a:masterClrMapping/>
+  </p:clrMapOvr>
+</p:sld>
+</file>
+
 <file path=ppt/theme/theme1.xml><?xml version="1.0" encoding="utf-8"?>
 <a:theme xmlns:a="http://schemas.openxmlformats.org/drawingml/2006/main" name="Office 主题">
   <a:themeElements>

--- a/一点弱智技巧.pptx
+++ b/一点弱智技巧.pptx
@@ -4,9 +4,30 @@
   <p:sldMasterIdLst>
     <p:sldMasterId id="2147483648" r:id="rId1"/>
   </p:sldMasterIdLst>
+  <p:notesMasterIdLst>
+    <p:notesMasterId r:id="rId10"/>
+  </p:notesMasterIdLst>
   <p:sldIdLst>
     <p:sldId id="256" r:id="rId3"/>
-    <p:sldId id="257" r:id="rId4"/>
+    <p:sldId id="268" r:id="rId4"/>
+    <p:sldId id="257" r:id="rId5"/>
+    <p:sldId id="258" r:id="rId6"/>
+    <p:sldId id="259" r:id="rId7"/>
+    <p:sldId id="260" r:id="rId8"/>
+    <p:sldId id="261" r:id="rId9"/>
+    <p:sldId id="262" r:id="rId11"/>
+    <p:sldId id="263" r:id="rId12"/>
+    <p:sldId id="264" r:id="rId13"/>
+    <p:sldId id="265" r:id="rId14"/>
+    <p:sldId id="266" r:id="rId15"/>
+    <p:sldId id="267" r:id="rId16"/>
+    <p:sldId id="280" r:id="rId17"/>
+    <p:sldId id="281" r:id="rId18"/>
+    <p:sldId id="282" r:id="rId19"/>
+    <p:sldId id="283" r:id="rId20"/>
+    <p:sldId id="284" r:id="rId21"/>
+    <p:sldId id="286" r:id="rId22"/>
+    <p:sldId id="287" r:id="rId23"/>
   </p:sldIdLst>
   <p:sldSz cx="12192000" cy="6858000"/>
   <p:notesSz cx="6858000" cy="9144000"/>
@@ -106,6 +127,441 @@
     </a:lvl9pPr>
   </p:defaultTextStyle>
 </p:presentation>
+</file>
+
+<file path=ppt/notesMasters/notesMaster1.xml><?xml version="1.0" encoding="utf-8"?>
+<p:notesMaster xmlns:a="http://schemas.openxmlformats.org/drawingml/2006/main" xmlns:r="http://schemas.openxmlformats.org/officeDocument/2006/relationships" xmlns:p="http://schemas.openxmlformats.org/presentationml/2006/main">
+  <p:cSld>
+    <p:bg>
+      <p:bgRef idx="1001">
+        <a:schemeClr val="bg1"/>
+      </p:bgRef>
+    </p:bg>
+    <p:spTree>
+      <p:nvGrpSpPr>
+        <p:cNvPr id="1" name=""/>
+        <p:cNvGrpSpPr/>
+        <p:nvPr/>
+      </p:nvGrpSpPr>
+      <p:grpSpPr>
+        <a:xfrm>
+          <a:off x="0" y="0"/>
+          <a:ext cx="0" cy="0"/>
+          <a:chOff x="0" y="0"/>
+          <a:chExt cx="0" cy="0"/>
+        </a:xfrm>
+      </p:grpSpPr>
+      <p:sp>
+        <p:nvSpPr>
+          <p:cNvPr id="2" name="页眉占位符 1"/>
+          <p:cNvSpPr>
+            <a:spLocks noGrp="1"/>
+          </p:cNvSpPr>
+          <p:nvPr>
+            <p:ph type="hdr" sz="quarter"/>
+          </p:nvPr>
+        </p:nvSpPr>
+        <p:spPr>
+          <a:xfrm>
+            <a:off x="0" y="0"/>
+            <a:ext cx="2971800" cy="458788"/>
+          </a:xfrm>
+          <a:prstGeom prst="rect">
+            <a:avLst/>
+          </a:prstGeom>
+        </p:spPr>
+        <p:txBody>
+          <a:bodyPr vert="horz" lIns="91440" tIns="45720" rIns="91440" bIns="45720" rtlCol="0"/>
+          <a:lstStyle>
+            <a:lvl1pPr algn="l">
+              <a:defRPr sz="1200"/>
+            </a:lvl1pPr>
+          </a:lstStyle>
+          <a:p>
+            <a:endParaRPr lang="zh-CN" altLang="en-US"/>
+          </a:p>
+        </p:txBody>
+      </p:sp>
+      <p:sp>
+        <p:nvSpPr>
+          <p:cNvPr id="3" name="日期占位符 2"/>
+          <p:cNvSpPr>
+            <a:spLocks noGrp="1"/>
+          </p:cNvSpPr>
+          <p:nvPr>
+            <p:ph type="dt" idx="1"/>
+          </p:nvPr>
+        </p:nvSpPr>
+        <p:spPr>
+          <a:xfrm>
+            <a:off x="3884613" y="0"/>
+            <a:ext cx="2971800" cy="458788"/>
+          </a:xfrm>
+          <a:prstGeom prst="rect">
+            <a:avLst/>
+          </a:prstGeom>
+        </p:spPr>
+        <p:txBody>
+          <a:bodyPr vert="horz" lIns="91440" tIns="45720" rIns="91440" bIns="45720" rtlCol="0"/>
+          <a:lstStyle>
+            <a:lvl1pPr algn="r">
+              <a:defRPr sz="1200"/>
+            </a:lvl1pPr>
+          </a:lstStyle>
+          <a:p>
+            <a:fld id="{D2A48B96-639E-45A3-A0BA-2464DFDB1FAA}" type="datetimeFigureOut">
+              <a:rPr lang="zh-CN" altLang="en-US" smtClean="0"/>
+            </a:fld>
+            <a:endParaRPr lang="zh-CN" altLang="en-US"/>
+          </a:p>
+        </p:txBody>
+      </p:sp>
+      <p:sp>
+        <p:nvSpPr>
+          <p:cNvPr id="4" name="幻灯片图像占位符 3"/>
+          <p:cNvSpPr>
+            <a:spLocks noGrp="1" noRot="1" noChangeAspect="1"/>
+          </p:cNvSpPr>
+          <p:nvPr>
+            <p:ph type="sldImg" idx="2"/>
+          </p:nvPr>
+        </p:nvSpPr>
+        <p:spPr>
+          <a:xfrm>
+            <a:off x="685800" y="1143000"/>
+            <a:ext cx="5486400" cy="3086100"/>
+          </a:xfrm>
+          <a:prstGeom prst="rect">
+            <a:avLst/>
+          </a:prstGeom>
+          <a:noFill/>
+          <a:ln w="12700">
+            <a:solidFill>
+              <a:prstClr val="black"/>
+            </a:solidFill>
+          </a:ln>
+        </p:spPr>
+        <p:txBody>
+          <a:bodyPr vert="horz" lIns="91440" tIns="45720" rIns="91440" bIns="45720" rtlCol="0" anchor="ctr"/>
+          <a:lstStyle/>
+          <a:p>
+            <a:endParaRPr lang="zh-CN" altLang="en-US"/>
+          </a:p>
+        </p:txBody>
+      </p:sp>
+      <p:sp>
+        <p:nvSpPr>
+          <p:cNvPr id="5" name="备注占位符 4"/>
+          <p:cNvSpPr>
+            <a:spLocks noGrp="1"/>
+          </p:cNvSpPr>
+          <p:nvPr>
+            <p:ph type="body" sz="quarter" idx="3"/>
+          </p:nvPr>
+        </p:nvSpPr>
+        <p:spPr>
+          <a:xfrm>
+            <a:off x="685800" y="4400550"/>
+            <a:ext cx="5486400" cy="3600450"/>
+          </a:xfrm>
+          <a:prstGeom prst="rect">
+            <a:avLst/>
+          </a:prstGeom>
+        </p:spPr>
+        <p:txBody>
+          <a:bodyPr vert="horz" lIns="91440" tIns="45720" rIns="91440" bIns="45720" rtlCol="0"/>
+          <a:lstStyle/>
+          <a:p>
+            <a:pPr lvl="0"/>
+            <a:r>
+              <a:rPr lang="zh-CN" altLang="en-US" smtClean="0"/>
+              <a:t>单击此处编辑母版文本样式</a:t>
+            </a:r>
+            <a:endParaRPr lang="zh-CN" altLang="en-US" smtClean="0"/>
+          </a:p>
+          <a:p>
+            <a:pPr lvl="1"/>
+            <a:r>
+              <a:rPr lang="zh-CN" altLang="en-US" smtClean="0"/>
+              <a:t>第二级</a:t>
+            </a:r>
+            <a:endParaRPr lang="zh-CN" altLang="en-US" smtClean="0"/>
+          </a:p>
+          <a:p>
+            <a:pPr lvl="2"/>
+            <a:r>
+              <a:rPr lang="zh-CN" altLang="en-US" smtClean="0"/>
+              <a:t>第三级</a:t>
+            </a:r>
+            <a:endParaRPr lang="zh-CN" altLang="en-US" smtClean="0"/>
+          </a:p>
+          <a:p>
+            <a:pPr lvl="3"/>
+            <a:r>
+              <a:rPr lang="zh-CN" altLang="en-US" smtClean="0"/>
+              <a:t>第四级</a:t>
+            </a:r>
+            <a:endParaRPr lang="zh-CN" altLang="en-US" smtClean="0"/>
+          </a:p>
+          <a:p>
+            <a:pPr lvl="4"/>
+            <a:r>
+              <a:rPr lang="zh-CN" altLang="en-US" smtClean="0"/>
+              <a:t>第五级</a:t>
+            </a:r>
+            <a:endParaRPr lang="zh-CN" altLang="en-US"/>
+          </a:p>
+        </p:txBody>
+      </p:sp>
+      <p:sp>
+        <p:nvSpPr>
+          <p:cNvPr id="6" name="页脚占位符 5"/>
+          <p:cNvSpPr>
+            <a:spLocks noGrp="1"/>
+          </p:cNvSpPr>
+          <p:nvPr>
+            <p:ph type="ftr" sz="quarter" idx="4"/>
+          </p:nvPr>
+        </p:nvSpPr>
+        <p:spPr>
+          <a:xfrm>
+            <a:off x="0" y="8685213"/>
+            <a:ext cx="2971800" cy="458787"/>
+          </a:xfrm>
+          <a:prstGeom prst="rect">
+            <a:avLst/>
+          </a:prstGeom>
+        </p:spPr>
+        <p:txBody>
+          <a:bodyPr vert="horz" lIns="91440" tIns="45720" rIns="91440" bIns="45720" rtlCol="0" anchor="b"/>
+          <a:lstStyle>
+            <a:lvl1pPr algn="l">
+              <a:defRPr sz="1200"/>
+            </a:lvl1pPr>
+          </a:lstStyle>
+          <a:p>
+            <a:endParaRPr lang="zh-CN" altLang="en-US"/>
+          </a:p>
+        </p:txBody>
+      </p:sp>
+      <p:sp>
+        <p:nvSpPr>
+          <p:cNvPr id="7" name="灯片编号占位符 6"/>
+          <p:cNvSpPr>
+            <a:spLocks noGrp="1"/>
+          </p:cNvSpPr>
+          <p:nvPr>
+            <p:ph type="sldNum" sz="quarter" idx="5"/>
+          </p:nvPr>
+        </p:nvSpPr>
+        <p:spPr>
+          <a:xfrm>
+            <a:off x="3884613" y="8685213"/>
+            <a:ext cx="2971800" cy="458787"/>
+          </a:xfrm>
+          <a:prstGeom prst="rect">
+            <a:avLst/>
+          </a:prstGeom>
+        </p:spPr>
+        <p:txBody>
+          <a:bodyPr vert="horz" lIns="91440" tIns="45720" rIns="91440" bIns="45720" rtlCol="0" anchor="b"/>
+          <a:lstStyle>
+            <a:lvl1pPr algn="r">
+              <a:defRPr sz="1200"/>
+            </a:lvl1pPr>
+          </a:lstStyle>
+          <a:p>
+            <a:fld id="{A6837353-30EB-4A48-80EB-173D804AEFBD}" type="slidenum">
+              <a:rPr lang="zh-CN" altLang="en-US" smtClean="0"/>
+            </a:fld>
+            <a:endParaRPr lang="zh-CN" altLang="en-US"/>
+          </a:p>
+        </p:txBody>
+      </p:sp>
+    </p:spTree>
+  </p:cSld>
+  <p:clrMap bg1="lt1" tx1="dk1" bg2="lt2" tx2="dk2" accent1="accent1" accent2="accent2" accent3="accent3" accent4="accent4" accent5="accent5" accent6="accent6" hlink="hlink" folHlink="folHlink"/>
+  <p:notesStyle>
+    <a:lvl1pPr marL="0" algn="l" defTabSz="914400" rtl="0" eaLnBrk="1" latinLnBrk="0" hangingPunct="1">
+      <a:defRPr sz="1200" kern="1200">
+        <a:solidFill>
+          <a:schemeClr val="tx1"/>
+        </a:solidFill>
+        <a:latin typeface="+mn-lt"/>
+        <a:ea typeface="+mn-ea"/>
+        <a:cs typeface="+mn-cs"/>
+      </a:defRPr>
+    </a:lvl1pPr>
+    <a:lvl2pPr marL="457200" algn="l" defTabSz="914400" rtl="0" eaLnBrk="1" latinLnBrk="0" hangingPunct="1">
+      <a:defRPr sz="1200" kern="1200">
+        <a:solidFill>
+          <a:schemeClr val="tx1"/>
+        </a:solidFill>
+        <a:latin typeface="+mn-lt"/>
+        <a:ea typeface="+mn-ea"/>
+        <a:cs typeface="+mn-cs"/>
+      </a:defRPr>
+    </a:lvl2pPr>
+    <a:lvl3pPr marL="914400" algn="l" defTabSz="914400" rtl="0" eaLnBrk="1" latinLnBrk="0" hangingPunct="1">
+      <a:defRPr sz="1200" kern="1200">
+        <a:solidFill>
+          <a:schemeClr val="tx1"/>
+        </a:solidFill>
+        <a:latin typeface="+mn-lt"/>
+        <a:ea typeface="+mn-ea"/>
+        <a:cs typeface="+mn-cs"/>
+      </a:defRPr>
+    </a:lvl3pPr>
+    <a:lvl4pPr marL="1371600" algn="l" defTabSz="914400" rtl="0" eaLnBrk="1" latinLnBrk="0" hangingPunct="1">
+      <a:defRPr sz="1200" kern="1200">
+        <a:solidFill>
+          <a:schemeClr val="tx1"/>
+        </a:solidFill>
+        <a:latin typeface="+mn-lt"/>
+        <a:ea typeface="+mn-ea"/>
+        <a:cs typeface="+mn-cs"/>
+      </a:defRPr>
+    </a:lvl4pPr>
+    <a:lvl5pPr marL="1828800" algn="l" defTabSz="914400" rtl="0" eaLnBrk="1" latinLnBrk="0" hangingPunct="1">
+      <a:defRPr sz="1200" kern="1200">
+        <a:solidFill>
+          <a:schemeClr val="tx1"/>
+        </a:solidFill>
+        <a:latin typeface="+mn-lt"/>
+        <a:ea typeface="+mn-ea"/>
+        <a:cs typeface="+mn-cs"/>
+      </a:defRPr>
+    </a:lvl5pPr>
+    <a:lvl6pPr marL="2286000" algn="l" defTabSz="914400" rtl="0" eaLnBrk="1" latinLnBrk="0" hangingPunct="1">
+      <a:defRPr sz="1200" kern="1200">
+        <a:solidFill>
+          <a:schemeClr val="tx1"/>
+        </a:solidFill>
+        <a:latin typeface="+mn-lt"/>
+        <a:ea typeface="+mn-ea"/>
+        <a:cs typeface="+mn-cs"/>
+      </a:defRPr>
+    </a:lvl6pPr>
+    <a:lvl7pPr marL="2743200" algn="l" defTabSz="914400" rtl="0" eaLnBrk="1" latinLnBrk="0" hangingPunct="1">
+      <a:defRPr sz="1200" kern="1200">
+        <a:solidFill>
+          <a:schemeClr val="tx1"/>
+        </a:solidFill>
+        <a:latin typeface="+mn-lt"/>
+        <a:ea typeface="+mn-ea"/>
+        <a:cs typeface="+mn-cs"/>
+      </a:defRPr>
+    </a:lvl7pPr>
+    <a:lvl8pPr marL="3200400" algn="l" defTabSz="914400" rtl="0" eaLnBrk="1" latinLnBrk="0" hangingPunct="1">
+      <a:defRPr sz="1200" kern="1200">
+        <a:solidFill>
+          <a:schemeClr val="tx1"/>
+        </a:solidFill>
+        <a:latin typeface="+mn-lt"/>
+        <a:ea typeface="+mn-ea"/>
+        <a:cs typeface="+mn-cs"/>
+      </a:defRPr>
+    </a:lvl8pPr>
+    <a:lvl9pPr marL="3657600" algn="l" defTabSz="914400" rtl="0" eaLnBrk="1" latinLnBrk="0" hangingPunct="1">
+      <a:defRPr sz="1200" kern="1200">
+        <a:solidFill>
+          <a:schemeClr val="tx1"/>
+        </a:solidFill>
+        <a:latin typeface="+mn-lt"/>
+        <a:ea typeface="+mn-ea"/>
+        <a:cs typeface="+mn-cs"/>
+      </a:defRPr>
+    </a:lvl9pPr>
+  </p:notesStyle>
+</p:notesMaster>
+</file>
+
+<file path=ppt/notesSlides/notesSlide1.xml><?xml version="1.0" encoding="utf-8"?>
+<p:notes xmlns:a="http://schemas.openxmlformats.org/drawingml/2006/main" xmlns:r="http://schemas.openxmlformats.org/officeDocument/2006/relationships" xmlns:p="http://schemas.openxmlformats.org/presentationml/2006/main">
+  <p:cSld>
+    <p:spTree>
+      <p:nvGrpSpPr>
+        <p:cNvPr id="1" name=""/>
+        <p:cNvGrpSpPr/>
+        <p:nvPr/>
+      </p:nvGrpSpPr>
+      <p:grpSpPr/>
+      <p:sp>
+        <p:nvSpPr>
+          <p:cNvPr id="2" name="幻灯片图像占位符 1"/>
+          <p:cNvSpPr/>
+          <p:nvPr>
+            <p:ph type="sldImg" idx="2"/>
+          </p:nvPr>
+        </p:nvSpPr>
+        <p:spPr/>
+      </p:sp>
+      <p:sp>
+        <p:nvSpPr>
+          <p:cNvPr id="3" name="文本占位符 2"/>
+          <p:cNvSpPr/>
+          <p:nvPr>
+            <p:ph type="body" idx="3"/>
+          </p:nvPr>
+        </p:nvSpPr>
+        <p:spPr/>
+        <p:txBody>
+          <a:bodyPr/>
+          <a:p>
+            <a:endParaRPr lang="zh-CN" altLang="en-US"/>
+          </a:p>
+        </p:txBody>
+      </p:sp>
+    </p:spTree>
+  </p:cSld>
+  <p:clrMapOvr>
+    <a:masterClrMapping/>
+  </p:clrMapOvr>
+</p:notes>
+</file>
+
+<file path=ppt/notesSlides/notesSlide2.xml><?xml version="1.0" encoding="utf-8"?>
+<p:notes xmlns:a="http://schemas.openxmlformats.org/drawingml/2006/main" xmlns:r="http://schemas.openxmlformats.org/officeDocument/2006/relationships" xmlns:p="http://schemas.openxmlformats.org/presentationml/2006/main">
+  <p:cSld>
+    <p:spTree>
+      <p:nvGrpSpPr>
+        <p:cNvPr id="1" name=""/>
+        <p:cNvGrpSpPr/>
+        <p:nvPr/>
+      </p:nvGrpSpPr>
+      <p:grpSpPr/>
+      <p:sp>
+        <p:nvSpPr>
+          <p:cNvPr id="2" name="幻灯片图像占位符 1"/>
+          <p:cNvSpPr/>
+          <p:nvPr>
+            <p:ph type="sldImg" idx="2"/>
+          </p:nvPr>
+        </p:nvSpPr>
+        <p:spPr/>
+      </p:sp>
+      <p:sp>
+        <p:nvSpPr>
+          <p:cNvPr id="3" name="文本占位符 2"/>
+          <p:cNvSpPr/>
+          <p:nvPr>
+            <p:ph type="body" idx="3"/>
+          </p:nvPr>
+        </p:nvSpPr>
+        <p:spPr/>
+        <p:txBody>
+          <a:bodyPr/>
+          <a:p>
+            <a:endParaRPr lang="zh-CN" altLang="en-US"/>
+          </a:p>
+        </p:txBody>
+      </p:sp>
+    </p:spTree>
+  </p:cSld>
+  <p:clrMapOvr>
+    <a:masterClrMapping/>
+  </p:clrMapOvr>
+</p:notes>
 </file>
 
 <file path=ppt/slideLayouts/slideLayout1.xml><?xml version="1.0" encoding="utf-8"?>
@@ -3012,6 +3468,681 @@
 </p:sld>
 </file>
 
+<file path=ppt/slides/slide10.xml><?xml version="1.0" encoding="utf-8"?>
+<p:sld xmlns:a="http://schemas.openxmlformats.org/drawingml/2006/main" xmlns:r="http://schemas.openxmlformats.org/officeDocument/2006/relationships" xmlns:p="http://schemas.openxmlformats.org/presentationml/2006/main">
+  <p:cSld>
+    <p:spTree>
+      <p:nvGrpSpPr>
+        <p:cNvPr id="1" name=""/>
+        <p:cNvGrpSpPr/>
+        <p:nvPr/>
+      </p:nvGrpSpPr>
+      <p:grpSpPr/>
+      <p:sp>
+        <p:nvSpPr>
+          <p:cNvPr id="2" name="标题 1"/>
+          <p:cNvSpPr>
+            <a:spLocks noGrp="1"/>
+          </p:cNvSpPr>
+          <p:nvPr>
+            <p:ph type="title"/>
+          </p:nvPr>
+        </p:nvSpPr>
+        <p:spPr/>
+        <p:txBody>
+          <a:bodyPr/>
+          <a:p>
+            <a:endParaRPr lang="zh-CN" altLang="en-US"/>
+          </a:p>
+        </p:txBody>
+      </p:sp>
+      <p:pic>
+        <p:nvPicPr>
+          <p:cNvPr id="4" name="内容占位符 3"/>
+          <p:cNvPicPr>
+            <a:picLocks noChangeAspect="1"/>
+          </p:cNvPicPr>
+          <p:nvPr>
+            <p:ph idx="1"/>
+            <p:custDataLst>
+              <p:tags r:id="rId1"/>
+            </p:custDataLst>
+          </p:nvPr>
+        </p:nvPicPr>
+        <p:blipFill>
+          <a:blip r:embed="rId2"/>
+          <a:stretch>
+            <a:fillRect/>
+          </a:stretch>
+        </p:blipFill>
+        <p:spPr>
+          <a:xfrm>
+            <a:off x="2283460" y="1825625"/>
+            <a:ext cx="7623810" cy="4351655"/>
+          </a:xfrm>
+          <a:prstGeom prst="rect">
+            <a:avLst/>
+          </a:prstGeom>
+        </p:spPr>
+      </p:pic>
+    </p:spTree>
+  </p:cSld>
+  <p:clrMapOvr>
+    <a:masterClrMapping/>
+  </p:clrMapOvr>
+</p:sld>
+</file>
+
+<file path=ppt/slides/slide11.xml><?xml version="1.0" encoding="utf-8"?>
+<p:sld xmlns:a="http://schemas.openxmlformats.org/drawingml/2006/main" xmlns:r="http://schemas.openxmlformats.org/officeDocument/2006/relationships" xmlns:p="http://schemas.openxmlformats.org/presentationml/2006/main">
+  <p:cSld>
+    <p:spTree>
+      <p:nvGrpSpPr>
+        <p:cNvPr id="1" name=""/>
+        <p:cNvGrpSpPr/>
+        <p:nvPr/>
+      </p:nvGrpSpPr>
+      <p:grpSpPr/>
+      <p:sp>
+        <p:nvSpPr>
+          <p:cNvPr id="2" name="标题 1"/>
+          <p:cNvSpPr>
+            <a:spLocks noGrp="1"/>
+          </p:cNvSpPr>
+          <p:nvPr>
+            <p:ph type="title"/>
+          </p:nvPr>
+        </p:nvSpPr>
+        <p:spPr/>
+        <p:txBody>
+          <a:bodyPr>
+            <a:normAutofit fontScale="90000"/>
+          </a:bodyPr>
+          <a:p>
+            <a:r>
+              <a:rPr lang="zh-CN" altLang="en-US"/>
+              <a:t>有动态内存申请的时候需要单独写复制</a:t>
+            </a:r>
+            <a:r>
+              <a:rPr lang="zh-CN" altLang="en-US"/>
+              <a:t>构造函数</a:t>
+            </a:r>
+            <a:endParaRPr lang="zh-CN" altLang="en-US"/>
+          </a:p>
+        </p:txBody>
+      </p:sp>
+      <p:pic>
+        <p:nvPicPr>
+          <p:cNvPr id="4" name="内容占位符 3"/>
+          <p:cNvPicPr>
+            <a:picLocks noChangeAspect="1"/>
+          </p:cNvPicPr>
+          <p:nvPr>
+            <p:ph idx="1"/>
+          </p:nvPr>
+        </p:nvPicPr>
+        <p:blipFill>
+          <a:blip r:embed="rId1"/>
+          <a:stretch>
+            <a:fillRect/>
+          </a:stretch>
+        </p:blipFill>
+        <p:spPr>
+          <a:xfrm>
+            <a:off x="664210" y="2719070"/>
+            <a:ext cx="10515600" cy="2734310"/>
+          </a:xfrm>
+          <a:prstGeom prst="rect">
+            <a:avLst/>
+          </a:prstGeom>
+        </p:spPr>
+      </p:pic>
+    </p:spTree>
+  </p:cSld>
+  <p:clrMapOvr>
+    <a:masterClrMapping/>
+  </p:clrMapOvr>
+</p:sld>
+</file>
+
+<file path=ppt/slides/slide12.xml><?xml version="1.0" encoding="utf-8"?>
+<p:sld xmlns:a="http://schemas.openxmlformats.org/drawingml/2006/main" xmlns:r="http://schemas.openxmlformats.org/officeDocument/2006/relationships" xmlns:p="http://schemas.openxmlformats.org/presentationml/2006/main">
+  <p:cSld>
+    <p:spTree>
+      <p:nvGrpSpPr>
+        <p:cNvPr id="1" name=""/>
+        <p:cNvGrpSpPr/>
+        <p:nvPr/>
+      </p:nvGrpSpPr>
+      <p:grpSpPr/>
+      <p:sp>
+        <p:nvSpPr>
+          <p:cNvPr id="2" name="标题 1"/>
+          <p:cNvSpPr>
+            <a:spLocks noGrp="1"/>
+          </p:cNvSpPr>
+          <p:nvPr>
+            <p:ph type="title"/>
+          </p:nvPr>
+        </p:nvSpPr>
+        <p:spPr/>
+        <p:txBody>
+          <a:bodyPr/>
+          <a:p>
+            <a:endParaRPr lang="zh-CN" altLang="en-US"/>
+          </a:p>
+        </p:txBody>
+      </p:sp>
+      <p:sp>
+        <p:nvSpPr>
+          <p:cNvPr id="3" name="内容占位符 2"/>
+          <p:cNvSpPr>
+            <a:spLocks noGrp="1"/>
+          </p:cNvSpPr>
+          <p:nvPr>
+            <p:ph idx="1"/>
+          </p:nvPr>
+        </p:nvSpPr>
+        <p:spPr/>
+        <p:txBody>
+          <a:bodyPr/>
+          <a:p>
+            <a:r>
+              <a:rPr lang="zh-CN" altLang="en-US"/>
+              <a:t>动态内存申请来自堆内，和普通的动态变量等保存位置</a:t>
+            </a:r>
+            <a:r>
+              <a:rPr lang="zh-CN" altLang="en-US"/>
+              <a:t>不同</a:t>
+            </a:r>
+            <a:endParaRPr lang="zh-CN" altLang="en-US"/>
+          </a:p>
+        </p:txBody>
+      </p:sp>
+    </p:spTree>
+  </p:cSld>
+  <p:clrMapOvr>
+    <a:masterClrMapping/>
+  </p:clrMapOvr>
+</p:sld>
+</file>
+
+<file path=ppt/slides/slide13.xml><?xml version="1.0" encoding="utf-8"?>
+<p:sld xmlns:a="http://schemas.openxmlformats.org/drawingml/2006/main" xmlns:r="http://schemas.openxmlformats.org/officeDocument/2006/relationships" xmlns:p="http://schemas.openxmlformats.org/presentationml/2006/main">
+  <p:cSld>
+    <p:spTree>
+      <p:nvGrpSpPr>
+        <p:cNvPr id="1" name=""/>
+        <p:cNvGrpSpPr/>
+        <p:nvPr/>
+      </p:nvGrpSpPr>
+      <p:grpSpPr/>
+      <p:sp>
+        <p:nvSpPr>
+          <p:cNvPr id="2" name="标题 1"/>
+          <p:cNvSpPr>
+            <a:spLocks noGrp="1"/>
+          </p:cNvSpPr>
+          <p:nvPr>
+            <p:ph type="title"/>
+          </p:nvPr>
+        </p:nvSpPr>
+        <p:spPr/>
+        <p:txBody>
+          <a:bodyPr/>
+          <a:p>
+            <a:r>
+              <a:rPr lang="zh-CN" altLang="en-US"/>
+              <a:t>动态内存申请便于</a:t>
+            </a:r>
+            <a:r>
+              <a:rPr lang="zh-CN" altLang="en-US"/>
+              <a:t>传递</a:t>
+            </a:r>
+            <a:endParaRPr lang="zh-CN" altLang="en-US"/>
+          </a:p>
+        </p:txBody>
+      </p:sp>
+      <p:sp>
+        <p:nvSpPr>
+          <p:cNvPr id="5" name="内容占位符 4"/>
+          <p:cNvSpPr/>
+          <p:nvPr>
+            <p:ph idx="1"/>
+          </p:nvPr>
+        </p:nvSpPr>
+        <p:spPr/>
+        <p:txBody>
+          <a:bodyPr/>
+          <a:p>
+            <a:endParaRPr lang="zh-CN" altLang="en-US"/>
+          </a:p>
+        </p:txBody>
+      </p:sp>
+    </p:spTree>
+  </p:cSld>
+  <p:clrMapOvr>
+    <a:masterClrMapping/>
+  </p:clrMapOvr>
+</p:sld>
+</file>
+
+<file path=ppt/slides/slide14.xml><?xml version="1.0" encoding="utf-8"?>
+<p:sld xmlns:a="http://schemas.openxmlformats.org/drawingml/2006/main" xmlns:r="http://schemas.openxmlformats.org/officeDocument/2006/relationships" xmlns:p="http://schemas.openxmlformats.org/presentationml/2006/main">
+  <p:cSld>
+    <p:spTree>
+      <p:nvGrpSpPr>
+        <p:cNvPr id="1" name=""/>
+        <p:cNvGrpSpPr/>
+        <p:nvPr/>
+      </p:nvGrpSpPr>
+      <p:grpSpPr/>
+      <p:sp>
+        <p:nvSpPr>
+          <p:cNvPr id="2" name="标题 1"/>
+          <p:cNvSpPr>
+            <a:spLocks noGrp="1"/>
+          </p:cNvSpPr>
+          <p:nvPr>
+            <p:ph type="title"/>
+          </p:nvPr>
+        </p:nvSpPr>
+        <p:spPr/>
+        <p:txBody>
+          <a:bodyPr/>
+          <a:p>
+            <a:r>
+              <a:rPr lang="zh-CN" altLang="en-US"/>
+              <a:t>结构体的建立</a:t>
+            </a:r>
+            <a:r>
+              <a:rPr lang="zh-CN" altLang="en-US"/>
+              <a:t>和初始化</a:t>
+            </a:r>
+            <a:endParaRPr lang="zh-CN" altLang="en-US"/>
+          </a:p>
+        </p:txBody>
+      </p:sp>
+      <p:pic>
+        <p:nvPicPr>
+          <p:cNvPr id="4" name="内容占位符 3"/>
+          <p:cNvPicPr>
+            <a:picLocks noChangeAspect="1"/>
+          </p:cNvPicPr>
+          <p:nvPr>
+            <p:ph idx="1"/>
+          </p:nvPr>
+        </p:nvPicPr>
+        <p:blipFill>
+          <a:blip r:embed="rId1"/>
+          <a:stretch>
+            <a:fillRect/>
+          </a:stretch>
+        </p:blipFill>
+        <p:spPr>
+          <a:xfrm>
+            <a:off x="838200" y="2894330"/>
+            <a:ext cx="10515600" cy="2213610"/>
+          </a:xfrm>
+          <a:prstGeom prst="rect">
+            <a:avLst/>
+          </a:prstGeom>
+        </p:spPr>
+      </p:pic>
+    </p:spTree>
+  </p:cSld>
+  <p:clrMapOvr>
+    <a:masterClrMapping/>
+  </p:clrMapOvr>
+</p:sld>
+</file>
+
+<file path=ppt/slides/slide15.xml><?xml version="1.0" encoding="utf-8"?>
+<p:sld xmlns:a="http://schemas.openxmlformats.org/drawingml/2006/main" xmlns:r="http://schemas.openxmlformats.org/officeDocument/2006/relationships" xmlns:p="http://schemas.openxmlformats.org/presentationml/2006/main">
+  <p:cSld>
+    <p:spTree>
+      <p:nvGrpSpPr>
+        <p:cNvPr id="1" name=""/>
+        <p:cNvGrpSpPr/>
+        <p:nvPr/>
+      </p:nvGrpSpPr>
+      <p:grpSpPr/>
+      <p:sp>
+        <p:nvSpPr>
+          <p:cNvPr id="2" name="标题 1"/>
+          <p:cNvSpPr>
+            <a:spLocks noGrp="1"/>
+          </p:cNvSpPr>
+          <p:nvPr>
+            <p:ph type="title"/>
+          </p:nvPr>
+        </p:nvSpPr>
+        <p:spPr/>
+        <p:txBody>
+          <a:bodyPr/>
+          <a:p>
+            <a:endParaRPr lang="zh-CN" altLang="en-US"/>
+          </a:p>
+        </p:txBody>
+      </p:sp>
+      <p:pic>
+        <p:nvPicPr>
+          <p:cNvPr id="4" name="内容占位符 3"/>
+          <p:cNvPicPr>
+            <a:picLocks noChangeAspect="1"/>
+          </p:cNvPicPr>
+          <p:nvPr>
+            <p:ph idx="1"/>
+            <p:custDataLst>
+              <p:tags r:id="rId1"/>
+            </p:custDataLst>
+          </p:nvPr>
+        </p:nvPicPr>
+        <p:blipFill>
+          <a:blip r:embed="rId2"/>
+          <a:stretch>
+            <a:fillRect/>
+          </a:stretch>
+        </p:blipFill>
+        <p:spPr>
+          <a:xfrm>
+            <a:off x="3235960" y="1825625"/>
+            <a:ext cx="5718810" cy="4351655"/>
+          </a:xfrm>
+          <a:prstGeom prst="rect">
+            <a:avLst/>
+          </a:prstGeom>
+        </p:spPr>
+      </p:pic>
+    </p:spTree>
+  </p:cSld>
+  <p:clrMapOvr>
+    <a:masterClrMapping/>
+  </p:clrMapOvr>
+</p:sld>
+</file>
+
+<file path=ppt/slides/slide16.xml><?xml version="1.0" encoding="utf-8"?>
+<p:sld xmlns:a="http://schemas.openxmlformats.org/drawingml/2006/main" xmlns:r="http://schemas.openxmlformats.org/officeDocument/2006/relationships" xmlns:p="http://schemas.openxmlformats.org/presentationml/2006/main">
+  <p:cSld>
+    <p:spTree>
+      <p:nvGrpSpPr>
+        <p:cNvPr id="1" name=""/>
+        <p:cNvGrpSpPr/>
+        <p:nvPr/>
+      </p:nvGrpSpPr>
+      <p:grpSpPr/>
+      <p:sp>
+        <p:nvSpPr>
+          <p:cNvPr id="2" name="标题 1"/>
+          <p:cNvSpPr>
+            <a:spLocks noGrp="1"/>
+          </p:cNvSpPr>
+          <p:nvPr>
+            <p:ph type="title"/>
+          </p:nvPr>
+        </p:nvSpPr>
+        <p:spPr/>
+        <p:txBody>
+          <a:bodyPr/>
+          <a:p>
+            <a:endParaRPr lang="zh-CN" altLang="en-US"/>
+          </a:p>
+        </p:txBody>
+      </p:sp>
+      <p:pic>
+        <p:nvPicPr>
+          <p:cNvPr id="4" name="内容占位符 3"/>
+          <p:cNvPicPr>
+            <a:picLocks noChangeAspect="1"/>
+          </p:cNvPicPr>
+          <p:nvPr>
+            <p:ph idx="1"/>
+          </p:nvPr>
+        </p:nvPicPr>
+        <p:blipFill>
+          <a:blip r:embed="rId1"/>
+          <a:stretch>
+            <a:fillRect/>
+          </a:stretch>
+        </p:blipFill>
+        <p:spPr>
+          <a:xfrm>
+            <a:off x="2459990" y="1825625"/>
+            <a:ext cx="7270750" cy="4351655"/>
+          </a:xfrm>
+          <a:prstGeom prst="rect">
+            <a:avLst/>
+          </a:prstGeom>
+        </p:spPr>
+      </p:pic>
+    </p:spTree>
+  </p:cSld>
+  <p:clrMapOvr>
+    <a:masterClrMapping/>
+  </p:clrMapOvr>
+</p:sld>
+</file>
+
+<file path=ppt/slides/slide17.xml><?xml version="1.0" encoding="utf-8"?>
+<p:sld xmlns:a="http://schemas.openxmlformats.org/drawingml/2006/main" xmlns:r="http://schemas.openxmlformats.org/officeDocument/2006/relationships" xmlns:p="http://schemas.openxmlformats.org/presentationml/2006/main">
+  <p:cSld>
+    <p:spTree>
+      <p:nvGrpSpPr>
+        <p:cNvPr id="1" name=""/>
+        <p:cNvGrpSpPr/>
+        <p:nvPr/>
+      </p:nvGrpSpPr>
+      <p:grpSpPr/>
+      <p:sp>
+        <p:nvSpPr>
+          <p:cNvPr id="2" name="标题 1"/>
+          <p:cNvSpPr>
+            <a:spLocks noGrp="1"/>
+          </p:cNvSpPr>
+          <p:nvPr>
+            <p:ph type="title"/>
+          </p:nvPr>
+        </p:nvSpPr>
+        <p:spPr/>
+        <p:txBody>
+          <a:bodyPr>
+            <a:normAutofit fontScale="90000"/>
+          </a:bodyPr>
+          <a:p>
+            <a:r>
+              <a:rPr lang="zh-CN" altLang="en-US"/>
+              <a:t>结构体内元素指定和设置参数同名可以用</a:t>
+            </a:r>
+            <a:r>
+              <a:rPr lang="en-US" altLang="zh-CN"/>
+              <a:t>this</a:t>
+            </a:r>
+            <a:r>
+              <a:rPr lang="zh-CN" altLang="en-US"/>
+              <a:t>指定</a:t>
+            </a:r>
+            <a:endParaRPr lang="zh-CN" altLang="en-US"/>
+          </a:p>
+        </p:txBody>
+      </p:sp>
+      <p:pic>
+        <p:nvPicPr>
+          <p:cNvPr id="4" name="内容占位符 3"/>
+          <p:cNvPicPr>
+            <a:picLocks noChangeAspect="1"/>
+          </p:cNvPicPr>
+          <p:nvPr>
+            <p:ph idx="1"/>
+            <p:custDataLst>
+              <p:tags r:id="rId1"/>
+            </p:custDataLst>
+          </p:nvPr>
+        </p:nvPicPr>
+        <p:blipFill>
+          <a:blip r:embed="rId2"/>
+          <a:stretch>
+            <a:fillRect/>
+          </a:stretch>
+        </p:blipFill>
+        <p:spPr>
+          <a:xfrm>
+            <a:off x="838200" y="1835150"/>
+            <a:ext cx="10515600" cy="4331970"/>
+          </a:xfrm>
+          <a:prstGeom prst="rect">
+            <a:avLst/>
+          </a:prstGeom>
+        </p:spPr>
+      </p:pic>
+    </p:spTree>
+  </p:cSld>
+  <p:clrMapOvr>
+    <a:masterClrMapping/>
+  </p:clrMapOvr>
+</p:sld>
+</file>
+
+<file path=ppt/slides/slide18.xml><?xml version="1.0" encoding="utf-8"?>
+<p:sld xmlns:a="http://schemas.openxmlformats.org/drawingml/2006/main" xmlns:r="http://schemas.openxmlformats.org/officeDocument/2006/relationships" xmlns:p="http://schemas.openxmlformats.org/presentationml/2006/main">
+  <p:cSld>
+    <p:spTree>
+      <p:nvGrpSpPr>
+        <p:cNvPr id="1" name=""/>
+        <p:cNvGrpSpPr/>
+        <p:nvPr/>
+      </p:nvGrpSpPr>
+      <p:grpSpPr/>
+      <p:sp>
+        <p:nvSpPr>
+          <p:cNvPr id="2" name="标题 1"/>
+          <p:cNvSpPr>
+            <a:spLocks noGrp="1"/>
+          </p:cNvSpPr>
+          <p:nvPr>
+            <p:ph type="title"/>
+          </p:nvPr>
+        </p:nvSpPr>
+        <p:spPr/>
+        <p:txBody>
+          <a:bodyPr/>
+          <a:p>
+            <a:endParaRPr lang="zh-CN" altLang="en-US"/>
+          </a:p>
+        </p:txBody>
+      </p:sp>
+      <p:sp>
+        <p:nvSpPr>
+          <p:cNvPr id="3" name="内容占位符 2"/>
+          <p:cNvSpPr>
+            <a:spLocks noGrp="1"/>
+          </p:cNvSpPr>
+          <p:nvPr>
+            <p:ph idx="1"/>
+          </p:nvPr>
+        </p:nvSpPr>
+        <p:spPr/>
+        <p:txBody>
+          <a:bodyPr/>
+          <a:p>
+            <a:r>
+              <a:rPr lang="zh-CN" altLang="en-US"/>
+              <a:t>结构体指针需要动态内存申请才能访问</a:t>
+            </a:r>
+            <a:r>
+              <a:rPr lang="zh-CN" altLang="en-US"/>
+              <a:t>空间</a:t>
+            </a:r>
+            <a:endParaRPr lang="zh-CN" altLang="en-US"/>
+          </a:p>
+        </p:txBody>
+      </p:sp>
+    </p:spTree>
+  </p:cSld>
+  <p:clrMapOvr>
+    <a:masterClrMapping/>
+  </p:clrMapOvr>
+</p:sld>
+</file>
+
+<file path=ppt/slides/slide19.xml><?xml version="1.0" encoding="utf-8"?>
+<p:sld xmlns:a="http://schemas.openxmlformats.org/drawingml/2006/main" xmlns:r="http://schemas.openxmlformats.org/officeDocument/2006/relationships" xmlns:p="http://schemas.openxmlformats.org/presentationml/2006/main">
+  <p:cSld>
+    <p:spTree>
+      <p:nvGrpSpPr>
+        <p:cNvPr id="1" name=""/>
+        <p:cNvGrpSpPr/>
+        <p:nvPr/>
+      </p:nvGrpSpPr>
+      <p:grpSpPr/>
+      <p:sp>
+        <p:nvSpPr>
+          <p:cNvPr id="2" name="标题 1"/>
+          <p:cNvSpPr>
+            <a:spLocks noGrp="1"/>
+          </p:cNvSpPr>
+          <p:nvPr>
+            <p:ph type="title"/>
+          </p:nvPr>
+        </p:nvSpPr>
+        <p:spPr/>
+        <p:txBody>
+          <a:bodyPr/>
+          <a:p>
+            <a:r>
+              <a:rPr lang="zh-CN" altLang="en-US"/>
+              <a:t>需要注意</a:t>
+            </a:r>
+            <a:endParaRPr lang="zh-CN" altLang="en-US"/>
+          </a:p>
+        </p:txBody>
+      </p:sp>
+      <p:sp>
+        <p:nvSpPr>
+          <p:cNvPr id="3" name="内容占位符 2"/>
+          <p:cNvSpPr>
+            <a:spLocks noGrp="1"/>
+          </p:cNvSpPr>
+          <p:nvPr>
+            <p:ph idx="1"/>
+          </p:nvPr>
+        </p:nvSpPr>
+        <p:spPr/>
+        <p:txBody>
+          <a:bodyPr/>
+          <a:p>
+            <a:r>
+              <a:rPr lang="en-US" altLang="zh-CN"/>
+              <a:t>char</a:t>
+            </a:r>
+            <a:r>
+              <a:rPr lang="zh-CN" altLang="en-US"/>
+              <a:t>有自动升级</a:t>
+            </a:r>
+            <a:r>
+              <a:rPr lang="en-US" altLang="zh-CN"/>
+              <a:t> </a:t>
+            </a:r>
+            <a:r>
+              <a:rPr lang="zh-CN" altLang="en-US"/>
+              <a:t>很神奇，位运算的返回值是</a:t>
+            </a:r>
+            <a:r>
+              <a:rPr lang="en-US" altLang="zh-CN"/>
+              <a:t>int</a:t>
+            </a:r>
+            <a:endParaRPr lang="en-US" altLang="zh-CN"/>
+          </a:p>
+        </p:txBody>
+      </p:sp>
+    </p:spTree>
+  </p:cSld>
+  <p:clrMapOvr>
+    <a:masterClrMapping/>
+  </p:clrMapOvr>
+</p:sld>
+</file>
+
 <file path=ppt/slides/slide2.xml><?xml version="1.0" encoding="utf-8"?>
 <p:sld xmlns:a="http://schemas.openxmlformats.org/drawingml/2006/main" xmlns:r="http://schemas.openxmlformats.org/officeDocument/2006/relationships" xmlns:p="http://schemas.openxmlformats.org/presentationml/2006/main">
   <p:cSld>
@@ -3036,62 +4167,752 @@
         <p:txBody>
           <a:bodyPr/>
           <a:p>
-            <a:r>
-              <a:rPr lang="en-US" altLang="zh-CN"/>
-              <a:t>realloc</a:t>
-            </a:r>
-            <a:r>
-              <a:rPr lang="zh-CN" altLang="en-US"/>
-              <a:t>有概率更换</a:t>
-            </a:r>
-            <a:r>
-              <a:rPr lang="zh-CN" altLang="en-US"/>
-              <a:t>空间位置</a:t>
-            </a:r>
-            <a:endParaRPr lang="zh-CN" altLang="en-US"/>
-          </a:p>
-        </p:txBody>
-      </p:sp>
-      <p:sp>
-        <p:nvSpPr>
-          <p:cNvPr id="3" name="内容占位符 2"/>
-          <p:cNvSpPr>
-            <a:spLocks noGrp="1"/>
-          </p:cNvSpPr>
+            <a:endParaRPr lang="zh-CN" altLang="en-US"/>
+          </a:p>
+        </p:txBody>
+      </p:sp>
+      <p:pic>
+        <p:nvPicPr>
+          <p:cNvPr id="4" name="内容占位符 3"/>
+          <p:cNvPicPr>
+            <a:picLocks noChangeAspect="1"/>
+          </p:cNvPicPr>
           <p:nvPr>
             <p:ph idx="1"/>
           </p:nvPr>
-        </p:nvSpPr>
-        <p:spPr/>
-        <p:txBody>
-          <a:bodyPr/>
-          <a:p>
-            <a:r>
-              <a:rPr lang="zh-CN" altLang="en-US"/>
-              <a:t>如果</a:t>
-            </a:r>
-            <a:r>
-              <a:rPr lang="en-US" altLang="zh-CN"/>
-              <a:t>size</a:t>
-            </a:r>
-            <a:r>
-              <a:rPr lang="zh-CN" altLang="en-US"/>
-              <a:t>小于原大小，不会更改首</a:t>
-            </a:r>
-            <a:r>
-              <a:rPr lang="zh-CN" altLang="en-US"/>
-              <a:t>位置</a:t>
-            </a:r>
-            <a:endParaRPr lang="zh-CN" altLang="en-US"/>
-          </a:p>
-        </p:txBody>
-      </p:sp>
+        </p:nvPicPr>
+        <p:blipFill>
+          <a:blip r:embed="rId1"/>
+          <a:stretch>
+            <a:fillRect/>
+          </a:stretch>
+        </p:blipFill>
+        <p:spPr>
+          <a:xfrm>
+            <a:off x="838200" y="2593975"/>
+            <a:ext cx="10515600" cy="2813685"/>
+          </a:xfrm>
+          <a:prstGeom prst="rect">
+            <a:avLst/>
+          </a:prstGeom>
+        </p:spPr>
+      </p:pic>
     </p:spTree>
   </p:cSld>
   <p:clrMapOvr>
     <a:masterClrMapping/>
   </p:clrMapOvr>
 </p:sld>
+</file>
+
+<file path=ppt/slides/slide20.xml><?xml version="1.0" encoding="utf-8"?>
+<p:sld xmlns:a="http://schemas.openxmlformats.org/drawingml/2006/main" xmlns:r="http://schemas.openxmlformats.org/officeDocument/2006/relationships" xmlns:p="http://schemas.openxmlformats.org/presentationml/2006/main">
+  <p:cSld>
+    <p:spTree>
+      <p:nvGrpSpPr>
+        <p:cNvPr id="1" name=""/>
+        <p:cNvGrpSpPr/>
+        <p:nvPr/>
+      </p:nvGrpSpPr>
+      <p:grpSpPr/>
+      <p:sp>
+        <p:nvSpPr>
+          <p:cNvPr id="2" name="标题 1"/>
+          <p:cNvSpPr>
+            <a:spLocks noGrp="1"/>
+          </p:cNvSpPr>
+          <p:nvPr>
+            <p:ph type="title"/>
+          </p:nvPr>
+        </p:nvSpPr>
+        <p:spPr/>
+        <p:txBody>
+          <a:bodyPr/>
+          <a:p>
+            <a:r>
+              <a:rPr lang="en-US" altLang="zh-CN"/>
+              <a:t>resetiosflags(ios::right);</a:t>
+            </a:r>
+            <a:endParaRPr lang="en-US" altLang="zh-CN"/>
+          </a:p>
+        </p:txBody>
+      </p:sp>
+      <p:pic>
+        <p:nvPicPr>
+          <p:cNvPr id="4" name="内容占位符 3"/>
+          <p:cNvPicPr>
+            <a:picLocks noChangeAspect="1"/>
+          </p:cNvPicPr>
+          <p:nvPr>
+            <p:ph idx="1"/>
+          </p:nvPr>
+        </p:nvPicPr>
+        <p:blipFill>
+          <a:blip r:embed="rId1"/>
+          <a:stretch>
+            <a:fillRect/>
+          </a:stretch>
+        </p:blipFill>
+        <p:spPr>
+          <a:xfrm>
+            <a:off x="1466215" y="3105785"/>
+            <a:ext cx="9258300" cy="1790700"/>
+          </a:xfrm>
+          <a:prstGeom prst="rect">
+            <a:avLst/>
+          </a:prstGeom>
+        </p:spPr>
+      </p:pic>
+    </p:spTree>
+  </p:cSld>
+  <p:clrMapOvr>
+    <a:masterClrMapping/>
+  </p:clrMapOvr>
+</p:sld>
+</file>
+
+<file path=ppt/slides/slide3.xml><?xml version="1.0" encoding="utf-8"?>
+<p:sld xmlns:a="http://schemas.openxmlformats.org/drawingml/2006/main" xmlns:r="http://schemas.openxmlformats.org/officeDocument/2006/relationships" xmlns:p="http://schemas.openxmlformats.org/presentationml/2006/main">
+  <p:cSld>
+    <p:spTree>
+      <p:nvGrpSpPr>
+        <p:cNvPr id="1" name=""/>
+        <p:cNvGrpSpPr/>
+        <p:nvPr/>
+      </p:nvGrpSpPr>
+      <p:grpSpPr/>
+      <p:sp>
+        <p:nvSpPr>
+          <p:cNvPr id="2" name="标题 1"/>
+          <p:cNvSpPr>
+            <a:spLocks noGrp="1"/>
+          </p:cNvSpPr>
+          <p:nvPr>
+            <p:ph type="title"/>
+          </p:nvPr>
+        </p:nvSpPr>
+        <p:spPr/>
+        <p:txBody>
+          <a:bodyPr/>
+          <a:p>
+            <a:r>
+              <a:rPr lang="en-US" altLang="zh-CN"/>
+              <a:t>realloc</a:t>
+            </a:r>
+            <a:r>
+              <a:rPr lang="zh-CN" altLang="en-US"/>
+              <a:t>有概率更换</a:t>
+            </a:r>
+            <a:r>
+              <a:rPr lang="zh-CN" altLang="en-US"/>
+              <a:t>空间位置</a:t>
+            </a:r>
+            <a:endParaRPr lang="zh-CN" altLang="en-US"/>
+          </a:p>
+        </p:txBody>
+      </p:sp>
+      <p:sp>
+        <p:nvSpPr>
+          <p:cNvPr id="3" name="内容占位符 2"/>
+          <p:cNvSpPr>
+            <a:spLocks noGrp="1"/>
+          </p:cNvSpPr>
+          <p:nvPr>
+            <p:ph idx="1"/>
+          </p:nvPr>
+        </p:nvSpPr>
+        <p:spPr/>
+        <p:txBody>
+          <a:bodyPr/>
+          <a:p>
+            <a:r>
+              <a:rPr lang="zh-CN" altLang="en-US"/>
+              <a:t>如果</a:t>
+            </a:r>
+            <a:r>
+              <a:rPr lang="en-US" altLang="zh-CN"/>
+              <a:t>size</a:t>
+            </a:r>
+            <a:r>
+              <a:rPr lang="zh-CN" altLang="en-US"/>
+              <a:t>小于原大小，不会更改首</a:t>
+            </a:r>
+            <a:r>
+              <a:rPr lang="zh-CN" altLang="en-US"/>
+              <a:t>位置</a:t>
+            </a:r>
+            <a:endParaRPr lang="zh-CN" altLang="en-US"/>
+          </a:p>
+        </p:txBody>
+      </p:sp>
+    </p:spTree>
+  </p:cSld>
+  <p:clrMapOvr>
+    <a:masterClrMapping/>
+  </p:clrMapOvr>
+</p:sld>
+</file>
+
+<file path=ppt/slides/slide4.xml><?xml version="1.0" encoding="utf-8"?>
+<p:sld xmlns:a="http://schemas.openxmlformats.org/drawingml/2006/main" xmlns:r="http://schemas.openxmlformats.org/officeDocument/2006/relationships" xmlns:p="http://schemas.openxmlformats.org/presentationml/2006/main">
+  <p:cSld>
+    <p:spTree>
+      <p:nvGrpSpPr>
+        <p:cNvPr id="1" name=""/>
+        <p:cNvGrpSpPr/>
+        <p:nvPr/>
+      </p:nvGrpSpPr>
+      <p:grpSpPr/>
+      <p:sp>
+        <p:nvSpPr>
+          <p:cNvPr id="2" name="标题 1"/>
+          <p:cNvSpPr>
+            <a:spLocks noGrp="1"/>
+          </p:cNvSpPr>
+          <p:nvPr>
+            <p:ph type="title"/>
+          </p:nvPr>
+        </p:nvSpPr>
+        <p:spPr/>
+        <p:txBody>
+          <a:bodyPr>
+            <a:normAutofit fontScale="90000"/>
+          </a:bodyPr>
+          <a:p>
+            <a:r>
+              <a:rPr lang="zh-CN" altLang="en-US"/>
+              <a:t>结构体指针不能这么交换，但是可以交换对应</a:t>
+            </a:r>
+            <a:r>
+              <a:rPr lang="zh-CN" altLang="en-US"/>
+              <a:t>元素</a:t>
+            </a:r>
+            <a:endParaRPr lang="zh-CN" altLang="en-US"/>
+          </a:p>
+        </p:txBody>
+      </p:sp>
+      <p:pic>
+        <p:nvPicPr>
+          <p:cNvPr id="4" name="内容占位符 3"/>
+          <p:cNvPicPr>
+            <a:picLocks noChangeAspect="1"/>
+          </p:cNvPicPr>
+          <p:nvPr>
+            <p:ph idx="1"/>
+            <p:custDataLst>
+              <p:tags r:id="rId1"/>
+            </p:custDataLst>
+          </p:nvPr>
+        </p:nvPicPr>
+        <p:blipFill>
+          <a:blip r:embed="rId2"/>
+          <a:stretch>
+            <a:fillRect/>
+          </a:stretch>
+        </p:blipFill>
+        <p:spPr>
+          <a:xfrm>
+            <a:off x="2011045" y="1825625"/>
+            <a:ext cx="8168640" cy="4351655"/>
+          </a:xfrm>
+          <a:prstGeom prst="rect">
+            <a:avLst/>
+          </a:prstGeom>
+        </p:spPr>
+      </p:pic>
+    </p:spTree>
+  </p:cSld>
+  <p:clrMapOvr>
+    <a:masterClrMapping/>
+  </p:clrMapOvr>
+</p:sld>
+</file>
+
+<file path=ppt/slides/slide5.xml><?xml version="1.0" encoding="utf-8"?>
+<p:sld xmlns:a="http://schemas.openxmlformats.org/drawingml/2006/main" xmlns:r="http://schemas.openxmlformats.org/officeDocument/2006/relationships" xmlns:p="http://schemas.openxmlformats.org/presentationml/2006/main">
+  <p:cSld>
+    <p:spTree>
+      <p:nvGrpSpPr>
+        <p:cNvPr id="1" name=""/>
+        <p:cNvGrpSpPr/>
+        <p:nvPr/>
+      </p:nvGrpSpPr>
+      <p:grpSpPr/>
+      <p:sp>
+        <p:nvSpPr>
+          <p:cNvPr id="2" name="标题 1"/>
+          <p:cNvSpPr>
+            <a:spLocks noGrp="1"/>
+          </p:cNvSpPr>
+          <p:nvPr>
+            <p:ph type="title"/>
+          </p:nvPr>
+        </p:nvSpPr>
+        <p:spPr/>
+        <p:txBody>
+          <a:bodyPr/>
+          <a:p>
+            <a:endParaRPr lang="zh-CN" altLang="en-US"/>
+          </a:p>
+        </p:txBody>
+      </p:sp>
+      <p:pic>
+        <p:nvPicPr>
+          <p:cNvPr id="4" name="内容占位符 3"/>
+          <p:cNvPicPr>
+            <a:picLocks noChangeAspect="1"/>
+          </p:cNvPicPr>
+          <p:nvPr>
+            <p:ph idx="1"/>
+          </p:nvPr>
+        </p:nvPicPr>
+        <p:blipFill>
+          <a:blip r:embed="rId1"/>
+          <a:stretch>
+            <a:fillRect/>
+          </a:stretch>
+        </p:blipFill>
+        <p:spPr>
+          <a:xfrm>
+            <a:off x="838200" y="3107055"/>
+            <a:ext cx="10515600" cy="1787525"/>
+          </a:xfrm>
+          <a:prstGeom prst="rect">
+            <a:avLst/>
+          </a:prstGeom>
+        </p:spPr>
+      </p:pic>
+    </p:spTree>
+  </p:cSld>
+  <p:clrMapOvr>
+    <a:masterClrMapping/>
+  </p:clrMapOvr>
+</p:sld>
+</file>
+
+<file path=ppt/slides/slide6.xml><?xml version="1.0" encoding="utf-8"?>
+<p:sld xmlns:a="http://schemas.openxmlformats.org/drawingml/2006/main" xmlns:r="http://schemas.openxmlformats.org/officeDocument/2006/relationships" xmlns:p="http://schemas.openxmlformats.org/presentationml/2006/main">
+  <p:cSld>
+    <p:spTree>
+      <p:nvGrpSpPr>
+        <p:cNvPr id="1" name=""/>
+        <p:cNvGrpSpPr/>
+        <p:nvPr/>
+      </p:nvGrpSpPr>
+      <p:grpSpPr/>
+      <p:sp>
+        <p:nvSpPr>
+          <p:cNvPr id="2" name="标题 1"/>
+          <p:cNvSpPr>
+            <a:spLocks noGrp="1"/>
+          </p:cNvSpPr>
+          <p:nvPr>
+            <p:ph type="title"/>
+          </p:nvPr>
+        </p:nvSpPr>
+        <p:spPr/>
+        <p:txBody>
+          <a:bodyPr>
+            <a:normAutofit fontScale="90000"/>
+          </a:bodyPr>
+          <a:p>
+            <a:r>
+              <a:rPr lang="en-US" altLang="zh-CN"/>
+              <a:t>malloc</a:t>
+            </a:r>
+            <a:r>
+              <a:rPr lang="zh-CN" altLang="en-US"/>
+              <a:t>无法进行类的构造函数以及</a:t>
+            </a:r>
+            <a:r>
+              <a:rPr lang="en-US" altLang="zh-CN"/>
+              <a:t>free</a:t>
+            </a:r>
+            <a:r>
+              <a:rPr lang="zh-CN" altLang="en-US"/>
+              <a:t>的析构</a:t>
+            </a:r>
+            <a:r>
+              <a:rPr lang="zh-CN" altLang="en-US"/>
+              <a:t>函数</a:t>
+            </a:r>
+            <a:endParaRPr lang="zh-CN" altLang="en-US"/>
+          </a:p>
+        </p:txBody>
+      </p:sp>
+      <p:sp>
+        <p:nvSpPr>
+          <p:cNvPr id="3" name="内容占位符 2"/>
+          <p:cNvSpPr>
+            <a:spLocks noGrp="1"/>
+          </p:cNvSpPr>
+          <p:nvPr>
+            <p:ph idx="1"/>
+          </p:nvPr>
+        </p:nvSpPr>
+        <p:spPr/>
+        <p:txBody>
+          <a:bodyPr/>
+          <a:p>
+            <a:r>
+              <a:rPr lang="en-US" altLang="zh-CN"/>
+              <a:t>struct</a:t>
+            </a:r>
+            <a:r>
+              <a:rPr lang="zh-CN" altLang="en-US"/>
+              <a:t>里包含</a:t>
+            </a:r>
+            <a:r>
+              <a:rPr lang="en-US" altLang="zh-CN"/>
+              <a:t>string</a:t>
+            </a:r>
+            <a:r>
+              <a:rPr lang="zh-CN" altLang="en-US"/>
+              <a:t>，</a:t>
+            </a:r>
+            <a:r>
+              <a:rPr lang="en-US" altLang="zh-CN"/>
+              <a:t>malloc</a:t>
+            </a:r>
+            <a:r>
+              <a:rPr lang="zh-CN" altLang="en-US"/>
+              <a:t>以后但是不调用的话就不会</a:t>
+            </a:r>
+            <a:r>
+              <a:rPr lang="zh-CN" altLang="en-US"/>
+              <a:t>报错</a:t>
+            </a:r>
+            <a:endParaRPr lang="zh-CN" altLang="en-US"/>
+          </a:p>
+        </p:txBody>
+      </p:sp>
+    </p:spTree>
+  </p:cSld>
+  <p:clrMapOvr>
+    <a:masterClrMapping/>
+  </p:clrMapOvr>
+</p:sld>
+</file>
+
+<file path=ppt/slides/slide7.xml><?xml version="1.0" encoding="utf-8"?>
+<p:sld xmlns:a="http://schemas.openxmlformats.org/drawingml/2006/main" xmlns:r="http://schemas.openxmlformats.org/officeDocument/2006/relationships" xmlns:p="http://schemas.openxmlformats.org/presentationml/2006/main">
+  <p:cSld>
+    <p:spTree>
+      <p:nvGrpSpPr>
+        <p:cNvPr id="1" name=""/>
+        <p:cNvGrpSpPr/>
+        <p:nvPr/>
+      </p:nvGrpSpPr>
+      <p:grpSpPr/>
+      <p:sp>
+        <p:nvSpPr>
+          <p:cNvPr id="2" name="标题 1"/>
+          <p:cNvSpPr>
+            <a:spLocks noGrp="1"/>
+          </p:cNvSpPr>
+          <p:nvPr>
+            <p:ph type="title"/>
+          </p:nvPr>
+        </p:nvSpPr>
+        <p:spPr/>
+        <p:txBody>
+          <a:bodyPr/>
+          <a:p>
+            <a:r>
+              <a:rPr lang="zh-CN" altLang="en-US"/>
+              <a:t>析构函数</a:t>
+            </a:r>
+            <a:r>
+              <a:rPr lang="zh-CN" altLang="en-US"/>
+              <a:t>的作用</a:t>
+            </a:r>
+            <a:endParaRPr lang="zh-CN" altLang="en-US"/>
+          </a:p>
+        </p:txBody>
+      </p:sp>
+      <p:sp>
+        <p:nvSpPr>
+          <p:cNvPr id="3" name="内容占位符 2"/>
+          <p:cNvSpPr>
+            <a:spLocks noGrp="1"/>
+          </p:cNvSpPr>
+          <p:nvPr>
+            <p:ph idx="1"/>
+          </p:nvPr>
+        </p:nvSpPr>
+        <p:spPr/>
+        <p:txBody>
+          <a:bodyPr/>
+          <a:p>
+            <a:r>
+              <a:rPr lang="zh-CN" altLang="en-US"/>
+              <a:t>在没有动态内存申请的时候，不需要定义析构函数，在构造和析构函数中进行动态内存申请和释放</a:t>
+            </a:r>
+            <a:r>
+              <a:rPr lang="en-US" altLang="zh-CN"/>
+              <a:t> </a:t>
+            </a:r>
+            <a:r>
+              <a:rPr lang="zh-CN" altLang="en-US"/>
+              <a:t>，析构函数先于对象</a:t>
+            </a:r>
+            <a:r>
+              <a:rPr lang="zh-CN" altLang="en-US"/>
+              <a:t>销毁</a:t>
+            </a:r>
+            <a:endParaRPr lang="zh-CN" altLang="en-US"/>
+          </a:p>
+          <a:p>
+            <a:r>
+              <a:rPr lang="zh-CN" altLang="en-US"/>
+              <a:t>如果两个类指向了同一片动态申请空间，析构函数重复释放空间会导致报错</a:t>
+            </a:r>
+            <a:r>
+              <a:rPr lang="en-US" altLang="zh-CN"/>
+              <a:t>1</a:t>
+            </a:r>
+            <a:endParaRPr lang="en-US" altLang="zh-CN"/>
+          </a:p>
+          <a:p>
+            <a:r>
+              <a:rPr lang="en-US" altLang="zh-CN"/>
+              <a:t>Time t1(14,15,23),t2(t1),t3=t1</a:t>
+            </a:r>
+            <a:endParaRPr lang="en-US" altLang="zh-CN"/>
+          </a:p>
+          <a:p>
+            <a:r>
+              <a:rPr lang="en-US" altLang="zh-CN"/>
+              <a:t>t2(t1)</a:t>
+            </a:r>
+            <a:r>
+              <a:rPr lang="zh-CN" altLang="en-US"/>
+              <a:t>藏了一个不可见的构造函数</a:t>
+            </a:r>
+            <a:r>
+              <a:rPr lang="en-US" altLang="zh-CN"/>
+              <a:t> </a:t>
+            </a:r>
+            <a:r>
+              <a:rPr lang="zh-CN" altLang="en-US"/>
+              <a:t>复制构造</a:t>
+            </a:r>
+            <a:r>
+              <a:rPr lang="zh-CN" altLang="en-US"/>
+              <a:t>函数</a:t>
+            </a:r>
+            <a:endParaRPr lang="zh-CN" altLang="en-US"/>
+          </a:p>
+          <a:p>
+            <a:r>
+              <a:rPr lang="zh-CN" altLang="en-US"/>
+              <a:t>如果我单独定义赋值构造函数的话，自带复制构造函数</a:t>
+            </a:r>
+            <a:r>
+              <a:rPr lang="zh-CN" altLang="en-US"/>
+              <a:t>销毁</a:t>
+            </a:r>
+            <a:endParaRPr lang="zh-CN" altLang="en-US"/>
+          </a:p>
+          <a:p>
+            <a:r>
+              <a:rPr lang="zh-CN" altLang="en-US"/>
+              <a:t>析构和构造的调用顺序相反</a:t>
+            </a:r>
+            <a:r>
+              <a:rPr lang="en-US" altLang="zh-CN"/>
+              <a:t>/</a:t>
+            </a:r>
+            <a:endParaRPr lang="en-US" altLang="zh-CN"/>
+          </a:p>
+        </p:txBody>
+      </p:sp>
+    </p:spTree>
+  </p:cSld>
+  <p:clrMapOvr>
+    <a:masterClrMapping/>
+  </p:clrMapOvr>
+</p:sld>
+</file>
+
+<file path=ppt/slides/slide8.xml><?xml version="1.0" encoding="utf-8"?>
+<p:sld xmlns:a="http://schemas.openxmlformats.org/drawingml/2006/main" xmlns:r="http://schemas.openxmlformats.org/officeDocument/2006/relationships" xmlns:p="http://schemas.openxmlformats.org/presentationml/2006/main">
+  <p:cSld>
+    <p:spTree>
+      <p:nvGrpSpPr>
+        <p:cNvPr id="1" name=""/>
+        <p:cNvGrpSpPr/>
+        <p:nvPr/>
+      </p:nvGrpSpPr>
+      <p:grpSpPr/>
+      <p:sp>
+        <p:nvSpPr>
+          <p:cNvPr id="2" name="标题 1"/>
+          <p:cNvSpPr>
+            <a:spLocks noGrp="1"/>
+          </p:cNvSpPr>
+          <p:nvPr>
+            <p:ph type="title"/>
+          </p:nvPr>
+        </p:nvSpPr>
+        <p:spPr/>
+        <p:txBody>
+          <a:bodyPr/>
+          <a:p>
+            <a:endParaRPr lang="zh-CN" altLang="en-US"/>
+          </a:p>
+        </p:txBody>
+      </p:sp>
+      <p:pic>
+        <p:nvPicPr>
+          <p:cNvPr id="4" name="内容占位符 3"/>
+          <p:cNvPicPr>
+            <a:picLocks noChangeAspect="1"/>
+          </p:cNvPicPr>
+          <p:nvPr>
+            <p:ph idx="1"/>
+          </p:nvPr>
+        </p:nvPicPr>
+        <p:blipFill>
+          <a:blip r:embed="rId1"/>
+          <a:stretch>
+            <a:fillRect/>
+          </a:stretch>
+        </p:blipFill>
+        <p:spPr>
+          <a:xfrm>
+            <a:off x="3108325" y="1825625"/>
+            <a:ext cx="5974715" cy="4351655"/>
+          </a:xfrm>
+          <a:prstGeom prst="rect">
+            <a:avLst/>
+          </a:prstGeom>
+        </p:spPr>
+      </p:pic>
+      <p:pic>
+        <p:nvPicPr>
+          <p:cNvPr id="5" name="图片 4"/>
+          <p:cNvPicPr>
+            <a:picLocks noChangeAspect="1"/>
+          </p:cNvPicPr>
+          <p:nvPr/>
+        </p:nvPicPr>
+        <p:blipFill>
+          <a:blip r:embed="rId1"/>
+          <a:stretch>
+            <a:fillRect/>
+          </a:stretch>
+        </p:blipFill>
+        <p:spPr>
+          <a:xfrm>
+            <a:off x="-1299845" y="-1957070"/>
+            <a:ext cx="14792325" cy="10772775"/>
+          </a:xfrm>
+          <a:prstGeom prst="rect">
+            <a:avLst/>
+          </a:prstGeom>
+        </p:spPr>
+      </p:pic>
+    </p:spTree>
+  </p:cSld>
+  <p:clrMapOvr>
+    <a:masterClrMapping/>
+  </p:clrMapOvr>
+</p:sld>
+</file>
+
+<file path=ppt/slides/slide9.xml><?xml version="1.0" encoding="utf-8"?>
+<p:sld xmlns:a="http://schemas.openxmlformats.org/drawingml/2006/main" xmlns:r="http://schemas.openxmlformats.org/officeDocument/2006/relationships" xmlns:p="http://schemas.openxmlformats.org/presentationml/2006/main">
+  <p:cSld>
+    <p:spTree>
+      <p:nvGrpSpPr>
+        <p:cNvPr id="1" name=""/>
+        <p:cNvGrpSpPr/>
+        <p:nvPr/>
+      </p:nvGrpSpPr>
+      <p:grpSpPr/>
+      <p:sp>
+        <p:nvSpPr>
+          <p:cNvPr id="2" name="标题 1"/>
+          <p:cNvSpPr>
+            <a:spLocks noGrp="1"/>
+          </p:cNvSpPr>
+          <p:nvPr>
+            <p:ph type="title"/>
+          </p:nvPr>
+        </p:nvSpPr>
+        <p:spPr/>
+        <p:txBody>
+          <a:bodyPr/>
+          <a:p>
+            <a:r>
+              <a:rPr lang="zh-CN" altLang="en-US"/>
+              <a:t>类的元素构造函数可以这么</a:t>
+            </a:r>
+            <a:r>
+              <a:rPr lang="zh-CN" altLang="en-US"/>
+              <a:t>写</a:t>
+            </a:r>
+            <a:endParaRPr lang="zh-CN" altLang="en-US"/>
+          </a:p>
+        </p:txBody>
+      </p:sp>
+      <p:pic>
+        <p:nvPicPr>
+          <p:cNvPr id="4" name="内容占位符 3"/>
+          <p:cNvPicPr>
+            <a:picLocks noChangeAspect="1"/>
+          </p:cNvPicPr>
+          <p:nvPr>
+            <p:ph idx="1"/>
+          </p:nvPr>
+        </p:nvPicPr>
+        <p:blipFill>
+          <a:blip r:embed="rId1"/>
+          <a:stretch>
+            <a:fillRect/>
+          </a:stretch>
+        </p:blipFill>
+        <p:spPr>
+          <a:xfrm>
+            <a:off x="1280795" y="3100705"/>
+            <a:ext cx="9629775" cy="1800225"/>
+          </a:xfrm>
+          <a:prstGeom prst="rect">
+            <a:avLst/>
+          </a:prstGeom>
+        </p:spPr>
+      </p:pic>
+    </p:spTree>
+  </p:cSld>
+  <p:clrMapOvr>
+    <a:masterClrMapping/>
+  </p:clrMapOvr>
+</p:sld>
+</file>
+
+<file path=ppt/tags/tag1.xml><?xml version="1.0" encoding="utf-8"?>
+<p:tagLst xmlns:p="http://schemas.openxmlformats.org/presentationml/2006/main">
+  <p:tag name="KSO_WM_UNIT_PLACING_PICTURE_USER_VIEWPORT" val="{&quot;height&quot;:6853,&quot;width&quot;:12864}"/>
+</p:tagLst>
+</file>
+
+<file path=ppt/tags/tag2.xml><?xml version="1.0" encoding="utf-8"?>
+<p:tagLst xmlns:p="http://schemas.openxmlformats.org/presentationml/2006/main">
+  <p:tag name="KSO_WM_UNIT_PLACING_PICTURE_USER_VIEWPORT" val="{&quot;height&quot;:6853,&quot;width&quot;:12006}"/>
+</p:tagLst>
+</file>
+
+<file path=ppt/tags/tag3.xml><?xml version="1.0" encoding="utf-8"?>
+<p:tagLst xmlns:p="http://schemas.openxmlformats.org/presentationml/2006/main">
+  <p:tag name="KSO_WM_UNIT_PLACING_PICTURE_USER_VIEWPORT" val="{&quot;height&quot;:6853,&quot;width&quot;:9006}"/>
+</p:tagLst>
+</file>
+
+<file path=ppt/tags/tag4.xml><?xml version="1.0" encoding="utf-8"?>
+<p:tagLst xmlns:p="http://schemas.openxmlformats.org/presentationml/2006/main">
+  <p:tag name="KSO_WM_UNIT_PLACING_PICTURE_USER_VIEWPORT" val="{&quot;height&quot;:6822,&quot;width&quot;:16560}"/>
+</p:tagLst>
 </file>
 
 <file path=ppt/theme/theme1.xml><?xml version="1.0" encoding="utf-8"?>
@@ -3351,4 +5172,263 @@
     </a:ext>
   </a:extLst>
 </a:theme>
+</file>
+
+<file path=ppt/theme/theme2.xml><?xml version="1.0" encoding="utf-8"?>
+<a:theme xmlns:a="http://schemas.openxmlformats.org/drawingml/2006/main" name="Office 主题">
+  <a:themeElements>
+    <a:clrScheme name="Office">
+      <a:dk1>
+        <a:sysClr val="windowText" lastClr="000000"/>
+      </a:dk1>
+      <a:lt1>
+        <a:sysClr val="window" lastClr="FFFFFF"/>
+      </a:lt1>
+      <a:dk2>
+        <a:srgbClr val="44546A"/>
+      </a:dk2>
+      <a:lt2>
+        <a:srgbClr val="E7E6E6"/>
+      </a:lt2>
+      <a:accent1>
+        <a:srgbClr val="5B9BD5"/>
+      </a:accent1>
+      <a:accent2>
+        <a:srgbClr val="ED7D31"/>
+      </a:accent2>
+      <a:accent3>
+        <a:srgbClr val="A5A5A5"/>
+      </a:accent3>
+      <a:accent4>
+        <a:srgbClr val="FFC000"/>
+      </a:accent4>
+      <a:accent5>
+        <a:srgbClr val="4472C4"/>
+      </a:accent5>
+      <a:accent6>
+        <a:srgbClr val="70AD47"/>
+      </a:accent6>
+      <a:hlink>
+        <a:srgbClr val="0563C1"/>
+      </a:hlink>
+      <a:folHlink>
+        <a:srgbClr val="954F72"/>
+      </a:folHlink>
+    </a:clrScheme>
+    <a:fontScheme name="Office">
+      <a:majorFont>
+        <a:latin typeface="Calibri Light"/>
+        <a:ea typeface=""/>
+        <a:cs typeface=""/>
+        <a:font script="Jpan" typeface="ＭＳ Ｐゴシック"/>
+        <a:font script="Hang" typeface="맑은 고딕"/>
+        <a:font script="Hans" typeface="宋体"/>
+        <a:font script="Hant" typeface="新細明體"/>
+        <a:font script="Arab" typeface="Times New Roman"/>
+        <a:font script="Hebr" typeface="Times New Roman"/>
+        <a:font script="Thai" typeface="Angsana New"/>
+        <a:font script="Ethi" typeface="Nyala"/>
+        <a:font script="Beng" typeface="Vrinda"/>
+        <a:font script="Gujr" typeface="Shruti"/>
+        <a:font script="Khmr" typeface="MoolBoran"/>
+        <a:font script="Knda" typeface="Tunga"/>
+        <a:font script="Guru" typeface="Raavi"/>
+        <a:font script="Cans" typeface="Euphemia"/>
+        <a:font script="Cher" typeface="Plantagenet Cherokee"/>
+        <a:font script="Yiii" typeface="Microsoft Yi Baiti"/>
+        <a:font script="Tibt" typeface="Microsoft Himalaya"/>
+        <a:font script="Thaa" typeface="MV Boli"/>
+        <a:font script="Deva" typeface="Mangal"/>
+        <a:font script="Telu" typeface="Gautami"/>
+        <a:font script="Taml" typeface="Latha"/>
+        <a:font script="Syrc" typeface="Estrangelo Edessa"/>
+        <a:font script="Orya" typeface="Kalinga"/>
+        <a:font script="Mlym" typeface="Kartika"/>
+        <a:font script="Laoo" typeface="DokChampa"/>
+        <a:font script="Sinh" typeface="Iskoola Pota"/>
+        <a:font script="Mong" typeface="Mongolian Baiti"/>
+        <a:font script="Viet" typeface="Times New Roman"/>
+        <a:font script="Uigh" typeface="Microsoft Uighur"/>
+        <a:font script="Geor" typeface="Sylfaen"/>
+      </a:majorFont>
+      <a:minorFont>
+        <a:latin typeface="Calibri"/>
+        <a:ea typeface=""/>
+        <a:cs typeface=""/>
+        <a:font script="Jpan" typeface="ＭＳ Ｐゴシック"/>
+        <a:font script="Hang" typeface="맑은 고딕"/>
+        <a:font script="Hans" typeface="宋体"/>
+        <a:font script="Hant" typeface="新細明體"/>
+        <a:font script="Arab" typeface="Arial"/>
+        <a:font script="Hebr" typeface="Arial"/>
+        <a:font script="Thai" typeface="Cordia New"/>
+        <a:font script="Ethi" typeface="Nyala"/>
+        <a:font script="Beng" typeface="Vrinda"/>
+        <a:font script="Gujr" typeface="Shruti"/>
+        <a:font script="Khmr" typeface="DaunPenh"/>
+        <a:font script="Knda" typeface="Tunga"/>
+        <a:font script="Guru" typeface="Raavi"/>
+        <a:font script="Cans" typeface="Euphemia"/>
+        <a:font script="Cher" typeface="Plantagenet Cherokee"/>
+        <a:font script="Yiii" typeface="Microsoft Yi Baiti"/>
+        <a:font script="Tibt" typeface="Microsoft Himalaya"/>
+        <a:font script="Thaa" typeface="MV Boli"/>
+        <a:font script="Deva" typeface="Mangal"/>
+        <a:font script="Telu" typeface="Gautami"/>
+        <a:font script="Taml" typeface="Latha"/>
+        <a:font script="Syrc" typeface="Estrangelo Edessa"/>
+        <a:font script="Orya" typeface="Kalinga"/>
+        <a:font script="Mlym" typeface="Kartika"/>
+        <a:font script="Laoo" typeface="DokChampa"/>
+        <a:font script="Sinh" typeface="Iskoola Pota"/>
+        <a:font script="Mong" typeface="Mongolian Baiti"/>
+        <a:font script="Viet" typeface="Arial"/>
+        <a:font script="Uigh" typeface="Microsoft Uighur"/>
+        <a:font script="Geor" typeface="Sylfaen"/>
+      </a:minorFont>
+    </a:fontScheme>
+    <a:fmtScheme name="Office">
+      <a:fillStyleLst>
+        <a:solidFill>
+          <a:schemeClr val="phClr"/>
+        </a:solidFill>
+        <a:gradFill rotWithShape="1">
+          <a:gsLst>
+            <a:gs pos="0">
+              <a:schemeClr val="phClr">
+                <a:lumMod val="110000"/>
+                <a:satMod val="105000"/>
+                <a:tint val="67000"/>
+              </a:schemeClr>
+            </a:gs>
+            <a:gs pos="50000">
+              <a:schemeClr val="phClr">
+                <a:lumMod val="105000"/>
+                <a:satMod val="103000"/>
+                <a:tint val="73000"/>
+              </a:schemeClr>
+            </a:gs>
+            <a:gs pos="100000">
+              <a:schemeClr val="phClr">
+                <a:lumMod val="105000"/>
+                <a:satMod val="109000"/>
+                <a:tint val="81000"/>
+              </a:schemeClr>
+            </a:gs>
+          </a:gsLst>
+          <a:lin ang="5400000" scaled="0"/>
+        </a:gradFill>
+        <a:gradFill rotWithShape="1">
+          <a:gsLst>
+            <a:gs pos="0">
+              <a:schemeClr val="phClr">
+                <a:satMod val="103000"/>
+                <a:lumMod val="102000"/>
+                <a:tint val="94000"/>
+              </a:schemeClr>
+            </a:gs>
+            <a:gs pos="50000">
+              <a:schemeClr val="phClr">
+                <a:satMod val="110000"/>
+                <a:lumMod val="100000"/>
+                <a:shade val="100000"/>
+              </a:schemeClr>
+            </a:gs>
+            <a:gs pos="100000">
+              <a:schemeClr val="phClr">
+                <a:lumMod val="99000"/>
+                <a:satMod val="120000"/>
+                <a:shade val="78000"/>
+              </a:schemeClr>
+            </a:gs>
+          </a:gsLst>
+          <a:lin ang="5400000" scaled="0"/>
+        </a:gradFill>
+      </a:fillStyleLst>
+      <a:lnStyleLst>
+        <a:ln w="6350" cap="flat" cmpd="sng" algn="ctr">
+          <a:solidFill>
+            <a:schemeClr val="phClr"/>
+          </a:solidFill>
+          <a:prstDash val="solid"/>
+          <a:miter lim="800000"/>
+        </a:ln>
+        <a:ln w="12700" cap="flat" cmpd="sng" algn="ctr">
+          <a:solidFill>
+            <a:schemeClr val="phClr"/>
+          </a:solidFill>
+          <a:prstDash val="solid"/>
+          <a:miter lim="800000"/>
+        </a:ln>
+        <a:ln w="19050" cap="flat" cmpd="sng" algn="ctr">
+          <a:solidFill>
+            <a:schemeClr val="phClr"/>
+          </a:solidFill>
+          <a:prstDash val="solid"/>
+          <a:miter lim="800000"/>
+        </a:ln>
+      </a:lnStyleLst>
+      <a:effectStyleLst>
+        <a:effectStyle>
+          <a:effectLst/>
+        </a:effectStyle>
+        <a:effectStyle>
+          <a:effectLst/>
+        </a:effectStyle>
+        <a:effectStyle>
+          <a:effectLst>
+            <a:outerShdw blurRad="57150" dist="19050" dir="5400000" algn="ctr" rotWithShape="0">
+              <a:srgbClr val="000000">
+                <a:alpha val="63000"/>
+              </a:srgbClr>
+            </a:outerShdw>
+          </a:effectLst>
+        </a:effectStyle>
+      </a:effectStyleLst>
+      <a:bgFillStyleLst>
+        <a:solidFill>
+          <a:schemeClr val="phClr"/>
+        </a:solidFill>
+        <a:solidFill>
+          <a:schemeClr val="phClr">
+            <a:tint val="95000"/>
+            <a:satMod val="170000"/>
+          </a:schemeClr>
+        </a:solidFill>
+        <a:gradFill rotWithShape="1">
+          <a:gsLst>
+            <a:gs pos="0">
+              <a:schemeClr val="phClr">
+                <a:tint val="93000"/>
+                <a:satMod val="150000"/>
+                <a:shade val="98000"/>
+                <a:lumMod val="102000"/>
+              </a:schemeClr>
+            </a:gs>
+            <a:gs pos="50000">
+              <a:schemeClr val="phClr">
+                <a:tint val="98000"/>
+                <a:satMod val="130000"/>
+                <a:shade val="90000"/>
+                <a:lumMod val="103000"/>
+              </a:schemeClr>
+            </a:gs>
+            <a:gs pos="100000">
+              <a:schemeClr val="phClr">
+                <a:shade val="63000"/>
+                <a:satMod val="120000"/>
+              </a:schemeClr>
+            </a:gs>
+          </a:gsLst>
+          <a:lin ang="5400000" scaled="0"/>
+        </a:gradFill>
+      </a:bgFillStyleLst>
+    </a:fmtScheme>
+  </a:themeElements>
+  <a:extLst>
+    <a:ext uri="{05A4C25C-085E-4340-85A3-A5531E510DB2}">
+      <thm15:themeFamily xmlns:thm15="http://schemas.microsoft.com/office/thememl/2012/main" name="Office Theme" id="{62F939B6-93AF-4DB8-9C6B-D6C7DFDC589F}" vid="{4A3C46E8-61CC-4603-A589-7422A47A8E4A}"/>
+    </a:ext>
+  </a:extLst>
+</a:theme>
 </file>
--- a/一点弱智技巧.pptx
+++ b/一点弱智技巧.pptx
@@ -5,29 +5,56 @@
     <p:sldMasterId id="2147483648" r:id="rId1"/>
   </p:sldMasterIdLst>
   <p:notesMasterIdLst>
-    <p:notesMasterId r:id="rId10"/>
+    <p:notesMasterId r:id="rId11"/>
   </p:notesMasterIdLst>
   <p:sldIdLst>
     <p:sldId id="256" r:id="rId3"/>
-    <p:sldId id="268" r:id="rId4"/>
-    <p:sldId id="257" r:id="rId5"/>
-    <p:sldId id="258" r:id="rId6"/>
-    <p:sldId id="259" r:id="rId7"/>
-    <p:sldId id="260" r:id="rId8"/>
-    <p:sldId id="261" r:id="rId9"/>
-    <p:sldId id="262" r:id="rId11"/>
-    <p:sldId id="263" r:id="rId12"/>
-    <p:sldId id="264" r:id="rId13"/>
-    <p:sldId id="265" r:id="rId14"/>
-    <p:sldId id="266" r:id="rId15"/>
-    <p:sldId id="267" r:id="rId16"/>
-    <p:sldId id="280" r:id="rId17"/>
-    <p:sldId id="281" r:id="rId18"/>
-    <p:sldId id="282" r:id="rId19"/>
-    <p:sldId id="283" r:id="rId20"/>
-    <p:sldId id="284" r:id="rId21"/>
-    <p:sldId id="286" r:id="rId22"/>
-    <p:sldId id="287" r:id="rId23"/>
+    <p:sldId id="319" r:id="rId4"/>
+    <p:sldId id="268" r:id="rId5"/>
+    <p:sldId id="257" r:id="rId6"/>
+    <p:sldId id="258" r:id="rId7"/>
+    <p:sldId id="259" r:id="rId8"/>
+    <p:sldId id="260" r:id="rId9"/>
+    <p:sldId id="261" r:id="rId10"/>
+    <p:sldId id="262" r:id="rId12"/>
+    <p:sldId id="263" r:id="rId13"/>
+    <p:sldId id="264" r:id="rId14"/>
+    <p:sldId id="265" r:id="rId15"/>
+    <p:sldId id="266" r:id="rId16"/>
+    <p:sldId id="267" r:id="rId17"/>
+    <p:sldId id="280" r:id="rId18"/>
+    <p:sldId id="281" r:id="rId19"/>
+    <p:sldId id="282" r:id="rId20"/>
+    <p:sldId id="283" r:id="rId21"/>
+    <p:sldId id="284" r:id="rId22"/>
+    <p:sldId id="286" r:id="rId23"/>
+    <p:sldId id="287" r:id="rId24"/>
+    <p:sldId id="288" r:id="rId25"/>
+    <p:sldId id="289" r:id="rId26"/>
+    <p:sldId id="290" r:id="rId27"/>
+    <p:sldId id="291" r:id="rId28"/>
+    <p:sldId id="292" r:id="rId29"/>
+    <p:sldId id="293" r:id="rId30"/>
+    <p:sldId id="301" r:id="rId31"/>
+    <p:sldId id="302" r:id="rId32"/>
+    <p:sldId id="294" r:id="rId33"/>
+    <p:sldId id="295" r:id="rId34"/>
+    <p:sldId id="296" r:id="rId35"/>
+    <p:sldId id="297" r:id="rId36"/>
+    <p:sldId id="298" r:id="rId37"/>
+    <p:sldId id="299" r:id="rId38"/>
+    <p:sldId id="300" r:id="rId39"/>
+    <p:sldId id="303" r:id="rId40"/>
+    <p:sldId id="311" r:id="rId41"/>
+    <p:sldId id="312" r:id="rId42"/>
+    <p:sldId id="313" r:id="rId43"/>
+    <p:sldId id="314" r:id="rId44"/>
+    <p:sldId id="315" r:id="rId45"/>
+    <p:sldId id="316" r:id="rId46"/>
+    <p:sldId id="317" r:id="rId47"/>
+    <p:sldId id="318" r:id="rId48"/>
+    <p:sldId id="363" r:id="rId49"/>
+    <p:sldId id="364" r:id="rId50"/>
   </p:sldIdLst>
   <p:sldSz cx="12192000" cy="6858000"/>
   <p:notesSz cx="6858000" cy="9144000"/>
@@ -3492,6 +3519,76 @@
         <p:txBody>
           <a:bodyPr/>
           <a:p>
+            <a:r>
+              <a:rPr lang="zh-CN" altLang="en-US"/>
+              <a:t>类的元素构造函数可以这么</a:t>
+            </a:r>
+            <a:r>
+              <a:rPr lang="zh-CN" altLang="en-US"/>
+              <a:t>写</a:t>
+            </a:r>
+            <a:endParaRPr lang="zh-CN" altLang="en-US"/>
+          </a:p>
+        </p:txBody>
+      </p:sp>
+      <p:pic>
+        <p:nvPicPr>
+          <p:cNvPr id="4" name="内容占位符 3"/>
+          <p:cNvPicPr>
+            <a:picLocks noChangeAspect="1"/>
+          </p:cNvPicPr>
+          <p:nvPr>
+            <p:ph idx="1"/>
+          </p:nvPr>
+        </p:nvPicPr>
+        <p:blipFill>
+          <a:blip r:embed="rId1"/>
+          <a:stretch>
+            <a:fillRect/>
+          </a:stretch>
+        </p:blipFill>
+        <p:spPr>
+          <a:xfrm>
+            <a:off x="1280795" y="3100705"/>
+            <a:ext cx="9629775" cy="1800225"/>
+          </a:xfrm>
+          <a:prstGeom prst="rect">
+            <a:avLst/>
+          </a:prstGeom>
+        </p:spPr>
+      </p:pic>
+    </p:spTree>
+  </p:cSld>
+  <p:clrMapOvr>
+    <a:masterClrMapping/>
+  </p:clrMapOvr>
+</p:sld>
+</file>
+
+<file path=ppt/slides/slide11.xml><?xml version="1.0" encoding="utf-8"?>
+<p:sld xmlns:a="http://schemas.openxmlformats.org/drawingml/2006/main" xmlns:r="http://schemas.openxmlformats.org/officeDocument/2006/relationships" xmlns:p="http://schemas.openxmlformats.org/presentationml/2006/main">
+  <p:cSld>
+    <p:spTree>
+      <p:nvGrpSpPr>
+        <p:cNvPr id="1" name=""/>
+        <p:cNvGrpSpPr/>
+        <p:nvPr/>
+      </p:nvGrpSpPr>
+      <p:grpSpPr/>
+      <p:sp>
+        <p:nvSpPr>
+          <p:cNvPr id="2" name="标题 1"/>
+          <p:cNvSpPr>
+            <a:spLocks noGrp="1"/>
+          </p:cNvSpPr>
+          <p:nvPr>
+            <p:ph type="title"/>
+          </p:nvPr>
+        </p:nvSpPr>
+        <p:spPr/>
+        <p:txBody>
+          <a:bodyPr/>
+          <a:p>
             <a:endParaRPr lang="zh-CN" altLang="en-US"/>
           </a:p>
         </p:txBody>
@@ -3533,7 +3630,7 @@
 </p:sld>
 </file>
 
-<file path=ppt/slides/slide11.xml><?xml version="1.0" encoding="utf-8"?>
+<file path=ppt/slides/slide12.xml><?xml version="1.0" encoding="utf-8"?>
 <p:sld xmlns:a="http://schemas.openxmlformats.org/drawingml/2006/main" xmlns:r="http://schemas.openxmlformats.org/officeDocument/2006/relationships" xmlns:p="http://schemas.openxmlformats.org/presentationml/2006/main">
   <p:cSld>
     <p:spTree>
@@ -3605,68 +3702,6 @@
 </p:sld>
 </file>
 
-<file path=ppt/slides/slide12.xml><?xml version="1.0" encoding="utf-8"?>
-<p:sld xmlns:a="http://schemas.openxmlformats.org/drawingml/2006/main" xmlns:r="http://schemas.openxmlformats.org/officeDocument/2006/relationships" xmlns:p="http://schemas.openxmlformats.org/presentationml/2006/main">
-  <p:cSld>
-    <p:spTree>
-      <p:nvGrpSpPr>
-        <p:cNvPr id="1" name=""/>
-        <p:cNvGrpSpPr/>
-        <p:nvPr/>
-      </p:nvGrpSpPr>
-      <p:grpSpPr/>
-      <p:sp>
-        <p:nvSpPr>
-          <p:cNvPr id="2" name="标题 1"/>
-          <p:cNvSpPr>
-            <a:spLocks noGrp="1"/>
-          </p:cNvSpPr>
-          <p:nvPr>
-            <p:ph type="title"/>
-          </p:nvPr>
-        </p:nvSpPr>
-        <p:spPr/>
-        <p:txBody>
-          <a:bodyPr/>
-          <a:p>
-            <a:endParaRPr lang="zh-CN" altLang="en-US"/>
-          </a:p>
-        </p:txBody>
-      </p:sp>
-      <p:sp>
-        <p:nvSpPr>
-          <p:cNvPr id="3" name="内容占位符 2"/>
-          <p:cNvSpPr>
-            <a:spLocks noGrp="1"/>
-          </p:cNvSpPr>
-          <p:nvPr>
-            <p:ph idx="1"/>
-          </p:nvPr>
-        </p:nvSpPr>
-        <p:spPr/>
-        <p:txBody>
-          <a:bodyPr/>
-          <a:p>
-            <a:r>
-              <a:rPr lang="zh-CN" altLang="en-US"/>
-              <a:t>动态内存申请来自堆内，和普通的动态变量等保存位置</a:t>
-            </a:r>
-            <a:r>
-              <a:rPr lang="zh-CN" altLang="en-US"/>
-              <a:t>不同</a:t>
-            </a:r>
-            <a:endParaRPr lang="zh-CN" altLang="en-US"/>
-          </a:p>
-        </p:txBody>
-      </p:sp>
-    </p:spTree>
-  </p:cSld>
-  <p:clrMapOvr>
-    <a:masterClrMapping/>
-  </p:clrMapOvr>
-</p:sld>
-</file>
-
 <file path=ppt/slides/slide13.xml><?xml version="1.0" encoding="utf-8"?>
 <p:sld xmlns:a="http://schemas.openxmlformats.org/drawingml/2006/main" xmlns:r="http://schemas.openxmlformats.org/officeDocument/2006/relationships" xmlns:p="http://schemas.openxmlformats.org/presentationml/2006/main">
   <p:cSld>
@@ -3691,22 +3726,16 @@
         <p:txBody>
           <a:bodyPr/>
           <a:p>
-            <a:r>
-              <a:rPr lang="zh-CN" altLang="en-US"/>
-              <a:t>动态内存申请便于</a:t>
-            </a:r>
-            <a:r>
-              <a:rPr lang="zh-CN" altLang="en-US"/>
-              <a:t>传递</a:t>
-            </a:r>
-            <a:endParaRPr lang="zh-CN" altLang="en-US"/>
-          </a:p>
-        </p:txBody>
-      </p:sp>
-      <p:sp>
-        <p:nvSpPr>
-          <p:cNvPr id="5" name="内容占位符 4"/>
-          <p:cNvSpPr/>
+            <a:endParaRPr lang="zh-CN" altLang="en-US"/>
+          </a:p>
+        </p:txBody>
+      </p:sp>
+      <p:sp>
+        <p:nvSpPr>
+          <p:cNvPr id="3" name="内容占位符 2"/>
+          <p:cNvSpPr>
+            <a:spLocks noGrp="1"/>
+          </p:cNvSpPr>
           <p:nvPr>
             <p:ph idx="1"/>
           </p:nvPr>
@@ -3715,6 +3744,14 @@
         <p:txBody>
           <a:bodyPr/>
           <a:p>
+            <a:r>
+              <a:rPr lang="zh-CN" altLang="en-US"/>
+              <a:t>动态内存申请来自堆内，和普通的动态变量等保存位置</a:t>
+            </a:r>
+            <a:r>
+              <a:rPr lang="zh-CN" altLang="en-US"/>
+              <a:t>不同</a:t>
+            </a:r>
             <a:endParaRPr lang="zh-CN" altLang="en-US"/>
           </a:p>
         </p:txBody>
@@ -3728,6 +3765,66 @@
 </file>
 
 <file path=ppt/slides/slide14.xml><?xml version="1.0" encoding="utf-8"?>
+<p:sld xmlns:a="http://schemas.openxmlformats.org/drawingml/2006/main" xmlns:r="http://schemas.openxmlformats.org/officeDocument/2006/relationships" xmlns:p="http://schemas.openxmlformats.org/presentationml/2006/main">
+  <p:cSld>
+    <p:spTree>
+      <p:nvGrpSpPr>
+        <p:cNvPr id="1" name=""/>
+        <p:cNvGrpSpPr/>
+        <p:nvPr/>
+      </p:nvGrpSpPr>
+      <p:grpSpPr/>
+      <p:sp>
+        <p:nvSpPr>
+          <p:cNvPr id="2" name="标题 1"/>
+          <p:cNvSpPr>
+            <a:spLocks noGrp="1"/>
+          </p:cNvSpPr>
+          <p:nvPr>
+            <p:ph type="title"/>
+          </p:nvPr>
+        </p:nvSpPr>
+        <p:spPr/>
+        <p:txBody>
+          <a:bodyPr/>
+          <a:p>
+            <a:r>
+              <a:rPr lang="zh-CN" altLang="en-US"/>
+              <a:t>动态内存申请便于</a:t>
+            </a:r>
+            <a:r>
+              <a:rPr lang="zh-CN" altLang="en-US"/>
+              <a:t>传递</a:t>
+            </a:r>
+            <a:endParaRPr lang="zh-CN" altLang="en-US"/>
+          </a:p>
+        </p:txBody>
+      </p:sp>
+      <p:sp>
+        <p:nvSpPr>
+          <p:cNvPr id="5" name="内容占位符 4"/>
+          <p:cNvSpPr/>
+          <p:nvPr>
+            <p:ph idx="1"/>
+          </p:nvPr>
+        </p:nvSpPr>
+        <p:spPr/>
+        <p:txBody>
+          <a:bodyPr/>
+          <a:p>
+            <a:endParaRPr lang="zh-CN" altLang="en-US"/>
+          </a:p>
+        </p:txBody>
+      </p:sp>
+    </p:spTree>
+  </p:cSld>
+  <p:clrMapOvr>
+    <a:masterClrMapping/>
+  </p:clrMapOvr>
+</p:sld>
+</file>
+
+<file path=ppt/slides/slide15.xml><?xml version="1.0" encoding="utf-8"?>
 <p:sld xmlns:a="http://schemas.openxmlformats.org/drawingml/2006/main" xmlns:r="http://schemas.openxmlformats.org/officeDocument/2006/relationships" xmlns:p="http://schemas.openxmlformats.org/presentationml/2006/main">
   <p:cSld>
     <p:spTree>
@@ -3797,7 +3894,7 @@
 </p:sld>
 </file>
 
-<file path=ppt/slides/slide15.xml><?xml version="1.0" encoding="utf-8"?>
+<file path=ppt/slides/slide16.xml><?xml version="1.0" encoding="utf-8"?>
 <p:sld xmlns:a="http://schemas.openxmlformats.org/drawingml/2006/main" xmlns:r="http://schemas.openxmlformats.org/officeDocument/2006/relationships" xmlns:p="http://schemas.openxmlformats.org/presentationml/2006/main">
   <p:cSld>
     <p:spTree>
@@ -3862,7 +3959,7 @@
 </p:sld>
 </file>
 
-<file path=ppt/slides/slide16.xml><?xml version="1.0" encoding="utf-8"?>
+<file path=ppt/slides/slide17.xml><?xml version="1.0" encoding="utf-8"?>
 <p:sld xmlns:a="http://schemas.openxmlformats.org/drawingml/2006/main" xmlns:r="http://schemas.openxmlformats.org/officeDocument/2006/relationships" xmlns:p="http://schemas.openxmlformats.org/presentationml/2006/main">
   <p:cSld>
     <p:spTree>
@@ -3924,7 +4021,7 @@
 </p:sld>
 </file>
 
-<file path=ppt/slides/slide17.xml><?xml version="1.0" encoding="utf-8"?>
+<file path=ppt/slides/slide18.xml><?xml version="1.0" encoding="utf-8"?>
 <p:sld xmlns:a="http://schemas.openxmlformats.org/drawingml/2006/main" xmlns:r="http://schemas.openxmlformats.org/officeDocument/2006/relationships" xmlns:p="http://schemas.openxmlformats.org/presentationml/2006/main">
   <p:cSld>
     <p:spTree>
@@ -4003,68 +4100,6 @@
 </p:sld>
 </file>
 
-<file path=ppt/slides/slide18.xml><?xml version="1.0" encoding="utf-8"?>
-<p:sld xmlns:a="http://schemas.openxmlformats.org/drawingml/2006/main" xmlns:r="http://schemas.openxmlformats.org/officeDocument/2006/relationships" xmlns:p="http://schemas.openxmlformats.org/presentationml/2006/main">
-  <p:cSld>
-    <p:spTree>
-      <p:nvGrpSpPr>
-        <p:cNvPr id="1" name=""/>
-        <p:cNvGrpSpPr/>
-        <p:nvPr/>
-      </p:nvGrpSpPr>
-      <p:grpSpPr/>
-      <p:sp>
-        <p:nvSpPr>
-          <p:cNvPr id="2" name="标题 1"/>
-          <p:cNvSpPr>
-            <a:spLocks noGrp="1"/>
-          </p:cNvSpPr>
-          <p:nvPr>
-            <p:ph type="title"/>
-          </p:nvPr>
-        </p:nvSpPr>
-        <p:spPr/>
-        <p:txBody>
-          <a:bodyPr/>
-          <a:p>
-            <a:endParaRPr lang="zh-CN" altLang="en-US"/>
-          </a:p>
-        </p:txBody>
-      </p:sp>
-      <p:sp>
-        <p:nvSpPr>
-          <p:cNvPr id="3" name="内容占位符 2"/>
-          <p:cNvSpPr>
-            <a:spLocks noGrp="1"/>
-          </p:cNvSpPr>
-          <p:nvPr>
-            <p:ph idx="1"/>
-          </p:nvPr>
-        </p:nvSpPr>
-        <p:spPr/>
-        <p:txBody>
-          <a:bodyPr/>
-          <a:p>
-            <a:r>
-              <a:rPr lang="zh-CN" altLang="en-US"/>
-              <a:t>结构体指针需要动态内存申请才能访问</a:t>
-            </a:r>
-            <a:r>
-              <a:rPr lang="zh-CN" altLang="en-US"/>
-              <a:t>空间</a:t>
-            </a:r>
-            <a:endParaRPr lang="zh-CN" altLang="en-US"/>
-          </a:p>
-        </p:txBody>
-      </p:sp>
-    </p:spTree>
-  </p:cSld>
-  <p:clrMapOvr>
-    <a:masterClrMapping/>
-  </p:clrMapOvr>
-</p:sld>
-</file>
-
 <file path=ppt/slides/slide19.xml><?xml version="1.0" encoding="utf-8"?>
 <p:sld xmlns:a="http://schemas.openxmlformats.org/drawingml/2006/main" xmlns:r="http://schemas.openxmlformats.org/officeDocument/2006/relationships" xmlns:p="http://schemas.openxmlformats.org/presentationml/2006/main">
   <p:cSld>
@@ -4089,10 +4124,6 @@
         <p:txBody>
           <a:bodyPr/>
           <a:p>
-            <a:r>
-              <a:rPr lang="zh-CN" altLang="en-US"/>
-              <a:t>需要注意</a:t>
-            </a:r>
             <a:endParaRPr lang="zh-CN" altLang="en-US"/>
           </a:p>
         </p:txBody>
@@ -4112,26 +4143,14 @@
           <a:bodyPr/>
           <a:p>
             <a:r>
-              <a:rPr lang="en-US" altLang="zh-CN"/>
-              <a:t>char</a:t>
-            </a:r>
-            <a:r>
-              <a:rPr lang="zh-CN" altLang="en-US"/>
-              <a:t>有自动升级</a:t>
-            </a:r>
-            <a:r>
-              <a:rPr lang="en-US" altLang="zh-CN"/>
-              <a:t> </a:t>
-            </a:r>
-            <a:r>
-              <a:rPr lang="zh-CN" altLang="en-US"/>
-              <a:t>很神奇，位运算的返回值是</a:t>
-            </a:r>
-            <a:r>
-              <a:rPr lang="en-US" altLang="zh-CN"/>
-              <a:t>int</a:t>
-            </a:r>
-            <a:endParaRPr lang="en-US" altLang="zh-CN"/>
+              <a:rPr lang="zh-CN" altLang="en-US"/>
+              <a:t>结构体指针需要动态内存申请才能访问</a:t>
+            </a:r>
+            <a:r>
+              <a:rPr lang="zh-CN" altLang="en-US"/>
+              <a:t>空间</a:t>
+            </a:r>
+            <a:endParaRPr lang="zh-CN" altLang="en-US"/>
           </a:p>
         </p:txBody>
       </p:sp>
@@ -4144,6 +4163,849 @@
 </file>
 
 <file path=ppt/slides/slide2.xml><?xml version="1.0" encoding="utf-8"?>
+<p:sld xmlns:a="http://schemas.openxmlformats.org/drawingml/2006/main" xmlns:r="http://schemas.openxmlformats.org/officeDocument/2006/relationships" xmlns:p="http://schemas.openxmlformats.org/presentationml/2006/main">
+  <p:cSld>
+    <p:spTree>
+      <p:nvGrpSpPr>
+        <p:cNvPr id="1" name=""/>
+        <p:cNvGrpSpPr/>
+        <p:nvPr/>
+      </p:nvGrpSpPr>
+      <p:grpSpPr/>
+      <p:sp>
+        <p:nvSpPr>
+          <p:cNvPr id="2" name="标题 1"/>
+          <p:cNvSpPr>
+            <a:spLocks noGrp="1"/>
+          </p:cNvSpPr>
+          <p:nvPr>
+            <p:ph type="title"/>
+          </p:nvPr>
+        </p:nvSpPr>
+        <p:spPr/>
+        <p:txBody>
+          <a:bodyPr>
+            <a:normAutofit fontScale="90000"/>
+          </a:bodyPr>
+          <a:p>
+            <a:r>
+              <a:rPr lang="zh-CN" altLang="en-US"/>
+              <a:t>不能针对非</a:t>
+            </a:r>
+            <a:r>
+              <a:rPr lang="en-US" altLang="zh-CN"/>
+              <a:t>1</a:t>
+            </a:r>
+            <a:r>
+              <a:rPr lang="zh-CN" altLang="en-US"/>
+              <a:t>字节为单体的对象，例如初始化</a:t>
+            </a:r>
+            <a:r>
+              <a:rPr lang="en-US" altLang="zh-CN"/>
+              <a:t>int</a:t>
+            </a:r>
+            <a:r>
+              <a:rPr lang="zh-CN" altLang="en-US"/>
+              <a:t>数组</a:t>
+            </a:r>
+            <a:endParaRPr lang="zh-CN" altLang="en-US"/>
+          </a:p>
+        </p:txBody>
+      </p:sp>
+      <p:sp>
+        <p:nvSpPr>
+          <p:cNvPr id="3" name="内容占位符 2"/>
+          <p:cNvSpPr>
+            <a:spLocks noGrp="1"/>
+          </p:cNvSpPr>
+          <p:nvPr>
+            <p:ph idx="1"/>
+          </p:nvPr>
+        </p:nvSpPr>
+        <p:spPr/>
+        <p:txBody>
+          <a:bodyPr/>
+          <a:p>
+            <a:r>
+              <a:rPr lang="zh-CN" altLang="en-US"/>
+              <a:t>但是初始化</a:t>
+            </a:r>
+            <a:r>
+              <a:rPr lang="en-US" altLang="zh-CN"/>
+              <a:t>0</a:t>
+            </a:r>
+            <a:r>
+              <a:rPr lang="zh-CN" altLang="en-US"/>
+              <a:t>没什么</a:t>
+            </a:r>
+            <a:r>
+              <a:rPr lang="zh-CN" altLang="en-US"/>
+              <a:t>问题</a:t>
+            </a:r>
+            <a:endParaRPr lang="zh-CN" altLang="en-US"/>
+          </a:p>
+        </p:txBody>
+      </p:sp>
+    </p:spTree>
+  </p:cSld>
+  <p:clrMapOvr>
+    <a:masterClrMapping/>
+  </p:clrMapOvr>
+</p:sld>
+</file>
+
+<file path=ppt/slides/slide20.xml><?xml version="1.0" encoding="utf-8"?>
+<p:sld xmlns:a="http://schemas.openxmlformats.org/drawingml/2006/main" xmlns:r="http://schemas.openxmlformats.org/officeDocument/2006/relationships" xmlns:p="http://schemas.openxmlformats.org/presentationml/2006/main">
+  <p:cSld>
+    <p:spTree>
+      <p:nvGrpSpPr>
+        <p:cNvPr id="1" name=""/>
+        <p:cNvGrpSpPr/>
+        <p:nvPr/>
+      </p:nvGrpSpPr>
+      <p:grpSpPr/>
+      <p:sp>
+        <p:nvSpPr>
+          <p:cNvPr id="2" name="标题 1"/>
+          <p:cNvSpPr>
+            <a:spLocks noGrp="1"/>
+          </p:cNvSpPr>
+          <p:nvPr>
+            <p:ph type="title"/>
+          </p:nvPr>
+        </p:nvSpPr>
+        <p:spPr/>
+        <p:txBody>
+          <a:bodyPr/>
+          <a:p>
+            <a:r>
+              <a:rPr lang="zh-CN" altLang="en-US"/>
+              <a:t>需要注意</a:t>
+            </a:r>
+            <a:endParaRPr lang="zh-CN" altLang="en-US"/>
+          </a:p>
+        </p:txBody>
+      </p:sp>
+      <p:sp>
+        <p:nvSpPr>
+          <p:cNvPr id="3" name="内容占位符 2"/>
+          <p:cNvSpPr>
+            <a:spLocks noGrp="1"/>
+          </p:cNvSpPr>
+          <p:nvPr>
+            <p:ph idx="1"/>
+          </p:nvPr>
+        </p:nvSpPr>
+        <p:spPr/>
+        <p:txBody>
+          <a:bodyPr/>
+          <a:p>
+            <a:r>
+              <a:rPr lang="en-US" altLang="zh-CN"/>
+              <a:t>char</a:t>
+            </a:r>
+            <a:r>
+              <a:rPr lang="zh-CN" altLang="en-US"/>
+              <a:t>有自动升级</a:t>
+            </a:r>
+            <a:r>
+              <a:rPr lang="en-US" altLang="zh-CN"/>
+              <a:t> </a:t>
+            </a:r>
+            <a:r>
+              <a:rPr lang="zh-CN" altLang="en-US"/>
+              <a:t>很神奇，位运算的返回值是</a:t>
+            </a:r>
+            <a:r>
+              <a:rPr lang="en-US" altLang="zh-CN"/>
+              <a:t>int</a:t>
+            </a:r>
+            <a:endParaRPr lang="en-US" altLang="zh-CN"/>
+          </a:p>
+        </p:txBody>
+      </p:sp>
+    </p:spTree>
+  </p:cSld>
+  <p:clrMapOvr>
+    <a:masterClrMapping/>
+  </p:clrMapOvr>
+</p:sld>
+</file>
+
+<file path=ppt/slides/slide21.xml><?xml version="1.0" encoding="utf-8"?>
+<p:sld xmlns:a="http://schemas.openxmlformats.org/drawingml/2006/main" xmlns:r="http://schemas.openxmlformats.org/officeDocument/2006/relationships" xmlns:p="http://schemas.openxmlformats.org/presentationml/2006/main">
+  <p:cSld>
+    <p:spTree>
+      <p:nvGrpSpPr>
+        <p:cNvPr id="1" name=""/>
+        <p:cNvGrpSpPr/>
+        <p:nvPr/>
+      </p:nvGrpSpPr>
+      <p:grpSpPr/>
+      <p:sp>
+        <p:nvSpPr>
+          <p:cNvPr id="2" name="标题 1"/>
+          <p:cNvSpPr>
+            <a:spLocks noGrp="1"/>
+          </p:cNvSpPr>
+          <p:nvPr>
+            <p:ph type="title"/>
+          </p:nvPr>
+        </p:nvSpPr>
+        <p:spPr/>
+        <p:txBody>
+          <a:bodyPr/>
+          <a:p>
+            <a:r>
+              <a:rPr lang="en-US" altLang="zh-CN"/>
+              <a:t>resetiosflags(ios::right);</a:t>
+            </a:r>
+            <a:endParaRPr lang="en-US" altLang="zh-CN"/>
+          </a:p>
+        </p:txBody>
+      </p:sp>
+      <p:pic>
+        <p:nvPicPr>
+          <p:cNvPr id="4" name="内容占位符 3"/>
+          <p:cNvPicPr>
+            <a:picLocks noChangeAspect="1"/>
+          </p:cNvPicPr>
+          <p:nvPr>
+            <p:ph idx="1"/>
+          </p:nvPr>
+        </p:nvPicPr>
+        <p:blipFill>
+          <a:blip r:embed="rId1"/>
+          <a:stretch>
+            <a:fillRect/>
+          </a:stretch>
+        </p:blipFill>
+        <p:spPr>
+          <a:xfrm>
+            <a:off x="1466215" y="3105785"/>
+            <a:ext cx="9258300" cy="1790700"/>
+          </a:xfrm>
+          <a:prstGeom prst="rect">
+            <a:avLst/>
+          </a:prstGeom>
+        </p:spPr>
+      </p:pic>
+    </p:spTree>
+  </p:cSld>
+  <p:clrMapOvr>
+    <a:masterClrMapping/>
+  </p:clrMapOvr>
+</p:sld>
+</file>
+
+<file path=ppt/slides/slide22.xml><?xml version="1.0" encoding="utf-8"?>
+<p:sld xmlns:a="http://schemas.openxmlformats.org/drawingml/2006/main" xmlns:r="http://schemas.openxmlformats.org/officeDocument/2006/relationships" xmlns:p="http://schemas.openxmlformats.org/presentationml/2006/main">
+  <p:cSld>
+    <p:spTree>
+      <p:nvGrpSpPr>
+        <p:cNvPr id="1" name=""/>
+        <p:cNvGrpSpPr/>
+        <p:nvPr/>
+      </p:nvGrpSpPr>
+      <p:grpSpPr/>
+      <p:sp>
+        <p:nvSpPr>
+          <p:cNvPr id="2" name="标题 1"/>
+          <p:cNvSpPr>
+            <a:spLocks noGrp="1"/>
+          </p:cNvSpPr>
+          <p:nvPr>
+            <p:ph type="title"/>
+          </p:nvPr>
+        </p:nvSpPr>
+        <p:spPr/>
+        <p:txBody>
+          <a:bodyPr/>
+          <a:p>
+            <a:endParaRPr lang="zh-CN" altLang="en-US"/>
+          </a:p>
+        </p:txBody>
+      </p:sp>
+      <p:pic>
+        <p:nvPicPr>
+          <p:cNvPr id="4" name="内容占位符 3"/>
+          <p:cNvPicPr>
+            <a:picLocks noChangeAspect="1"/>
+          </p:cNvPicPr>
+          <p:nvPr>
+            <p:ph idx="1"/>
+            <p:custDataLst>
+              <p:tags r:id="rId1"/>
+            </p:custDataLst>
+          </p:nvPr>
+        </p:nvPicPr>
+        <p:blipFill>
+          <a:blip r:embed="rId2"/>
+          <a:stretch>
+            <a:fillRect/>
+          </a:stretch>
+        </p:blipFill>
+        <p:spPr>
+          <a:xfrm>
+            <a:off x="1957070" y="2624455"/>
+            <a:ext cx="8277225" cy="2752725"/>
+          </a:xfrm>
+          <a:prstGeom prst="rect">
+            <a:avLst/>
+          </a:prstGeom>
+        </p:spPr>
+      </p:pic>
+    </p:spTree>
+  </p:cSld>
+  <p:clrMapOvr>
+    <a:masterClrMapping/>
+  </p:clrMapOvr>
+</p:sld>
+</file>
+
+<file path=ppt/slides/slide23.xml><?xml version="1.0" encoding="utf-8"?>
+<p:sld xmlns:a="http://schemas.openxmlformats.org/drawingml/2006/main" xmlns:r="http://schemas.openxmlformats.org/officeDocument/2006/relationships" xmlns:p="http://schemas.openxmlformats.org/presentationml/2006/main">
+  <p:cSld>
+    <p:spTree>
+      <p:nvGrpSpPr>
+        <p:cNvPr id="1" name=""/>
+        <p:cNvGrpSpPr/>
+        <p:nvPr/>
+      </p:nvGrpSpPr>
+      <p:grpSpPr/>
+      <p:sp>
+        <p:nvSpPr>
+          <p:cNvPr id="2" name="标题 1"/>
+          <p:cNvSpPr>
+            <a:spLocks noGrp="1"/>
+          </p:cNvSpPr>
+          <p:nvPr>
+            <p:ph type="title"/>
+          </p:nvPr>
+        </p:nvSpPr>
+        <p:spPr/>
+        <p:txBody>
+          <a:bodyPr>
+            <a:normAutofit fontScale="90000"/>
+          </a:bodyPr>
+          <a:p>
+            <a:r>
+              <a:rPr lang="zh-CN" altLang="en-US"/>
+              <a:t>如果前面是</a:t>
+            </a:r>
+            <a:r>
+              <a:rPr lang="en-US" altLang="zh-CN"/>
+              <a:t>cin</a:t>
+            </a:r>
+            <a:r>
+              <a:rPr lang="zh-CN" altLang="en-US"/>
+              <a:t>的话，会有换行符在缓冲区里，需要</a:t>
+            </a:r>
+            <a:r>
+              <a:rPr lang="zh-CN" altLang="en-US"/>
+              <a:t>读掉</a:t>
+            </a:r>
+            <a:endParaRPr lang="zh-CN" altLang="en-US"/>
+          </a:p>
+        </p:txBody>
+      </p:sp>
+      <p:pic>
+        <p:nvPicPr>
+          <p:cNvPr id="4" name="内容占位符 3"/>
+          <p:cNvPicPr>
+            <a:picLocks noChangeAspect="1"/>
+          </p:cNvPicPr>
+          <p:nvPr>
+            <p:ph idx="1"/>
+          </p:nvPr>
+        </p:nvPicPr>
+        <p:blipFill>
+          <a:blip r:embed="rId1"/>
+          <a:stretch>
+            <a:fillRect/>
+          </a:stretch>
+        </p:blipFill>
+        <p:spPr>
+          <a:xfrm>
+            <a:off x="3576320" y="3253105"/>
+            <a:ext cx="5038725" cy="1495425"/>
+          </a:xfrm>
+          <a:prstGeom prst="rect">
+            <a:avLst/>
+          </a:prstGeom>
+        </p:spPr>
+      </p:pic>
+    </p:spTree>
+  </p:cSld>
+  <p:clrMapOvr>
+    <a:masterClrMapping/>
+  </p:clrMapOvr>
+</p:sld>
+</file>
+
+<file path=ppt/slides/slide24.xml><?xml version="1.0" encoding="utf-8"?>
+<p:sld xmlns:a="http://schemas.openxmlformats.org/drawingml/2006/main" xmlns:r="http://schemas.openxmlformats.org/officeDocument/2006/relationships" xmlns:p="http://schemas.openxmlformats.org/presentationml/2006/main">
+  <p:cSld>
+    <p:spTree>
+      <p:nvGrpSpPr>
+        <p:cNvPr id="1" name=""/>
+        <p:cNvGrpSpPr/>
+        <p:nvPr/>
+      </p:nvGrpSpPr>
+      <p:grpSpPr/>
+      <p:sp>
+        <p:nvSpPr>
+          <p:cNvPr id="2" name="标题 1"/>
+          <p:cNvSpPr>
+            <a:spLocks noGrp="1"/>
+          </p:cNvSpPr>
+          <p:nvPr>
+            <p:ph type="title"/>
+          </p:nvPr>
+        </p:nvSpPr>
+        <p:spPr/>
+        <p:txBody>
+          <a:bodyPr/>
+          <a:p>
+            <a:endParaRPr lang="zh-CN" altLang="en-US"/>
+          </a:p>
+        </p:txBody>
+      </p:sp>
+      <p:sp>
+        <p:nvSpPr>
+          <p:cNvPr id="3" name="内容占位符 2"/>
+          <p:cNvSpPr>
+            <a:spLocks noGrp="1"/>
+          </p:cNvSpPr>
+          <p:nvPr>
+            <p:ph idx="1"/>
+          </p:nvPr>
+        </p:nvSpPr>
+        <p:spPr/>
+        <p:txBody>
+          <a:bodyPr/>
+          <a:p>
+            <a:r>
+              <a:rPr lang="zh-CN" altLang="en-US"/>
+              <a:t>文件读写数据文件</a:t>
+            </a:r>
+            <a:r>
+              <a:rPr lang="en-US" altLang="zh-CN"/>
+              <a:t>getline</a:t>
+            </a:r>
+            <a:r>
+              <a:rPr lang="zh-CN" altLang="en-US"/>
+              <a:t>会自动去掉最后一个字符，加入尾</a:t>
+            </a:r>
+            <a:r>
+              <a:rPr lang="en-US" altLang="zh-CN"/>
+              <a:t>0</a:t>
+            </a:r>
+            <a:r>
+              <a:rPr lang="zh-CN" altLang="en-US"/>
+              <a:t>，所以无法替代</a:t>
+            </a:r>
+            <a:r>
+              <a:rPr lang="en-US" altLang="zh-CN"/>
+              <a:t>read</a:t>
+            </a:r>
+            <a:endParaRPr lang="en-US" altLang="zh-CN"/>
+          </a:p>
+        </p:txBody>
+      </p:sp>
+    </p:spTree>
+  </p:cSld>
+  <p:clrMapOvr>
+    <a:masterClrMapping/>
+  </p:clrMapOvr>
+</p:sld>
+</file>
+
+<file path=ppt/slides/slide25.xml><?xml version="1.0" encoding="utf-8"?>
+<p:sld xmlns:a="http://schemas.openxmlformats.org/drawingml/2006/main" xmlns:r="http://schemas.openxmlformats.org/officeDocument/2006/relationships" xmlns:p="http://schemas.openxmlformats.org/presentationml/2006/main">
+  <p:cSld>
+    <p:spTree>
+      <p:nvGrpSpPr>
+        <p:cNvPr id="1" name=""/>
+        <p:cNvGrpSpPr/>
+        <p:nvPr/>
+      </p:nvGrpSpPr>
+      <p:grpSpPr/>
+      <p:sp>
+        <p:nvSpPr>
+          <p:cNvPr id="2" name="标题 1"/>
+          <p:cNvSpPr>
+            <a:spLocks noGrp="1"/>
+          </p:cNvSpPr>
+          <p:nvPr>
+            <p:ph type="title"/>
+          </p:nvPr>
+        </p:nvSpPr>
+        <p:spPr/>
+        <p:txBody>
+          <a:bodyPr/>
+          <a:p>
+            <a:r>
+              <a:rPr lang="zh-CN" altLang="en-US"/>
+              <a:t>如果非构造函数，类型写在</a:t>
+            </a:r>
+            <a:r>
+              <a:rPr lang="zh-CN" altLang="en-US"/>
+              <a:t>最前面</a:t>
+            </a:r>
+            <a:endParaRPr lang="zh-CN" altLang="en-US"/>
+          </a:p>
+        </p:txBody>
+      </p:sp>
+      <p:pic>
+        <p:nvPicPr>
+          <p:cNvPr id="4" name="内容占位符 3"/>
+          <p:cNvPicPr>
+            <a:picLocks noChangeAspect="1"/>
+          </p:cNvPicPr>
+          <p:nvPr>
+            <p:ph idx="1"/>
+          </p:nvPr>
+        </p:nvPicPr>
+        <p:blipFill>
+          <a:blip r:embed="rId1"/>
+          <a:stretch>
+            <a:fillRect/>
+          </a:stretch>
+        </p:blipFill>
+        <p:spPr>
+          <a:xfrm>
+            <a:off x="1751965" y="3729355"/>
+            <a:ext cx="8686800" cy="542925"/>
+          </a:xfrm>
+          <a:prstGeom prst="rect">
+            <a:avLst/>
+          </a:prstGeom>
+        </p:spPr>
+      </p:pic>
+    </p:spTree>
+  </p:cSld>
+  <p:clrMapOvr>
+    <a:masterClrMapping/>
+  </p:clrMapOvr>
+</p:sld>
+</file>
+
+<file path=ppt/slides/slide26.xml><?xml version="1.0" encoding="utf-8"?>
+<p:sld xmlns:a="http://schemas.openxmlformats.org/drawingml/2006/main" xmlns:r="http://schemas.openxmlformats.org/officeDocument/2006/relationships" xmlns:p="http://schemas.openxmlformats.org/presentationml/2006/main">
+  <p:cSld>
+    <p:spTree>
+      <p:nvGrpSpPr>
+        <p:cNvPr id="1" name=""/>
+        <p:cNvGrpSpPr/>
+        <p:nvPr/>
+      </p:nvGrpSpPr>
+      <p:grpSpPr/>
+      <p:sp>
+        <p:nvSpPr>
+          <p:cNvPr id="2" name="标题 1"/>
+          <p:cNvSpPr>
+            <a:spLocks noGrp="1"/>
+          </p:cNvSpPr>
+          <p:nvPr>
+            <p:ph type="title"/>
+          </p:nvPr>
+        </p:nvSpPr>
+        <p:spPr/>
+        <p:txBody>
+          <a:bodyPr/>
+          <a:p>
+            <a:endParaRPr lang="zh-CN" altLang="en-US"/>
+          </a:p>
+        </p:txBody>
+      </p:sp>
+      <p:sp>
+        <p:nvSpPr>
+          <p:cNvPr id="3" name="内容占位符 2"/>
+          <p:cNvSpPr>
+            <a:spLocks noGrp="1"/>
+          </p:cNvSpPr>
+          <p:nvPr>
+            <p:ph idx="1"/>
+          </p:nvPr>
+        </p:nvSpPr>
+        <p:spPr/>
+        <p:txBody>
+          <a:bodyPr/>
+          <a:p>
+            <a:r>
+              <a:rPr lang="zh-CN" altLang="en-US"/>
+              <a:t>默认参数，不能在声明和函数定义时重复</a:t>
+            </a:r>
+            <a:r>
+              <a:rPr lang="zh-CN" altLang="en-US"/>
+              <a:t>出现</a:t>
+            </a:r>
+            <a:endParaRPr lang="zh-CN" altLang="en-US"/>
+          </a:p>
+        </p:txBody>
+      </p:sp>
+    </p:spTree>
+  </p:cSld>
+  <p:clrMapOvr>
+    <a:masterClrMapping/>
+  </p:clrMapOvr>
+</p:sld>
+</file>
+
+<file path=ppt/slides/slide27.xml><?xml version="1.0" encoding="utf-8"?>
+<p:sld xmlns:a="http://schemas.openxmlformats.org/drawingml/2006/main" xmlns:r="http://schemas.openxmlformats.org/officeDocument/2006/relationships" xmlns:p="http://schemas.openxmlformats.org/presentationml/2006/main">
+  <p:cSld>
+    <p:spTree>
+      <p:nvGrpSpPr>
+        <p:cNvPr id="1" name=""/>
+        <p:cNvGrpSpPr/>
+        <p:nvPr/>
+      </p:nvGrpSpPr>
+      <p:grpSpPr/>
+      <p:sp>
+        <p:nvSpPr>
+          <p:cNvPr id="2" name="标题 1"/>
+          <p:cNvSpPr>
+            <a:spLocks noGrp="1"/>
+          </p:cNvSpPr>
+          <p:nvPr>
+            <p:ph type="title"/>
+          </p:nvPr>
+        </p:nvSpPr>
+        <p:spPr/>
+        <p:txBody>
+          <a:bodyPr/>
+          <a:p>
+            <a:r>
+              <a:rPr lang="zh-CN" altLang="en-US"/>
+              <a:t>二义性</a:t>
+            </a:r>
+            <a:endParaRPr lang="zh-CN" altLang="en-US"/>
+          </a:p>
+        </p:txBody>
+      </p:sp>
+      <p:pic>
+        <p:nvPicPr>
+          <p:cNvPr id="4" name="内容占位符 3"/>
+          <p:cNvPicPr>
+            <a:picLocks noChangeAspect="1"/>
+          </p:cNvPicPr>
+          <p:nvPr>
+            <p:ph idx="1"/>
+          </p:nvPr>
+        </p:nvPicPr>
+        <p:blipFill>
+          <a:blip r:embed="rId1"/>
+          <a:stretch>
+            <a:fillRect/>
+          </a:stretch>
+        </p:blipFill>
+        <p:spPr>
+          <a:xfrm>
+            <a:off x="530860" y="1819275"/>
+            <a:ext cx="4758690" cy="4351655"/>
+          </a:xfrm>
+          <a:prstGeom prst="rect">
+            <a:avLst/>
+          </a:prstGeom>
+        </p:spPr>
+      </p:pic>
+    </p:spTree>
+  </p:cSld>
+  <p:clrMapOvr>
+    <a:masterClrMapping/>
+  </p:clrMapOvr>
+</p:sld>
+</file>
+
+<file path=ppt/slides/slide28.xml><?xml version="1.0" encoding="utf-8"?>
+<p:sld xmlns:a="http://schemas.openxmlformats.org/drawingml/2006/main" xmlns:r="http://schemas.openxmlformats.org/officeDocument/2006/relationships" xmlns:p="http://schemas.openxmlformats.org/presentationml/2006/main">
+  <p:cSld>
+    <p:spTree>
+      <p:nvGrpSpPr>
+        <p:cNvPr id="1" name=""/>
+        <p:cNvGrpSpPr/>
+        <p:nvPr/>
+      </p:nvGrpSpPr>
+      <p:grpSpPr/>
+      <p:sp>
+        <p:nvSpPr>
+          <p:cNvPr id="2" name="标题 1"/>
+          <p:cNvSpPr>
+            <a:spLocks noGrp="1"/>
+          </p:cNvSpPr>
+          <p:nvPr>
+            <p:ph type="title"/>
+          </p:nvPr>
+        </p:nvSpPr>
+        <p:spPr>
+          <a:xfrm>
+            <a:off x="2233295" y="452755"/>
+            <a:ext cx="10515600" cy="1325563"/>
+          </a:xfrm>
+        </p:spPr>
+        <p:txBody>
+          <a:bodyPr/>
+          <a:p>
+            <a:endParaRPr lang="zh-CN" altLang="en-US"/>
+          </a:p>
+        </p:txBody>
+      </p:sp>
+      <p:sp>
+        <p:nvSpPr>
+          <p:cNvPr id="3" name="内容占位符 2"/>
+          <p:cNvSpPr>
+            <a:spLocks noGrp="1"/>
+          </p:cNvSpPr>
+          <p:nvPr>
+            <p:ph idx="1"/>
+          </p:nvPr>
+        </p:nvSpPr>
+        <p:spPr/>
+        <p:txBody>
+          <a:bodyPr/>
+          <a:p>
+            <a:endParaRPr lang="zh-CN" altLang="en-US"/>
+          </a:p>
+        </p:txBody>
+      </p:sp>
+      <p:pic>
+        <p:nvPicPr>
+          <p:cNvPr id="5" name="图片 4"/>
+          <p:cNvPicPr>
+            <a:picLocks noChangeAspect="1"/>
+          </p:cNvPicPr>
+          <p:nvPr/>
+        </p:nvPicPr>
+        <p:blipFill>
+          <a:blip r:embed="rId1"/>
+          <a:stretch>
+            <a:fillRect/>
+          </a:stretch>
+        </p:blipFill>
+        <p:spPr>
+          <a:xfrm>
+            <a:off x="-53975" y="0"/>
+            <a:ext cx="10544175" cy="6679565"/>
+          </a:xfrm>
+          <a:prstGeom prst="rect">
+            <a:avLst/>
+          </a:prstGeom>
+        </p:spPr>
+      </p:pic>
+    </p:spTree>
+  </p:cSld>
+  <p:clrMapOvr>
+    <a:masterClrMapping/>
+  </p:clrMapOvr>
+</p:sld>
+</file>
+
+<file path=ppt/slides/slide29.xml><?xml version="1.0" encoding="utf-8"?>
+<p:sld xmlns:a="http://schemas.openxmlformats.org/drawingml/2006/main" xmlns:r="http://schemas.openxmlformats.org/officeDocument/2006/relationships" xmlns:p="http://schemas.openxmlformats.org/presentationml/2006/main">
+  <p:cSld>
+    <p:spTree>
+      <p:nvGrpSpPr>
+        <p:cNvPr id="1" name=""/>
+        <p:cNvGrpSpPr/>
+        <p:nvPr/>
+      </p:nvGrpSpPr>
+      <p:grpSpPr/>
+      <p:sp>
+        <p:nvSpPr>
+          <p:cNvPr id="2" name="标题 1"/>
+          <p:cNvSpPr>
+            <a:spLocks noGrp="1"/>
+          </p:cNvSpPr>
+          <p:nvPr>
+            <p:ph type="title"/>
+          </p:nvPr>
+        </p:nvSpPr>
+        <p:spPr/>
+        <p:txBody>
+          <a:bodyPr>
+            <a:normAutofit fontScale="90000"/>
+          </a:bodyPr>
+          <a:p>
+            <a:r>
+              <a:rPr lang="zh-CN" altLang="en-US"/>
+              <a:t>优先匹配内置函数，因为</a:t>
+            </a:r>
+            <a:r>
+              <a:rPr lang="en-US" altLang="zh-CN"/>
+              <a:t>*this</a:t>
+            </a:r>
+            <a:r>
+              <a:rPr lang="zh-CN" altLang="en-US"/>
+              <a:t>是非</a:t>
+            </a:r>
+            <a:r>
+              <a:rPr lang="en-US" altLang="zh-CN"/>
+              <a:t>const,</a:t>
+            </a:r>
+            <a:r>
+              <a:rPr lang="zh-CN" altLang="en-US"/>
+              <a:t>而</a:t>
+            </a:r>
+            <a:br>
+              <a:rPr lang="zh-CN" altLang="en-US"/>
+            </a:br>
+            <a:r>
+              <a:rPr lang="zh-CN" altLang="en-US"/>
+              <a:t>成员函数第一个地方要求的是</a:t>
+            </a:r>
+            <a:r>
+              <a:rPr lang="en-US" altLang="zh-CN"/>
+              <a:t>const</a:t>
+            </a:r>
+            <a:r>
+              <a:rPr lang="zh-CN" altLang="en-US"/>
+              <a:t>，因此先与成员函数匹配，舒服了，</a:t>
+            </a:r>
+            <a:r>
+              <a:rPr lang="zh-CN" altLang="en-US"/>
+              <a:t>懂了</a:t>
+            </a:r>
+            <a:endParaRPr lang="zh-CN" altLang="en-US"/>
+          </a:p>
+        </p:txBody>
+      </p:sp>
+      <p:pic>
+        <p:nvPicPr>
+          <p:cNvPr id="4" name="内容占位符 3"/>
+          <p:cNvPicPr>
+            <a:picLocks noChangeAspect="1"/>
+          </p:cNvPicPr>
+          <p:nvPr>
+            <p:ph idx="1"/>
+          </p:nvPr>
+        </p:nvPicPr>
+        <p:blipFill>
+          <a:blip r:embed="rId1"/>
+          <a:stretch>
+            <a:fillRect/>
+          </a:stretch>
+        </p:blipFill>
+        <p:spPr>
+          <a:xfrm>
+            <a:off x="1342390" y="1844040"/>
+            <a:ext cx="3457575" cy="1028700"/>
+          </a:xfrm>
+          <a:prstGeom prst="rect">
+            <a:avLst/>
+          </a:prstGeom>
+        </p:spPr>
+      </p:pic>
+    </p:spTree>
+  </p:cSld>
+  <p:clrMapOvr>
+    <a:masterClrMapping/>
+  </p:clrMapOvr>
+</p:sld>
+</file>
+
+<file path=ppt/slides/slide3.xml><?xml version="1.0" encoding="utf-8"?>
 <p:sld xmlns:a="http://schemas.openxmlformats.org/drawingml/2006/main" xmlns:r="http://schemas.openxmlformats.org/officeDocument/2006/relationships" xmlns:p="http://schemas.openxmlformats.org/presentationml/2006/main">
   <p:cSld>
     <p:spTree>
@@ -4205,7 +5067,7 @@
 </p:sld>
 </file>
 
-<file path=ppt/slides/slide20.xml><?xml version="1.0" encoding="utf-8"?>
+<file path=ppt/slides/slide30.xml><?xml version="1.0" encoding="utf-8"?>
 <p:sld xmlns:a="http://schemas.openxmlformats.org/drawingml/2006/main" xmlns:r="http://schemas.openxmlformats.org/officeDocument/2006/relationships" xmlns:p="http://schemas.openxmlformats.org/presentationml/2006/main">
   <p:cSld>
     <p:spTree>
@@ -4229,11 +5091,7 @@
         <p:txBody>
           <a:bodyPr/>
           <a:p>
-            <a:r>
-              <a:rPr lang="en-US" altLang="zh-CN"/>
-              <a:t>resetiosflags(ios::right);</a:t>
-            </a:r>
-            <a:endParaRPr lang="en-US" altLang="zh-CN"/>
+            <a:endParaRPr lang="zh-CN" altLang="en-US"/>
           </a:p>
         </p:txBody>
       </p:sp>
@@ -4245,18 +5103,45 @@
           </p:cNvPicPr>
           <p:nvPr>
             <p:ph idx="1"/>
+            <p:custDataLst>
+              <p:tags r:id="rId1"/>
+            </p:custDataLst>
           </p:nvPr>
         </p:nvPicPr>
         <p:blipFill>
-          <a:blip r:embed="rId1"/>
+          <a:blip r:embed="rId2"/>
           <a:stretch>
             <a:fillRect/>
           </a:stretch>
         </p:blipFill>
         <p:spPr>
           <a:xfrm>
-            <a:off x="1466215" y="3105785"/>
-            <a:ext cx="9258300" cy="1790700"/>
+            <a:off x="3099435" y="1299210"/>
+            <a:ext cx="5086350" cy="1352550"/>
+          </a:xfrm>
+          <a:prstGeom prst="rect">
+            <a:avLst/>
+          </a:prstGeom>
+        </p:spPr>
+      </p:pic>
+      <p:pic>
+        <p:nvPicPr>
+          <p:cNvPr id="5" name="图片 4"/>
+          <p:cNvPicPr>
+            <a:picLocks noChangeAspect="1"/>
+          </p:cNvPicPr>
+          <p:nvPr/>
+        </p:nvPicPr>
+        <p:blipFill>
+          <a:blip r:embed="rId3"/>
+          <a:stretch>
+            <a:fillRect/>
+          </a:stretch>
+        </p:blipFill>
+        <p:spPr>
+          <a:xfrm>
+            <a:off x="3025775" y="3105785"/>
+            <a:ext cx="5876925" cy="2600325"/>
           </a:xfrm>
           <a:prstGeom prst="rect">
             <a:avLst/>
@@ -4271,7 +5156,7 @@
 </p:sld>
 </file>
 
-<file path=ppt/slides/slide3.xml><?xml version="1.0" encoding="utf-8"?>
+<file path=ppt/slides/slide31.xml><?xml version="1.0" encoding="utf-8"?>
 <p:sld xmlns:a="http://schemas.openxmlformats.org/drawingml/2006/main" xmlns:r="http://schemas.openxmlformats.org/officeDocument/2006/relationships" xmlns:p="http://schemas.openxmlformats.org/presentationml/2006/main">
   <p:cSld>
     <p:spTree>
@@ -4296,16 +5181,175 @@
           <a:bodyPr/>
           <a:p>
             <a:r>
+              <a:rPr lang="zh-CN" altLang="en-US"/>
+              <a:t>string中c_str()的用法</a:t>
+            </a:r>
+            <a:endParaRPr lang="zh-CN" altLang="en-US"/>
+          </a:p>
+        </p:txBody>
+      </p:sp>
+      <p:sp>
+        <p:nvSpPr>
+          <p:cNvPr id="3" name="内容占位符 2"/>
+          <p:cNvSpPr>
+            <a:spLocks noGrp="1"/>
+          </p:cNvSpPr>
+          <p:nvPr>
+            <p:ph idx="1"/>
+          </p:nvPr>
+        </p:nvSpPr>
+        <p:spPr/>
+        <p:txBody>
+          <a:bodyPr/>
+          <a:p>
+            <a:endParaRPr lang="zh-CN" altLang="en-US"/>
+          </a:p>
+        </p:txBody>
+      </p:sp>
+      <p:sp>
+        <p:nvSpPr>
+          <p:cNvPr id="4" name="文本框 3"/>
+          <p:cNvSpPr txBox="1"/>
+          <p:nvPr/>
+        </p:nvSpPr>
+        <p:spPr>
+          <a:xfrm>
+            <a:off x="4826000" y="2967990"/>
+            <a:ext cx="2540000" cy="922020"/>
+          </a:xfrm>
+          <a:prstGeom prst="rect">
+            <a:avLst/>
+          </a:prstGeom>
+          <a:noFill/>
+        </p:spPr>
+        <p:txBody>
+          <a:bodyPr wrap="square" rtlCol="0" anchor="t">
+            <a:spAutoFit/>
+          </a:bodyPr>
+          <a:p>
+            <a:r>
+              <a:rPr lang="zh-CN" altLang="en-US"/>
+              <a:t>https://blog.csdn.net/qq_41282102/article/details/82695562</a:t>
+            </a:r>
+            <a:endParaRPr lang="zh-CN" altLang="en-US"/>
+          </a:p>
+        </p:txBody>
+      </p:sp>
+    </p:spTree>
+  </p:cSld>
+  <p:clrMapOvr>
+    <a:masterClrMapping/>
+  </p:clrMapOvr>
+</p:sld>
+</file>
+
+<file path=ppt/slides/slide32.xml><?xml version="1.0" encoding="utf-8"?>
+<p:sld xmlns:a="http://schemas.openxmlformats.org/drawingml/2006/main" xmlns:r="http://schemas.openxmlformats.org/officeDocument/2006/relationships" xmlns:p="http://schemas.openxmlformats.org/presentationml/2006/main">
+  <p:cSld>
+    <p:spTree>
+      <p:nvGrpSpPr>
+        <p:cNvPr id="1" name=""/>
+        <p:cNvGrpSpPr/>
+        <p:nvPr/>
+      </p:nvGrpSpPr>
+      <p:grpSpPr/>
+      <p:sp>
+        <p:nvSpPr>
+          <p:cNvPr id="2" name="标题 1"/>
+          <p:cNvSpPr>
+            <a:spLocks noGrp="1"/>
+          </p:cNvSpPr>
+          <p:nvPr>
+            <p:ph type="title"/>
+          </p:nvPr>
+        </p:nvSpPr>
+        <p:spPr/>
+        <p:txBody>
+          <a:bodyPr/>
+          <a:p>
+            <a:r>
               <a:rPr lang="en-US" altLang="zh-CN"/>
-              <a:t>realloc</a:t>
-            </a:r>
-            <a:r>
-              <a:rPr lang="zh-CN" altLang="en-US"/>
-              <a:t>有概率更换</a:t>
-            </a:r>
-            <a:r>
-              <a:rPr lang="zh-CN" altLang="en-US"/>
-              <a:t>空间位置</a:t>
+              <a:t>string</a:t>
+            </a:r>
+            <a:r>
+              <a:rPr lang="zh-CN" altLang="en-US"/>
+              <a:t>的常用</a:t>
+            </a:r>
+            <a:r>
+              <a:rPr lang="en-US" altLang="zh-CN"/>
+              <a:t>find</a:t>
+            </a:r>
+            <a:r>
+              <a:rPr lang="zh-CN" altLang="en-US"/>
+              <a:t>函数</a:t>
+            </a:r>
+            <a:endParaRPr lang="zh-CN" altLang="en-US"/>
+          </a:p>
+        </p:txBody>
+      </p:sp>
+      <p:pic>
+        <p:nvPicPr>
+          <p:cNvPr id="4" name="内容占位符 3"/>
+          <p:cNvPicPr>
+            <a:picLocks noChangeAspect="1"/>
+          </p:cNvPicPr>
+          <p:nvPr>
+            <p:ph idx="1"/>
+          </p:nvPr>
+        </p:nvPicPr>
+        <p:blipFill>
+          <a:blip r:embed="rId1"/>
+          <a:stretch>
+            <a:fillRect/>
+          </a:stretch>
+        </p:blipFill>
+        <p:spPr>
+          <a:xfrm>
+            <a:off x="2461895" y="1995805"/>
+            <a:ext cx="7267575" cy="4010025"/>
+          </a:xfrm>
+          <a:prstGeom prst="rect">
+            <a:avLst/>
+          </a:prstGeom>
+        </p:spPr>
+      </p:pic>
+    </p:spTree>
+  </p:cSld>
+  <p:clrMapOvr>
+    <a:masterClrMapping/>
+  </p:clrMapOvr>
+</p:sld>
+</file>
+
+<file path=ppt/slides/slide33.xml><?xml version="1.0" encoding="utf-8"?>
+<p:sld xmlns:a="http://schemas.openxmlformats.org/drawingml/2006/main" xmlns:r="http://schemas.openxmlformats.org/officeDocument/2006/relationships" xmlns:p="http://schemas.openxmlformats.org/presentationml/2006/main">
+  <p:cSld>
+    <p:spTree>
+      <p:nvGrpSpPr>
+        <p:cNvPr id="1" name=""/>
+        <p:cNvGrpSpPr/>
+        <p:nvPr/>
+      </p:nvGrpSpPr>
+      <p:grpSpPr/>
+      <p:sp>
+        <p:nvSpPr>
+          <p:cNvPr id="2" name="标题 1"/>
+          <p:cNvSpPr>
+            <a:spLocks noGrp="1"/>
+          </p:cNvSpPr>
+          <p:nvPr>
+            <p:ph type="title"/>
+          </p:nvPr>
+        </p:nvSpPr>
+        <p:spPr/>
+        <p:txBody>
+          <a:bodyPr>
+            <a:normAutofit fontScale="90000"/>
+          </a:bodyPr>
+          <a:p>
+            <a:r>
+              <a:rPr lang="zh-CN" altLang="en-US"/>
+              <a:t>C++ STL vector添加元素（push_back()和emplace_back()）详解</a:t>
             </a:r>
             <a:endParaRPr lang="zh-CN" altLang="en-US"/>
           </a:p>
@@ -4325,21 +5369,586 @@
         <p:txBody>
           <a:bodyPr/>
           <a:p>
-            <a:r>
-              <a:rPr lang="zh-CN" altLang="en-US"/>
-              <a:t>如果</a:t>
+            <a:endParaRPr lang="zh-CN" altLang="en-US"/>
+          </a:p>
+        </p:txBody>
+      </p:sp>
+      <p:sp>
+        <p:nvSpPr>
+          <p:cNvPr id="4" name="文本框 3"/>
+          <p:cNvSpPr txBox="1"/>
+          <p:nvPr/>
+        </p:nvSpPr>
+        <p:spPr>
+          <a:xfrm>
+            <a:off x="4826000" y="3106420"/>
+            <a:ext cx="2540000" cy="645160"/>
+          </a:xfrm>
+          <a:prstGeom prst="rect">
+            <a:avLst/>
+          </a:prstGeom>
+          <a:noFill/>
+        </p:spPr>
+        <p:txBody>
+          <a:bodyPr wrap="square" rtlCol="0" anchor="t">
+            <a:spAutoFit/>
+          </a:bodyPr>
+          <a:p>
+            <a:r>
+              <a:rPr lang="zh-CN" altLang="en-US"/>
+              <a:t>http://c.biancheng.net/view/6826.html</a:t>
+            </a:r>
+            <a:endParaRPr lang="zh-CN" altLang="en-US"/>
+          </a:p>
+        </p:txBody>
+      </p:sp>
+    </p:spTree>
+  </p:cSld>
+  <p:clrMapOvr>
+    <a:masterClrMapping/>
+  </p:clrMapOvr>
+</p:sld>
+</file>
+
+<file path=ppt/slides/slide34.xml><?xml version="1.0" encoding="utf-8"?>
+<p:sld xmlns:a="http://schemas.openxmlformats.org/drawingml/2006/main" xmlns:r="http://schemas.openxmlformats.org/officeDocument/2006/relationships" xmlns:p="http://schemas.openxmlformats.org/presentationml/2006/main">
+  <p:cSld>
+    <p:spTree>
+      <p:nvGrpSpPr>
+        <p:cNvPr id="1" name=""/>
+        <p:cNvGrpSpPr/>
+        <p:nvPr/>
+      </p:nvGrpSpPr>
+      <p:grpSpPr/>
+      <p:sp>
+        <p:nvSpPr>
+          <p:cNvPr id="2" name="标题 1"/>
+          <p:cNvSpPr>
+            <a:spLocks noGrp="1"/>
+          </p:cNvSpPr>
+          <p:nvPr>
+            <p:ph type="title"/>
+          </p:nvPr>
+        </p:nvSpPr>
+        <p:spPr/>
+        <p:txBody>
+          <a:bodyPr>
+            <a:normAutofit/>
+          </a:bodyPr>
+          <a:p>
+            <a:r>
+              <a:rPr lang="zh-CN" altLang="en-US"/>
+              <a:t>如果超过</a:t>
             </a:r>
             <a:r>
               <a:rPr lang="en-US" altLang="zh-CN"/>
-              <a:t>size</a:t>
-            </a:r>
-            <a:r>
-              <a:rPr lang="zh-CN" altLang="en-US"/>
-              <a:t>小于原大小，不会更改首</a:t>
-            </a:r>
-            <a:r>
-              <a:rPr lang="zh-CN" altLang="en-US"/>
-              <a:t>位置</a:t>
+              <a:t>size,</a:t>
+            </a:r>
+            <a:r>
+              <a:rPr lang="zh-CN" altLang="en-US"/>
+              <a:t>则在后面加</a:t>
+            </a:r>
+            <a:r>
+              <a:rPr lang="en-US" altLang="zh-CN"/>
+              <a:t>0</a:t>
+            </a:r>
+            <a:endParaRPr lang="en-US" altLang="zh-CN"/>
+          </a:p>
+        </p:txBody>
+      </p:sp>
+      <p:pic>
+        <p:nvPicPr>
+          <p:cNvPr id="4" name="内容占位符 3"/>
+          <p:cNvPicPr>
+            <a:picLocks noChangeAspect="1"/>
+          </p:cNvPicPr>
+          <p:nvPr>
+            <p:ph idx="1"/>
+          </p:nvPr>
+        </p:nvPicPr>
+        <p:blipFill>
+          <a:blip r:embed="rId1"/>
+          <a:stretch>
+            <a:fillRect/>
+          </a:stretch>
+        </p:blipFill>
+        <p:spPr>
+          <a:xfrm>
+            <a:off x="4119245" y="3805555"/>
+            <a:ext cx="3952875" cy="390525"/>
+          </a:xfrm>
+          <a:prstGeom prst="rect">
+            <a:avLst/>
+          </a:prstGeom>
+        </p:spPr>
+      </p:pic>
+    </p:spTree>
+  </p:cSld>
+  <p:clrMapOvr>
+    <a:masterClrMapping/>
+  </p:clrMapOvr>
+</p:sld>
+</file>
+
+<file path=ppt/slides/slide35.xml><?xml version="1.0" encoding="utf-8"?>
+<p:sld xmlns:a="http://schemas.openxmlformats.org/drawingml/2006/main" xmlns:r="http://schemas.openxmlformats.org/officeDocument/2006/relationships" xmlns:p="http://schemas.openxmlformats.org/presentationml/2006/main">
+  <p:cSld>
+    <p:spTree>
+      <p:nvGrpSpPr>
+        <p:cNvPr id="1" name=""/>
+        <p:cNvGrpSpPr/>
+        <p:nvPr/>
+      </p:nvGrpSpPr>
+      <p:grpSpPr/>
+      <p:sp>
+        <p:nvSpPr>
+          <p:cNvPr id="2" name="标题 1"/>
+          <p:cNvSpPr>
+            <a:spLocks noGrp="1"/>
+          </p:cNvSpPr>
+          <p:nvPr>
+            <p:ph type="title"/>
+          </p:nvPr>
+        </p:nvSpPr>
+        <p:spPr/>
+        <p:txBody>
+          <a:bodyPr>
+            <a:normAutofit fontScale="90000"/>
+          </a:bodyPr>
+          <a:p>
+            <a:r>
+              <a:rPr lang="zh-CN" altLang="en-US"/>
+              <a:t>要用</a:t>
+            </a:r>
+            <a:r>
+              <a:rPr lang="en-US" altLang="zh-CN"/>
+              <a:t>*this</a:t>
+            </a:r>
+            <a:r>
+              <a:rPr lang="zh-CN" altLang="en-US"/>
+              <a:t>，一般要进行类型转换，不然无限</a:t>
+            </a:r>
+            <a:r>
+              <a:rPr lang="zh-CN" altLang="en-US"/>
+              <a:t>递归</a:t>
+            </a:r>
+            <a:endParaRPr lang="zh-CN" altLang="en-US"/>
+          </a:p>
+        </p:txBody>
+      </p:sp>
+      <p:sp>
+        <p:nvSpPr>
+          <p:cNvPr id="3" name="内容占位符 2"/>
+          <p:cNvSpPr>
+            <a:spLocks noGrp="1"/>
+          </p:cNvSpPr>
+          <p:nvPr>
+            <p:ph idx="1"/>
+          </p:nvPr>
+        </p:nvSpPr>
+        <p:spPr/>
+        <p:txBody>
+          <a:bodyPr/>
+          <a:p>
+            <a:endParaRPr lang="zh-CN" altLang="en-US"/>
+          </a:p>
+        </p:txBody>
+      </p:sp>
+    </p:spTree>
+  </p:cSld>
+  <p:clrMapOvr>
+    <a:masterClrMapping/>
+  </p:clrMapOvr>
+</p:sld>
+</file>
+
+<file path=ppt/slides/slide36.xml><?xml version="1.0" encoding="utf-8"?>
+<p:sld xmlns:a="http://schemas.openxmlformats.org/drawingml/2006/main" xmlns:r="http://schemas.openxmlformats.org/officeDocument/2006/relationships" xmlns:p="http://schemas.openxmlformats.org/presentationml/2006/main">
+  <p:cSld>
+    <p:spTree>
+      <p:nvGrpSpPr>
+        <p:cNvPr id="1" name=""/>
+        <p:cNvGrpSpPr/>
+        <p:nvPr/>
+      </p:nvGrpSpPr>
+      <p:grpSpPr/>
+      <p:sp>
+        <p:nvSpPr>
+          <p:cNvPr id="2" name="标题 1"/>
+          <p:cNvSpPr>
+            <a:spLocks noGrp="1"/>
+          </p:cNvSpPr>
+          <p:nvPr>
+            <p:ph type="title"/>
+          </p:nvPr>
+        </p:nvSpPr>
+        <p:spPr/>
+        <p:txBody>
+          <a:bodyPr>
+            <a:normAutofit fontScale="90000"/>
+          </a:bodyPr>
+          <a:p>
+            <a:r>
+              <a:rPr lang="zh-CN" altLang="en-US"/>
+              <a:t>字符串常量不能赋予</a:t>
+            </a:r>
+            <a:r>
+              <a:rPr lang="en-US" altLang="zh-CN"/>
+              <a:t>char*</a:t>
+            </a:r>
+            <a:r>
+              <a:rPr lang="zh-CN" altLang="en-US"/>
+              <a:t>，要赋予</a:t>
+            </a:r>
+            <a:r>
+              <a:rPr lang="en-US" altLang="zh-CN"/>
+              <a:t>const</a:t>
+            </a:r>
+            <a:r>
+              <a:rPr lang="en-US" altLang="zh-CN"/>
+              <a:t>char*</a:t>
+            </a:r>
+            <a:endParaRPr lang="en-US" altLang="zh-CN"/>
+          </a:p>
+        </p:txBody>
+      </p:sp>
+      <p:sp>
+        <p:nvSpPr>
+          <p:cNvPr id="3" name="内容占位符 2"/>
+          <p:cNvSpPr>
+            <a:spLocks noGrp="1"/>
+          </p:cNvSpPr>
+          <p:nvPr>
+            <p:ph idx="1"/>
+          </p:nvPr>
+        </p:nvSpPr>
+        <p:spPr/>
+        <p:txBody>
+          <a:bodyPr/>
+          <a:p>
+            <a:r>
+              <a:rPr lang="zh-CN" altLang="en-US"/>
+              <a:t>而且要记住</a:t>
+            </a:r>
+            <a:r>
+              <a:rPr lang="en-US" altLang="zh-CN"/>
+              <a:t>const </a:t>
+            </a:r>
+            <a:r>
+              <a:rPr lang="zh-CN" altLang="en-US"/>
+              <a:t>类型的变量不能被你赋进非</a:t>
+            </a:r>
+            <a:r>
+              <a:rPr lang="en-US" altLang="zh-CN"/>
+              <a:t>const</a:t>
+            </a:r>
+            <a:r>
+              <a:rPr lang="zh-CN" altLang="en-US"/>
+              <a:t>类型的函数里</a:t>
+            </a:r>
+            <a:r>
+              <a:rPr lang="zh-CN" altLang="en-US"/>
+              <a:t>嗯用</a:t>
+            </a:r>
+            <a:endParaRPr lang="zh-CN" altLang="en-US"/>
+          </a:p>
+        </p:txBody>
+      </p:sp>
+    </p:spTree>
+  </p:cSld>
+  <p:clrMapOvr>
+    <a:masterClrMapping/>
+  </p:clrMapOvr>
+</p:sld>
+</file>
+
+<file path=ppt/slides/slide37.xml><?xml version="1.0" encoding="utf-8"?>
+<p:sld xmlns:a="http://schemas.openxmlformats.org/drawingml/2006/main" xmlns:r="http://schemas.openxmlformats.org/officeDocument/2006/relationships" xmlns:p="http://schemas.openxmlformats.org/presentationml/2006/main">
+  <p:cSld>
+    <p:spTree>
+      <p:nvGrpSpPr>
+        <p:cNvPr id="1" name=""/>
+        <p:cNvGrpSpPr/>
+        <p:nvPr/>
+      </p:nvGrpSpPr>
+      <p:grpSpPr/>
+      <p:sp>
+        <p:nvSpPr>
+          <p:cNvPr id="2" name="标题 1"/>
+          <p:cNvSpPr>
+            <a:spLocks noGrp="1"/>
+          </p:cNvSpPr>
+          <p:nvPr>
+            <p:ph type="title"/>
+          </p:nvPr>
+        </p:nvSpPr>
+        <p:spPr/>
+        <p:txBody>
+          <a:bodyPr>
+            <a:normAutofit fontScale="90000"/>
+          </a:bodyPr>
+          <a:p>
+            <a:r>
+              <a:t>https://blog.csdn.net/u014038273/article/details/75776593</a:t>
+            </a:r>
+          </a:p>
+        </p:txBody>
+      </p:sp>
+      <p:sp>
+        <p:nvSpPr>
+          <p:cNvPr id="3" name="内容占位符 2"/>
+          <p:cNvSpPr>
+            <a:spLocks noGrp="1"/>
+          </p:cNvSpPr>
+          <p:nvPr>
+            <p:ph idx="1"/>
+          </p:nvPr>
+        </p:nvSpPr>
+        <p:spPr/>
+        <p:txBody>
+          <a:bodyPr/>
+          <a:p>
+            <a:r>
+              <a:rPr lang="en-US" altLang="zh-CN"/>
+              <a:t>const</a:t>
+            </a:r>
+            <a:r>
+              <a:rPr lang="zh-CN" altLang="en-US"/>
+              <a:t>对象只能调用</a:t>
+            </a:r>
+            <a:r>
+              <a:rPr lang="en-US" altLang="zh-CN"/>
+              <a:t>const</a:t>
+            </a:r>
+            <a:r>
+              <a:rPr lang="zh-CN" altLang="en-US"/>
+              <a:t>函数</a:t>
+            </a:r>
+            <a:endParaRPr lang="zh-CN" altLang="en-US"/>
+          </a:p>
+          <a:p>
+            <a:endParaRPr lang="zh-CN" altLang="en-US"/>
+          </a:p>
+          <a:p>
+            <a:endParaRPr lang="zh-CN" altLang="en-US"/>
+          </a:p>
+          <a:p>
+            <a:r>
+              <a:rPr lang="zh-CN" altLang="en-US"/>
+              <a:t>例如这么写，保证不会导致对象内部变量</a:t>
+            </a:r>
+            <a:r>
+              <a:rPr lang="zh-CN" altLang="en-US"/>
+              <a:t>改变。</a:t>
+            </a:r>
+            <a:endParaRPr lang="zh-CN" altLang="en-US"/>
+          </a:p>
+        </p:txBody>
+      </p:sp>
+      <p:pic>
+        <p:nvPicPr>
+          <p:cNvPr id="4" name="图片 3"/>
+          <p:cNvPicPr>
+            <a:picLocks noChangeAspect="1"/>
+          </p:cNvPicPr>
+          <p:nvPr/>
+        </p:nvPicPr>
+        <p:blipFill>
+          <a:blip r:embed="rId1"/>
+          <a:stretch>
+            <a:fillRect/>
+          </a:stretch>
+        </p:blipFill>
+        <p:spPr>
+          <a:xfrm>
+            <a:off x="1289050" y="2377440"/>
+            <a:ext cx="2800350" cy="733425"/>
+          </a:xfrm>
+          <a:prstGeom prst="rect">
+            <a:avLst/>
+          </a:prstGeom>
+        </p:spPr>
+      </p:pic>
+    </p:spTree>
+  </p:cSld>
+  <p:clrMapOvr>
+    <a:masterClrMapping/>
+  </p:clrMapOvr>
+</p:sld>
+</file>
+
+<file path=ppt/slides/slide38.xml><?xml version="1.0" encoding="utf-8"?>
+<p:sld xmlns:a="http://schemas.openxmlformats.org/drawingml/2006/main" xmlns:r="http://schemas.openxmlformats.org/officeDocument/2006/relationships" xmlns:p="http://schemas.openxmlformats.org/presentationml/2006/main">
+  <p:cSld>
+    <p:spTree>
+      <p:nvGrpSpPr>
+        <p:cNvPr id="1" name=""/>
+        <p:cNvGrpSpPr/>
+        <p:nvPr/>
+      </p:nvGrpSpPr>
+      <p:grpSpPr/>
+      <p:sp>
+        <p:nvSpPr>
+          <p:cNvPr id="2" name="标题 1"/>
+          <p:cNvSpPr>
+            <a:spLocks noGrp="1"/>
+          </p:cNvSpPr>
+          <p:nvPr>
+            <p:ph type="title"/>
+          </p:nvPr>
+        </p:nvSpPr>
+        <p:spPr/>
+        <p:txBody>
+          <a:bodyPr>
+            <a:normAutofit/>
+          </a:bodyPr>
+          <a:p>
+            <a:r>
+              <a:rPr lang="zh-CN" altLang="en-US"/>
+              <a:t>干点阳间事情</a:t>
+            </a:r>
+            <a:r>
+              <a:rPr lang="en-US" altLang="zh-CN"/>
+              <a:t>.</a:t>
+            </a:r>
+            <a:r>
+              <a:rPr lang="zh-CN" altLang="en-US"/>
+              <a:t>的优先级比</a:t>
+            </a:r>
+            <a:r>
+              <a:rPr lang="en-US" altLang="zh-CN"/>
+              <a:t>*</a:t>
+            </a:r>
+            <a:r>
+              <a:rPr lang="zh-CN" altLang="en-US"/>
+              <a:t>大</a:t>
+            </a:r>
+            <a:endParaRPr lang="zh-CN" altLang="en-US"/>
+          </a:p>
+        </p:txBody>
+      </p:sp>
+      <p:pic>
+        <p:nvPicPr>
+          <p:cNvPr id="4" name="内容占位符 3"/>
+          <p:cNvPicPr>
+            <a:picLocks noChangeAspect="1"/>
+          </p:cNvPicPr>
+          <p:nvPr>
+            <p:ph idx="1"/>
+          </p:nvPr>
+        </p:nvPicPr>
+        <p:blipFill>
+          <a:blip r:embed="rId1"/>
+          <a:stretch>
+            <a:fillRect/>
+          </a:stretch>
+        </p:blipFill>
+        <p:spPr>
+          <a:xfrm>
+            <a:off x="2338070" y="2881630"/>
+            <a:ext cx="7515225" cy="2238375"/>
+          </a:xfrm>
+          <a:prstGeom prst="rect">
+            <a:avLst/>
+          </a:prstGeom>
+        </p:spPr>
+      </p:pic>
+    </p:spTree>
+  </p:cSld>
+  <p:clrMapOvr>
+    <a:masterClrMapping/>
+  </p:clrMapOvr>
+</p:sld>
+</file>
+
+<file path=ppt/slides/slide39.xml><?xml version="1.0" encoding="utf-8"?>
+<p:sld xmlns:a="http://schemas.openxmlformats.org/drawingml/2006/main" xmlns:r="http://schemas.openxmlformats.org/officeDocument/2006/relationships" xmlns:p="http://schemas.openxmlformats.org/presentationml/2006/main">
+  <p:cSld>
+    <p:spTree>
+      <p:nvGrpSpPr>
+        <p:cNvPr id="1" name=""/>
+        <p:cNvGrpSpPr/>
+        <p:nvPr/>
+      </p:nvGrpSpPr>
+      <p:grpSpPr/>
+      <p:sp>
+        <p:nvSpPr>
+          <p:cNvPr id="2" name="标题 1"/>
+          <p:cNvSpPr>
+            <a:spLocks noGrp="1"/>
+          </p:cNvSpPr>
+          <p:nvPr>
+            <p:ph type="title"/>
+          </p:nvPr>
+        </p:nvSpPr>
+        <p:spPr/>
+        <p:txBody>
+          <a:bodyPr>
+            <a:normAutofit fontScale="90000"/>
+          </a:bodyPr>
+          <a:p>
+            <a:r>
+              <a:rPr lang="zh-CN" altLang="en-US"/>
+              <a:t>注意别在函数里再弄什么新的复制构造类</a:t>
+            </a:r>
+            <a:r>
+              <a:rPr lang="en-US" altLang="zh-CN"/>
+              <a:t> a</a:t>
+            </a:r>
+            <a:r>
+              <a:rPr lang="zh-CN" altLang="en-US"/>
+              <a:t>的</a:t>
+            </a:r>
+            <a:r>
+              <a:rPr lang="zh-CN" altLang="en-US"/>
+              <a:t>东西</a:t>
+            </a:r>
+            <a:endParaRPr lang="zh-CN" altLang="en-US"/>
+          </a:p>
+        </p:txBody>
+      </p:sp>
+      <p:sp>
+        <p:nvSpPr>
+          <p:cNvPr id="3" name="内容占位符 2"/>
+          <p:cNvSpPr>
+            <a:spLocks noGrp="1"/>
+          </p:cNvSpPr>
+          <p:nvPr>
+            <p:ph idx="1"/>
+          </p:nvPr>
+        </p:nvSpPr>
+        <p:spPr/>
+        <p:txBody>
+          <a:bodyPr/>
+          <a:p>
+            <a:endParaRPr lang="zh-CN" altLang="en-US"/>
+          </a:p>
+        </p:txBody>
+      </p:sp>
+      <p:sp>
+        <p:nvSpPr>
+          <p:cNvPr id="4" name="文本框 3"/>
+          <p:cNvSpPr txBox="1"/>
+          <p:nvPr/>
+        </p:nvSpPr>
+        <p:spPr>
+          <a:xfrm>
+            <a:off x="4826000" y="2967990"/>
+            <a:ext cx="2540000" cy="922020"/>
+          </a:xfrm>
+          <a:prstGeom prst="rect">
+            <a:avLst/>
+          </a:prstGeom>
+          <a:noFill/>
+        </p:spPr>
+        <p:txBody>
+          <a:bodyPr wrap="square" rtlCol="0" anchor="t">
+            <a:spAutoFit/>
+          </a:bodyPr>
+          <a:p>
+            <a:r>
+              <a:rPr lang="zh-CN" altLang="en-US"/>
+              <a:t>const TString operator*(const TString&amp; a, int number)</a:t>
             </a:r>
             <a:endParaRPr lang="zh-CN" altLang="en-US"/>
           </a:p>
@@ -4354,6 +5963,709 @@
 </file>
 
 <file path=ppt/slides/slide4.xml><?xml version="1.0" encoding="utf-8"?>
+<p:sld xmlns:a="http://schemas.openxmlformats.org/drawingml/2006/main" xmlns:r="http://schemas.openxmlformats.org/officeDocument/2006/relationships" xmlns:p="http://schemas.openxmlformats.org/presentationml/2006/main">
+  <p:cSld>
+    <p:spTree>
+      <p:nvGrpSpPr>
+        <p:cNvPr id="1" name=""/>
+        <p:cNvGrpSpPr/>
+        <p:nvPr/>
+      </p:nvGrpSpPr>
+      <p:grpSpPr/>
+      <p:sp>
+        <p:nvSpPr>
+          <p:cNvPr id="2" name="标题 1"/>
+          <p:cNvSpPr>
+            <a:spLocks noGrp="1"/>
+          </p:cNvSpPr>
+          <p:nvPr>
+            <p:ph type="title"/>
+          </p:nvPr>
+        </p:nvSpPr>
+        <p:spPr/>
+        <p:txBody>
+          <a:bodyPr/>
+          <a:p>
+            <a:r>
+              <a:rPr lang="en-US" altLang="zh-CN"/>
+              <a:t>realloc</a:t>
+            </a:r>
+            <a:r>
+              <a:rPr lang="zh-CN" altLang="en-US"/>
+              <a:t>有概率更换</a:t>
+            </a:r>
+            <a:r>
+              <a:rPr lang="zh-CN" altLang="en-US"/>
+              <a:t>空间位置</a:t>
+            </a:r>
+            <a:endParaRPr lang="zh-CN" altLang="en-US"/>
+          </a:p>
+        </p:txBody>
+      </p:sp>
+      <p:sp>
+        <p:nvSpPr>
+          <p:cNvPr id="3" name="内容占位符 2"/>
+          <p:cNvSpPr>
+            <a:spLocks noGrp="1"/>
+          </p:cNvSpPr>
+          <p:nvPr>
+            <p:ph idx="1"/>
+          </p:nvPr>
+        </p:nvSpPr>
+        <p:spPr/>
+        <p:txBody>
+          <a:bodyPr/>
+          <a:p>
+            <a:r>
+              <a:rPr lang="zh-CN" altLang="en-US"/>
+              <a:t>如果</a:t>
+            </a:r>
+            <a:r>
+              <a:rPr lang="en-US" altLang="zh-CN"/>
+              <a:t>size</a:t>
+            </a:r>
+            <a:r>
+              <a:rPr lang="zh-CN" altLang="en-US"/>
+              <a:t>小于原大小，不会更改首</a:t>
+            </a:r>
+            <a:r>
+              <a:rPr lang="zh-CN" altLang="en-US"/>
+              <a:t>位置</a:t>
+            </a:r>
+            <a:endParaRPr lang="zh-CN" altLang="en-US"/>
+          </a:p>
+        </p:txBody>
+      </p:sp>
+    </p:spTree>
+  </p:cSld>
+  <p:clrMapOvr>
+    <a:masterClrMapping/>
+  </p:clrMapOvr>
+</p:sld>
+</file>
+
+<file path=ppt/slides/slide40.xml><?xml version="1.0" encoding="utf-8"?>
+<p:sld xmlns:a="http://schemas.openxmlformats.org/drawingml/2006/main" xmlns:r="http://schemas.openxmlformats.org/officeDocument/2006/relationships" xmlns:p="http://schemas.openxmlformats.org/presentationml/2006/main">
+  <p:cSld>
+    <p:spTree>
+      <p:nvGrpSpPr>
+        <p:cNvPr id="1" name=""/>
+        <p:cNvGrpSpPr/>
+        <p:nvPr/>
+      </p:nvGrpSpPr>
+      <p:grpSpPr/>
+      <p:sp>
+        <p:nvSpPr>
+          <p:cNvPr id="2" name="标题 1"/>
+          <p:cNvSpPr>
+            <a:spLocks noGrp="1"/>
+          </p:cNvSpPr>
+          <p:nvPr>
+            <p:ph type="title"/>
+          </p:nvPr>
+        </p:nvSpPr>
+        <p:spPr/>
+        <p:txBody>
+          <a:bodyPr/>
+          <a:p>
+            <a:r>
+              <a:rPr lang="zh-CN" altLang="en-US"/>
+              <a:t>注意假如想要最后一个输出没有</a:t>
+            </a:r>
+            <a:r>
+              <a:rPr lang="zh-CN" altLang="en-US"/>
+              <a:t>空格</a:t>
+            </a:r>
+            <a:endParaRPr lang="zh-CN" altLang="en-US"/>
+          </a:p>
+        </p:txBody>
+      </p:sp>
+      <p:sp>
+        <p:nvSpPr>
+          <p:cNvPr id="3" name="内容占位符 2"/>
+          <p:cNvSpPr>
+            <a:spLocks noGrp="1"/>
+          </p:cNvSpPr>
+          <p:nvPr>
+            <p:ph idx="1"/>
+          </p:nvPr>
+        </p:nvSpPr>
+        <p:spPr/>
+        <p:txBody>
+          <a:bodyPr/>
+          <a:p>
+            <a:r>
+              <a:rPr lang="zh-CN" altLang="en-US"/>
+              <a:t>两个思路</a:t>
+            </a:r>
+            <a:endParaRPr lang="zh-CN" altLang="en-US"/>
+          </a:p>
+          <a:p>
+            <a:r>
+              <a:rPr lang="en-US" altLang="zh-CN"/>
+              <a:t>cout&lt;&lt; ...&lt;” “</a:t>
+            </a:r>
+            <a:endParaRPr lang="en-US" altLang="zh-CN"/>
+          </a:p>
+          <a:p>
+            <a:r>
+              <a:rPr lang="zh-CN" altLang="en-US"/>
+              <a:t>最后一个</a:t>
+            </a:r>
+            <a:r>
+              <a:rPr lang="en-US" altLang="zh-CN"/>
+              <a:t>cout&lt;&lt;...</a:t>
+            </a:r>
+            <a:endParaRPr lang="en-US" altLang="zh-CN"/>
+          </a:p>
+          <a:p>
+            <a:r>
+              <a:rPr lang="zh-CN" altLang="en-US"/>
+              <a:t>或者</a:t>
+            </a:r>
+            <a:endParaRPr lang="zh-CN" altLang="en-US"/>
+          </a:p>
+          <a:p>
+            <a:r>
+              <a:rPr lang="zh-CN" altLang="en-US"/>
+              <a:t>第一个</a:t>
+            </a:r>
+            <a:endParaRPr lang="zh-CN" altLang="en-US"/>
+          </a:p>
+          <a:p>
+            <a:r>
+              <a:rPr lang="en-US" altLang="zh-CN"/>
+              <a:t>cout&lt;&lt;...</a:t>
+            </a:r>
+            <a:endParaRPr lang="en-US" altLang="zh-CN"/>
+          </a:p>
+          <a:p>
+            <a:r>
+              <a:rPr lang="en-US" altLang="zh-CN"/>
+              <a:t>cout&lt;&lt;” “&lt;&lt;...</a:t>
+            </a:r>
+            <a:endParaRPr lang="en-US" altLang="zh-CN"/>
+          </a:p>
+        </p:txBody>
+      </p:sp>
+    </p:spTree>
+  </p:cSld>
+  <p:clrMapOvr>
+    <a:masterClrMapping/>
+  </p:clrMapOvr>
+</p:sld>
+</file>
+
+<file path=ppt/slides/slide41.xml><?xml version="1.0" encoding="utf-8"?>
+<p:sld xmlns:a="http://schemas.openxmlformats.org/drawingml/2006/main" xmlns:r="http://schemas.openxmlformats.org/officeDocument/2006/relationships" xmlns:p="http://schemas.openxmlformats.org/presentationml/2006/main">
+  <p:cSld>
+    <p:spTree>
+      <p:nvGrpSpPr>
+        <p:cNvPr id="1" name=""/>
+        <p:cNvGrpSpPr/>
+        <p:nvPr/>
+      </p:nvGrpSpPr>
+      <p:grpSpPr/>
+      <p:sp>
+        <p:nvSpPr>
+          <p:cNvPr id="2" name="标题 1"/>
+          <p:cNvSpPr>
+            <a:spLocks noGrp="1"/>
+          </p:cNvSpPr>
+          <p:nvPr>
+            <p:ph type="title"/>
+          </p:nvPr>
+        </p:nvSpPr>
+        <p:spPr/>
+        <p:txBody>
+          <a:bodyPr/>
+          <a:p>
+            <a:endParaRPr lang="zh-CN" altLang="en-US"/>
+          </a:p>
+        </p:txBody>
+      </p:sp>
+      <p:pic>
+        <p:nvPicPr>
+          <p:cNvPr id="4" name="内容占位符 3"/>
+          <p:cNvPicPr>
+            <a:picLocks noChangeAspect="1"/>
+          </p:cNvPicPr>
+          <p:nvPr>
+            <p:ph idx="1"/>
+            <p:custDataLst>
+              <p:tags r:id="rId1"/>
+            </p:custDataLst>
+          </p:nvPr>
+        </p:nvPicPr>
+        <p:blipFill>
+          <a:blip r:embed="rId2"/>
+          <a:stretch>
+            <a:fillRect/>
+          </a:stretch>
+        </p:blipFill>
+        <p:spPr>
+          <a:xfrm>
+            <a:off x="3113405" y="1825625"/>
+            <a:ext cx="5964555" cy="4351655"/>
+          </a:xfrm>
+          <a:prstGeom prst="rect">
+            <a:avLst/>
+          </a:prstGeom>
+        </p:spPr>
+      </p:pic>
+    </p:spTree>
+  </p:cSld>
+  <p:clrMapOvr>
+    <a:masterClrMapping/>
+  </p:clrMapOvr>
+</p:sld>
+</file>
+
+<file path=ppt/slides/slide42.xml><?xml version="1.0" encoding="utf-8"?>
+<p:sld xmlns:a="http://schemas.openxmlformats.org/drawingml/2006/main" xmlns:r="http://schemas.openxmlformats.org/officeDocument/2006/relationships" xmlns:p="http://schemas.openxmlformats.org/presentationml/2006/main">
+  <p:cSld>
+    <p:spTree>
+      <p:nvGrpSpPr>
+        <p:cNvPr id="1" name=""/>
+        <p:cNvGrpSpPr/>
+        <p:nvPr/>
+      </p:nvGrpSpPr>
+      <p:grpSpPr/>
+      <p:sp>
+        <p:nvSpPr>
+          <p:cNvPr id="2" name="标题 1"/>
+          <p:cNvSpPr>
+            <a:spLocks noGrp="1"/>
+          </p:cNvSpPr>
+          <p:nvPr>
+            <p:ph type="title"/>
+          </p:nvPr>
+        </p:nvSpPr>
+        <p:spPr/>
+        <p:txBody>
+          <a:bodyPr/>
+          <a:p>
+            <a:endParaRPr lang="zh-CN" altLang="en-US"/>
+          </a:p>
+        </p:txBody>
+      </p:sp>
+      <p:pic>
+        <p:nvPicPr>
+          <p:cNvPr id="4" name="内容占位符 3"/>
+          <p:cNvPicPr>
+            <a:picLocks noChangeAspect="1"/>
+          </p:cNvPicPr>
+          <p:nvPr>
+            <p:ph idx="1"/>
+          </p:nvPr>
+        </p:nvPicPr>
+        <p:blipFill>
+          <a:blip r:embed="rId1"/>
+          <a:stretch>
+            <a:fillRect/>
+          </a:stretch>
+        </p:blipFill>
+        <p:spPr>
+          <a:xfrm>
+            <a:off x="4309110" y="1825625"/>
+            <a:ext cx="3572510" cy="4351655"/>
+          </a:xfrm>
+          <a:prstGeom prst="rect">
+            <a:avLst/>
+          </a:prstGeom>
+        </p:spPr>
+      </p:pic>
+    </p:spTree>
+  </p:cSld>
+  <p:clrMapOvr>
+    <a:masterClrMapping/>
+  </p:clrMapOvr>
+</p:sld>
+</file>
+
+<file path=ppt/slides/slide43.xml><?xml version="1.0" encoding="utf-8"?>
+<p:sld xmlns:a="http://schemas.openxmlformats.org/drawingml/2006/main" xmlns:r="http://schemas.openxmlformats.org/officeDocument/2006/relationships" xmlns:p="http://schemas.openxmlformats.org/presentationml/2006/main">
+  <p:cSld>
+    <p:spTree>
+      <p:nvGrpSpPr>
+        <p:cNvPr id="1" name=""/>
+        <p:cNvGrpSpPr/>
+        <p:nvPr/>
+      </p:nvGrpSpPr>
+      <p:grpSpPr/>
+      <p:sp>
+        <p:nvSpPr>
+          <p:cNvPr id="2" name="标题 1"/>
+          <p:cNvSpPr>
+            <a:spLocks noGrp="1"/>
+          </p:cNvSpPr>
+          <p:nvPr>
+            <p:ph type="title"/>
+          </p:nvPr>
+        </p:nvSpPr>
+        <p:spPr/>
+        <p:txBody>
+          <a:bodyPr>
+            <a:normAutofit fontScale="90000"/>
+          </a:bodyPr>
+          <a:p>
+            <a:r>
+              <a:rPr lang="zh-CN" altLang="en-US"/>
+              <a:t>注意不能这么写，第一行里不能写参数，不然会出现读取问题，只能写成</a:t>
+            </a:r>
+            <a:r>
+              <a:rPr lang="en-US" altLang="zh-CN"/>
+              <a:t>fstream </a:t>
+            </a:r>
+            <a:r>
+              <a:rPr lang="en-US" altLang="zh-CN"/>
+              <a:t>file1</a:t>
+            </a:r>
+            <a:endParaRPr lang="en-US" altLang="zh-CN"/>
+          </a:p>
+        </p:txBody>
+      </p:sp>
+      <p:pic>
+        <p:nvPicPr>
+          <p:cNvPr id="4" name="内容占位符 3"/>
+          <p:cNvPicPr>
+            <a:picLocks noChangeAspect="1"/>
+          </p:cNvPicPr>
+          <p:nvPr>
+            <p:ph idx="1"/>
+          </p:nvPr>
+        </p:nvPicPr>
+        <p:blipFill>
+          <a:blip r:embed="rId1"/>
+          <a:stretch>
+            <a:fillRect/>
+          </a:stretch>
+        </p:blipFill>
+        <p:spPr>
+          <a:xfrm>
+            <a:off x="1723390" y="3434080"/>
+            <a:ext cx="8743950" cy="1133475"/>
+          </a:xfrm>
+          <a:prstGeom prst="rect">
+            <a:avLst/>
+          </a:prstGeom>
+        </p:spPr>
+      </p:pic>
+    </p:spTree>
+  </p:cSld>
+  <p:clrMapOvr>
+    <a:masterClrMapping/>
+  </p:clrMapOvr>
+</p:sld>
+</file>
+
+<file path=ppt/slides/slide44.xml><?xml version="1.0" encoding="utf-8"?>
+<p:sld xmlns:a="http://schemas.openxmlformats.org/drawingml/2006/main" xmlns:r="http://schemas.openxmlformats.org/officeDocument/2006/relationships" xmlns:p="http://schemas.openxmlformats.org/presentationml/2006/main">
+  <p:cSld>
+    <p:spTree>
+      <p:nvGrpSpPr>
+        <p:cNvPr id="1" name=""/>
+        <p:cNvGrpSpPr/>
+        <p:nvPr/>
+      </p:nvGrpSpPr>
+      <p:grpSpPr/>
+      <p:sp>
+        <p:nvSpPr>
+          <p:cNvPr id="2" name="标题 1"/>
+          <p:cNvSpPr>
+            <a:spLocks noGrp="1"/>
+          </p:cNvSpPr>
+          <p:nvPr>
+            <p:ph type="title"/>
+          </p:nvPr>
+        </p:nvSpPr>
+        <p:spPr/>
+        <p:txBody>
+          <a:bodyPr/>
+          <a:p>
+            <a:endParaRPr lang="zh-CN" altLang="en-US"/>
+          </a:p>
+        </p:txBody>
+      </p:sp>
+      <p:pic>
+        <p:nvPicPr>
+          <p:cNvPr id="4" name="内容占位符 3"/>
+          <p:cNvPicPr>
+            <a:picLocks noChangeAspect="1"/>
+          </p:cNvPicPr>
+          <p:nvPr>
+            <p:ph idx="1"/>
+          </p:nvPr>
+        </p:nvPicPr>
+        <p:blipFill>
+          <a:blip r:embed="rId1"/>
+          <a:stretch>
+            <a:fillRect/>
+          </a:stretch>
+        </p:blipFill>
+        <p:spPr>
+          <a:xfrm>
+            <a:off x="3510280" y="1825625"/>
+            <a:ext cx="5170805" cy="4351655"/>
+          </a:xfrm>
+          <a:prstGeom prst="rect">
+            <a:avLst/>
+          </a:prstGeom>
+        </p:spPr>
+      </p:pic>
+    </p:spTree>
+  </p:cSld>
+  <p:clrMapOvr>
+    <a:masterClrMapping/>
+  </p:clrMapOvr>
+</p:sld>
+</file>
+
+<file path=ppt/slides/slide45.xml><?xml version="1.0" encoding="utf-8"?>
+<p:sld xmlns:a="http://schemas.openxmlformats.org/drawingml/2006/main" xmlns:r="http://schemas.openxmlformats.org/officeDocument/2006/relationships" xmlns:p="http://schemas.openxmlformats.org/presentationml/2006/main">
+  <p:cSld>
+    <p:spTree>
+      <p:nvGrpSpPr>
+        <p:cNvPr id="1" name=""/>
+        <p:cNvGrpSpPr/>
+        <p:nvPr/>
+      </p:nvGrpSpPr>
+      <p:grpSpPr/>
+      <p:sp>
+        <p:nvSpPr>
+          <p:cNvPr id="2" name="标题 1"/>
+          <p:cNvSpPr>
+            <a:spLocks noGrp="1"/>
+          </p:cNvSpPr>
+          <p:nvPr>
+            <p:ph type="title"/>
+          </p:nvPr>
+        </p:nvSpPr>
+        <p:spPr/>
+        <p:txBody>
+          <a:bodyPr/>
+          <a:p>
+            <a:r>
+              <a:rPr lang="en-US" altLang="zh-CN"/>
+              <a:t>_FINDFIRST</a:t>
+            </a:r>
+            <a:r>
+              <a:rPr lang="zh-CN" altLang="en-US"/>
+              <a:t>函数</a:t>
+            </a:r>
+            <a:r>
+              <a:rPr lang="zh-CN" altLang="en-US"/>
+              <a:t>详解</a:t>
+            </a:r>
+            <a:endParaRPr lang="zh-CN" altLang="en-US"/>
+          </a:p>
+        </p:txBody>
+      </p:sp>
+      <p:sp>
+        <p:nvSpPr>
+          <p:cNvPr id="3" name="内容占位符 2"/>
+          <p:cNvSpPr>
+            <a:spLocks noGrp="1"/>
+          </p:cNvSpPr>
+          <p:nvPr>
+            <p:ph idx="1"/>
+          </p:nvPr>
+        </p:nvSpPr>
+        <p:spPr/>
+        <p:txBody>
+          <a:bodyPr/>
+          <a:p>
+            <a:endParaRPr lang="zh-CN" altLang="en-US"/>
+          </a:p>
+        </p:txBody>
+      </p:sp>
+      <p:sp>
+        <p:nvSpPr>
+          <p:cNvPr id="4" name="文本框 3"/>
+          <p:cNvSpPr txBox="1"/>
+          <p:nvPr/>
+        </p:nvSpPr>
+        <p:spPr>
+          <a:xfrm>
+            <a:off x="4208780" y="2426335"/>
+            <a:ext cx="2540000" cy="922020"/>
+          </a:xfrm>
+          <a:prstGeom prst="rect">
+            <a:avLst/>
+          </a:prstGeom>
+          <a:noFill/>
+        </p:spPr>
+        <p:txBody>
+          <a:bodyPr wrap="square" rtlCol="0" anchor="t">
+            <a:spAutoFit/>
+          </a:bodyPr>
+          <a:p>
+            <a:r>
+              <a:rPr lang="zh-CN" altLang="en-US"/>
+              <a:t>https://www.cnblogs.com/ranjiewen/p/5960976.html</a:t>
+            </a:r>
+            <a:endParaRPr lang="zh-CN" altLang="en-US"/>
+          </a:p>
+        </p:txBody>
+      </p:sp>
+    </p:spTree>
+  </p:cSld>
+  <p:clrMapOvr>
+    <a:masterClrMapping/>
+  </p:clrMapOvr>
+</p:sld>
+</file>
+
+<file path=ppt/slides/slide46.xml><?xml version="1.0" encoding="utf-8"?>
+<p:sld xmlns:a="http://schemas.openxmlformats.org/drawingml/2006/main" xmlns:r="http://schemas.openxmlformats.org/officeDocument/2006/relationships" xmlns:p="http://schemas.openxmlformats.org/presentationml/2006/main">
+  <p:cSld>
+    <p:spTree>
+      <p:nvGrpSpPr>
+        <p:cNvPr id="1" name=""/>
+        <p:cNvGrpSpPr/>
+        <p:nvPr/>
+      </p:nvGrpSpPr>
+      <p:grpSpPr/>
+      <p:sp>
+        <p:nvSpPr>
+          <p:cNvPr id="2" name="标题 1"/>
+          <p:cNvSpPr>
+            <a:spLocks noGrp="1"/>
+          </p:cNvSpPr>
+          <p:nvPr>
+            <p:ph type="title"/>
+          </p:nvPr>
+        </p:nvSpPr>
+        <p:spPr/>
+        <p:txBody>
+          <a:bodyPr>
+            <a:normAutofit fontScale="90000"/>
+          </a:bodyPr>
+          <a:p>
+            <a:r>
+              <a:rPr lang="zh-CN" altLang="en-US"/>
+              <a:t>继承</a:t>
+            </a:r>
+            <a:r>
+              <a:rPr lang="en-US" altLang="zh-CN"/>
+              <a:t>TString</a:t>
+            </a:r>
+            <a:r>
+              <a:rPr lang="zh-CN" altLang="en-US"/>
+              <a:t>的构造函数的，但是需要自己写构造函数调用，然后继续扩充</a:t>
+            </a:r>
+            <a:r>
+              <a:rPr lang="zh-CN" altLang="en-US"/>
+              <a:t>函数</a:t>
+            </a:r>
+            <a:endParaRPr lang="zh-CN" altLang="en-US"/>
+          </a:p>
+        </p:txBody>
+      </p:sp>
+      <p:pic>
+        <p:nvPicPr>
+          <p:cNvPr id="4" name="内容占位符 3"/>
+          <p:cNvPicPr>
+            <a:picLocks noChangeAspect="1"/>
+          </p:cNvPicPr>
+          <p:nvPr>
+            <p:ph idx="1"/>
+            <p:custDataLst>
+              <p:tags r:id="rId1"/>
+            </p:custDataLst>
+          </p:nvPr>
+        </p:nvPicPr>
+        <p:blipFill>
+          <a:blip r:embed="rId2"/>
+          <a:stretch>
+            <a:fillRect/>
+          </a:stretch>
+        </p:blipFill>
+        <p:spPr>
+          <a:xfrm>
+            <a:off x="1104265" y="2595880"/>
+            <a:ext cx="9982200" cy="2809875"/>
+          </a:xfrm>
+          <a:prstGeom prst="rect">
+            <a:avLst/>
+          </a:prstGeom>
+        </p:spPr>
+      </p:pic>
+    </p:spTree>
+  </p:cSld>
+  <p:clrMapOvr>
+    <a:masterClrMapping/>
+  </p:clrMapOvr>
+</p:sld>
+</file>
+
+<file path=ppt/slides/slide47.xml><?xml version="1.0" encoding="utf-8"?>
+<p:sld xmlns:a="http://schemas.openxmlformats.org/drawingml/2006/main" xmlns:r="http://schemas.openxmlformats.org/officeDocument/2006/relationships" xmlns:p="http://schemas.openxmlformats.org/presentationml/2006/main">
+  <p:cSld>
+    <p:spTree>
+      <p:nvGrpSpPr>
+        <p:cNvPr id="1" name=""/>
+        <p:cNvGrpSpPr/>
+        <p:nvPr/>
+      </p:nvGrpSpPr>
+      <p:grpSpPr/>
+      <p:sp>
+        <p:nvSpPr>
+          <p:cNvPr id="2" name="标题 1"/>
+          <p:cNvSpPr>
+            <a:spLocks noGrp="1"/>
+          </p:cNvSpPr>
+          <p:nvPr>
+            <p:ph type="title"/>
+          </p:nvPr>
+        </p:nvSpPr>
+        <p:spPr/>
+        <p:txBody>
+          <a:bodyPr/>
+          <a:p>
+            <a:r>
+              <a:rPr lang="en-US" altLang="zh-CN"/>
+              <a:t>strcpy</a:t>
+            </a:r>
+            <a:r>
+              <a:rPr lang="zh-CN" altLang="en-US"/>
+              <a:t>移动包括尾</a:t>
+            </a:r>
+            <a:r>
+              <a:rPr lang="en-US" altLang="zh-CN"/>
+              <a:t>0</a:t>
+            </a:r>
+            <a:endParaRPr lang="en-US" altLang="zh-CN"/>
+          </a:p>
+        </p:txBody>
+      </p:sp>
+      <p:sp>
+        <p:nvSpPr>
+          <p:cNvPr id="3" name="内容占位符 2"/>
+          <p:cNvSpPr>
+            <a:spLocks noGrp="1"/>
+          </p:cNvSpPr>
+          <p:nvPr>
+            <p:ph idx="1"/>
+          </p:nvPr>
+        </p:nvSpPr>
+        <p:spPr/>
+        <p:txBody>
+          <a:bodyPr/>
+          <a:p>
+            <a:endParaRPr lang="zh-CN" altLang="en-US"/>
+          </a:p>
+        </p:txBody>
+      </p:sp>
+    </p:spTree>
+  </p:cSld>
+  <p:clrMapOvr>
+    <a:masterClrMapping/>
+  </p:clrMapOvr>
+</p:sld>
+</file>
+
+<file path=ppt/slides/slide5.xml><?xml version="1.0" encoding="utf-8"?>
 <p:sld xmlns:a="http://schemas.openxmlformats.org/drawingml/2006/main" xmlns:r="http://schemas.openxmlformats.org/officeDocument/2006/relationships" xmlns:p="http://schemas.openxmlformats.org/presentationml/2006/main">
   <p:cSld>
     <p:spTree>
@@ -4428,7 +6740,7 @@
 </p:sld>
 </file>
 
-<file path=ppt/slides/slide5.xml><?xml version="1.0" encoding="utf-8"?>
+<file path=ppt/slides/slide6.xml><?xml version="1.0" encoding="utf-8"?>
 <p:sld xmlns:a="http://schemas.openxmlformats.org/drawingml/2006/main" xmlns:r="http://schemas.openxmlformats.org/officeDocument/2006/relationships" xmlns:p="http://schemas.openxmlformats.org/presentationml/2006/main">
   <p:cSld>
     <p:spTree>
@@ -4490,110 +6802,6 @@
 </p:sld>
 </file>
 
-<file path=ppt/slides/slide6.xml><?xml version="1.0" encoding="utf-8"?>
-<p:sld xmlns:a="http://schemas.openxmlformats.org/drawingml/2006/main" xmlns:r="http://schemas.openxmlformats.org/officeDocument/2006/relationships" xmlns:p="http://schemas.openxmlformats.org/presentationml/2006/main">
-  <p:cSld>
-    <p:spTree>
-      <p:nvGrpSpPr>
-        <p:cNvPr id="1" name=""/>
-        <p:cNvGrpSpPr/>
-        <p:nvPr/>
-      </p:nvGrpSpPr>
-      <p:grpSpPr/>
-      <p:sp>
-        <p:nvSpPr>
-          <p:cNvPr id="2" name="标题 1"/>
-          <p:cNvSpPr>
-            <a:spLocks noGrp="1"/>
-          </p:cNvSpPr>
-          <p:nvPr>
-            <p:ph type="title"/>
-          </p:nvPr>
-        </p:nvSpPr>
-        <p:spPr/>
-        <p:txBody>
-          <a:bodyPr>
-            <a:normAutofit fontScale="90000"/>
-          </a:bodyPr>
-          <a:p>
-            <a:r>
-              <a:rPr lang="en-US" altLang="zh-CN"/>
-              <a:t>malloc</a:t>
-            </a:r>
-            <a:r>
-              <a:rPr lang="zh-CN" altLang="en-US"/>
-              <a:t>无法进行类的构造函数以及</a:t>
-            </a:r>
-            <a:r>
-              <a:rPr lang="en-US" altLang="zh-CN"/>
-              <a:t>free</a:t>
-            </a:r>
-            <a:r>
-              <a:rPr lang="zh-CN" altLang="en-US"/>
-              <a:t>的析构</a:t>
-            </a:r>
-            <a:r>
-              <a:rPr lang="zh-CN" altLang="en-US"/>
-              <a:t>函数</a:t>
-            </a:r>
-            <a:endParaRPr lang="zh-CN" altLang="en-US"/>
-          </a:p>
-        </p:txBody>
-      </p:sp>
-      <p:sp>
-        <p:nvSpPr>
-          <p:cNvPr id="3" name="内容占位符 2"/>
-          <p:cNvSpPr>
-            <a:spLocks noGrp="1"/>
-          </p:cNvSpPr>
-          <p:nvPr>
-            <p:ph idx="1"/>
-          </p:nvPr>
-        </p:nvSpPr>
-        <p:spPr/>
-        <p:txBody>
-          <a:bodyPr/>
-          <a:p>
-            <a:r>
-              <a:rPr lang="en-US" altLang="zh-CN"/>
-              <a:t>struct</a:t>
-            </a:r>
-            <a:r>
-              <a:rPr lang="zh-CN" altLang="en-US"/>
-              <a:t>里包含</a:t>
-            </a:r>
-            <a:r>
-              <a:rPr lang="en-US" altLang="zh-CN"/>
-              <a:t>string</a:t>
-            </a:r>
-            <a:r>
-              <a:rPr lang="zh-CN" altLang="en-US"/>
-              <a:t>，</a:t>
-            </a:r>
-            <a:r>
-              <a:rPr lang="en-US" altLang="zh-CN"/>
-              <a:t>malloc</a:t>
-            </a:r>
-            <a:r>
-              <a:rPr lang="zh-CN" altLang="en-US"/>
-              <a:t>以后但是不调用的话就不会</a:t>
-            </a:r>
-            <a:r>
-              <a:rPr lang="zh-CN" altLang="en-US"/>
-              <a:t>报错</a:t>
-            </a:r>
-            <a:endParaRPr lang="zh-CN" altLang="en-US"/>
-          </a:p>
-        </p:txBody>
-      </p:sp>
-    </p:spTree>
-  </p:cSld>
-  <p:clrMapOvr>
-    <a:masterClrMapping/>
-  </p:clrMapOvr>
-</p:sld>
-</file>
-
 <file path=ppt/slides/slide7.xml><?xml version="1.0" encoding="utf-8"?>
 <p:sld xmlns:a="http://schemas.openxmlformats.org/drawingml/2006/main" xmlns:r="http://schemas.openxmlformats.org/officeDocument/2006/relationships" xmlns:p="http://schemas.openxmlformats.org/presentationml/2006/main">
   <p:cSld>
@@ -4616,15 +6824,29 @@
         </p:nvSpPr>
         <p:spPr/>
         <p:txBody>
-          <a:bodyPr/>
-          <a:p>
-            <a:r>
-              <a:rPr lang="zh-CN" altLang="en-US"/>
-              <a:t>析构函数</a:t>
-            </a:r>
-            <a:r>
-              <a:rPr lang="zh-CN" altLang="en-US"/>
-              <a:t>的作用</a:t>
+          <a:bodyPr>
+            <a:normAutofit fontScale="90000"/>
+          </a:bodyPr>
+          <a:p>
+            <a:r>
+              <a:rPr lang="en-US" altLang="zh-CN"/>
+              <a:t>malloc</a:t>
+            </a:r>
+            <a:r>
+              <a:rPr lang="zh-CN" altLang="en-US"/>
+              <a:t>无法进行类的构造函数以及</a:t>
+            </a:r>
+            <a:r>
+              <a:rPr lang="en-US" altLang="zh-CN"/>
+              <a:t>free</a:t>
+            </a:r>
+            <a:r>
+              <a:rPr lang="zh-CN" altLang="en-US"/>
+              <a:t>的析构</a:t>
+            </a:r>
+            <a:r>
+              <a:rPr lang="zh-CN" altLang="en-US"/>
+              <a:t>函数</a:t>
             </a:r>
             <a:endParaRPr lang="zh-CN" altLang="en-US"/>
           </a:p>
@@ -4645,85 +6867,34 @@
           <a:bodyPr/>
           <a:p>
             <a:r>
-              <a:rPr lang="zh-CN" altLang="en-US"/>
-              <a:t>在没有动态内存申请的时候，不需要定义析构函数，在构造和析构函数中进行动态内存申请和释放</a:t>
-            </a:r>
-            <a:r>
               <a:rPr lang="en-US" altLang="zh-CN"/>
-              <a:t> </a:t>
-            </a:r>
-            <a:r>
-              <a:rPr lang="zh-CN" altLang="en-US"/>
-              <a:t>，析构函数先于对象</a:t>
-            </a:r>
-            <a:r>
-              <a:rPr lang="zh-CN" altLang="en-US"/>
-              <a:t>销毁</a:t>
-            </a:r>
-            <a:endParaRPr lang="zh-CN" altLang="en-US"/>
-          </a:p>
-          <a:p>
-            <a:r>
-              <a:rPr lang="zh-CN" altLang="en-US"/>
-              <a:t>如果两个类指向了同一片动态申请空间，析构函数重复释放空间会导致报错</a:t>
+              <a:t>struct</a:t>
+            </a:r>
+            <a:r>
+              <a:rPr lang="zh-CN" altLang="en-US"/>
+              <a:t>里包含</a:t>
             </a:r>
             <a:r>
               <a:rPr lang="en-US" altLang="zh-CN"/>
-              <a:t>1</a:t>
-            </a:r>
-            <a:endParaRPr lang="en-US" altLang="zh-CN"/>
-          </a:p>
-          <a:p>
+              <a:t>string</a:t>
+            </a:r>
+            <a:r>
+              <a:rPr lang="zh-CN" altLang="en-US"/>
+              <a:t>，</a:t>
+            </a:r>
             <a:r>
               <a:rPr lang="en-US" altLang="zh-CN"/>
-              <a:t>Time t1(14,15,23),t2(t1),t3=t1</a:t>
-            </a:r>
-            <a:endParaRPr lang="en-US" altLang="zh-CN"/>
-          </a:p>
-          <a:p>
-            <a:r>
-              <a:rPr lang="en-US" altLang="zh-CN"/>
-              <a:t>t2(t1)</a:t>
-            </a:r>
-            <a:r>
-              <a:rPr lang="zh-CN" altLang="en-US"/>
-              <a:t>藏了一个不可见的构造函数</a:t>
-            </a:r>
-            <a:r>
-              <a:rPr lang="en-US" altLang="zh-CN"/>
-              <a:t> </a:t>
-            </a:r>
-            <a:r>
-              <a:rPr lang="zh-CN" altLang="en-US"/>
-              <a:t>复制构造</a:t>
-            </a:r>
-            <a:r>
-              <a:rPr lang="zh-CN" altLang="en-US"/>
-              <a:t>函数</a:t>
-            </a:r>
-            <a:endParaRPr lang="zh-CN" altLang="en-US"/>
-          </a:p>
-          <a:p>
-            <a:r>
-              <a:rPr lang="zh-CN" altLang="en-US"/>
-              <a:t>如果我单独定义赋值构造函数的话，自带复制构造函数</a:t>
-            </a:r>
-            <a:r>
-              <a:rPr lang="zh-CN" altLang="en-US"/>
-              <a:t>销毁</a:t>
-            </a:r>
-            <a:endParaRPr lang="zh-CN" altLang="en-US"/>
-          </a:p>
-          <a:p>
-            <a:r>
-              <a:rPr lang="zh-CN" altLang="en-US"/>
-              <a:t>析构和构造的调用顺序相反</a:t>
-            </a:r>
-            <a:r>
-              <a:rPr lang="en-US" altLang="zh-CN"/>
-              <a:t>/</a:t>
-            </a:r>
-            <a:endParaRPr lang="en-US" altLang="zh-CN"/>
+              <a:t>malloc</a:t>
+            </a:r>
+            <a:r>
+              <a:rPr lang="zh-CN" altLang="en-US"/>
+              <a:t>以后但是不调用的话就不会</a:t>
+            </a:r>
+            <a:r>
+              <a:rPr lang="zh-CN" altLang="en-US"/>
+              <a:t>报错</a:t>
+            </a:r>
+            <a:endParaRPr lang="zh-CN" altLang="en-US"/>
           </a:p>
         </p:txBody>
       </p:sp>
@@ -4736,6 +6907,147 @@
 </file>
 
 <file path=ppt/slides/slide8.xml><?xml version="1.0" encoding="utf-8"?>
+<p:sld xmlns:a="http://schemas.openxmlformats.org/drawingml/2006/main" xmlns:r="http://schemas.openxmlformats.org/officeDocument/2006/relationships" xmlns:p="http://schemas.openxmlformats.org/presentationml/2006/main">
+  <p:cSld>
+    <p:spTree>
+      <p:nvGrpSpPr>
+        <p:cNvPr id="1" name=""/>
+        <p:cNvGrpSpPr/>
+        <p:nvPr/>
+      </p:nvGrpSpPr>
+      <p:grpSpPr/>
+      <p:sp>
+        <p:nvSpPr>
+          <p:cNvPr id="2" name="标题 1"/>
+          <p:cNvSpPr>
+            <a:spLocks noGrp="1"/>
+          </p:cNvSpPr>
+          <p:nvPr>
+            <p:ph type="title"/>
+          </p:nvPr>
+        </p:nvSpPr>
+        <p:spPr/>
+        <p:txBody>
+          <a:bodyPr/>
+          <a:p>
+            <a:r>
+              <a:rPr lang="zh-CN" altLang="en-US"/>
+              <a:t>析构函数</a:t>
+            </a:r>
+            <a:r>
+              <a:rPr lang="zh-CN" altLang="en-US"/>
+              <a:t>的作用</a:t>
+            </a:r>
+            <a:endParaRPr lang="zh-CN" altLang="en-US"/>
+          </a:p>
+        </p:txBody>
+      </p:sp>
+      <p:sp>
+        <p:nvSpPr>
+          <p:cNvPr id="3" name="内容占位符 2"/>
+          <p:cNvSpPr>
+            <a:spLocks noGrp="1"/>
+          </p:cNvSpPr>
+          <p:nvPr>
+            <p:ph idx="1"/>
+          </p:nvPr>
+        </p:nvSpPr>
+        <p:spPr/>
+        <p:txBody>
+          <a:bodyPr/>
+          <a:p>
+            <a:r>
+              <a:rPr lang="zh-CN" altLang="en-US"/>
+              <a:t>在没有动态内存申请的时候，不需要定义析构函数，在构造和析构函数中进行动态内存申请和释放</a:t>
+            </a:r>
+            <a:r>
+              <a:rPr lang="en-US" altLang="zh-CN"/>
+              <a:t> </a:t>
+            </a:r>
+            <a:r>
+              <a:rPr lang="zh-CN" altLang="en-US"/>
+              <a:t>，析构函数先于对象</a:t>
+            </a:r>
+            <a:r>
+              <a:rPr lang="zh-CN" altLang="en-US"/>
+              <a:t>销毁</a:t>
+            </a:r>
+            <a:endParaRPr lang="zh-CN" altLang="en-US"/>
+          </a:p>
+          <a:p>
+            <a:r>
+              <a:rPr lang="zh-CN" altLang="en-US"/>
+              <a:t>如果两个类指向了同一片动态申请空间，析构函数重复释放空间会导致报错</a:t>
+            </a:r>
+            <a:r>
+              <a:rPr lang="en-US" altLang="zh-CN"/>
+              <a:t>1</a:t>
+            </a:r>
+            <a:endParaRPr lang="en-US" altLang="zh-CN"/>
+          </a:p>
+          <a:p>
+            <a:r>
+              <a:rPr lang="en-US" altLang="zh-CN"/>
+              <a:t>Time t1(14,15,23),t2(t1),t3=t1</a:t>
+            </a:r>
+            <a:endParaRPr lang="en-US" altLang="zh-CN"/>
+          </a:p>
+          <a:p>
+            <a:r>
+              <a:rPr lang="en-US" altLang="zh-CN"/>
+              <a:t>t2(t1)</a:t>
+            </a:r>
+            <a:r>
+              <a:rPr lang="zh-CN" altLang="en-US"/>
+              <a:t>藏了一个不可见的构造函数</a:t>
+            </a:r>
+            <a:r>
+              <a:rPr lang="en-US" altLang="zh-CN"/>
+              <a:t> </a:t>
+            </a:r>
+            <a:r>
+              <a:rPr lang="zh-CN" altLang="en-US"/>
+              <a:t>复制构造</a:t>
+            </a:r>
+            <a:r>
+              <a:rPr lang="zh-CN" altLang="en-US"/>
+              <a:t>函数</a:t>
+            </a:r>
+            <a:endParaRPr lang="zh-CN" altLang="en-US"/>
+          </a:p>
+          <a:p>
+            <a:r>
+              <a:rPr lang="zh-CN" altLang="en-US"/>
+              <a:t>如果我单独定义赋值构造函数的话，自带复制构造函数</a:t>
+            </a:r>
+            <a:r>
+              <a:rPr lang="zh-CN" altLang="en-US"/>
+              <a:t>销毁</a:t>
+            </a:r>
+            <a:endParaRPr lang="zh-CN" altLang="en-US"/>
+          </a:p>
+          <a:p>
+            <a:r>
+              <a:rPr lang="zh-CN" altLang="en-US"/>
+              <a:t>析构和构造的调用顺序相反</a:t>
+            </a:r>
+            <a:r>
+              <a:rPr lang="en-US" altLang="zh-CN"/>
+              <a:t>/</a:t>
+            </a:r>
+            <a:endParaRPr lang="en-US" altLang="zh-CN"/>
+          </a:p>
+        </p:txBody>
+      </p:sp>
+    </p:spTree>
+  </p:cSld>
+  <p:clrMapOvr>
+    <a:masterClrMapping/>
+  </p:clrMapOvr>
+</p:sld>
+</file>
+
+<file path=ppt/slides/slide9.xml><?xml version="1.0" encoding="utf-8"?>
 <p:sld xmlns:a="http://schemas.openxmlformats.org/drawingml/2006/main" xmlns:r="http://schemas.openxmlformats.org/officeDocument/2006/relationships" xmlns:p="http://schemas.openxmlformats.org/presentationml/2006/main">
   <p:cSld>
     <p:spTree>
@@ -4821,76 +7133,6 @@
 </p:sld>
 </file>
 
-<file path=ppt/slides/slide9.xml><?xml version="1.0" encoding="utf-8"?>
-<p:sld xmlns:a="http://schemas.openxmlformats.org/drawingml/2006/main" xmlns:r="http://schemas.openxmlformats.org/officeDocument/2006/relationships" xmlns:p="http://schemas.openxmlformats.org/presentationml/2006/main">
-  <p:cSld>
-    <p:spTree>
-      <p:nvGrpSpPr>
-        <p:cNvPr id="1" name=""/>
-        <p:cNvGrpSpPr/>
-        <p:nvPr/>
-      </p:nvGrpSpPr>
-      <p:grpSpPr/>
-      <p:sp>
-        <p:nvSpPr>
-          <p:cNvPr id="2" name="标题 1"/>
-          <p:cNvSpPr>
-            <a:spLocks noGrp="1"/>
-          </p:cNvSpPr>
-          <p:nvPr>
-            <p:ph type="title"/>
-          </p:nvPr>
-        </p:nvSpPr>
-        <p:spPr/>
-        <p:txBody>
-          <a:bodyPr/>
-          <a:p>
-            <a:r>
-              <a:rPr lang="zh-CN" altLang="en-US"/>
-              <a:t>类的元素构造函数可以这么</a:t>
-            </a:r>
-            <a:r>
-              <a:rPr lang="zh-CN" altLang="en-US"/>
-              <a:t>写</a:t>
-            </a:r>
-            <a:endParaRPr lang="zh-CN" altLang="en-US"/>
-          </a:p>
-        </p:txBody>
-      </p:sp>
-      <p:pic>
-        <p:nvPicPr>
-          <p:cNvPr id="4" name="内容占位符 3"/>
-          <p:cNvPicPr>
-            <a:picLocks noChangeAspect="1"/>
-          </p:cNvPicPr>
-          <p:nvPr>
-            <p:ph idx="1"/>
-          </p:nvPr>
-        </p:nvPicPr>
-        <p:blipFill>
-          <a:blip r:embed="rId1"/>
-          <a:stretch>
-            <a:fillRect/>
-          </a:stretch>
-        </p:blipFill>
-        <p:spPr>
-          <a:xfrm>
-            <a:off x="1280795" y="3100705"/>
-            <a:ext cx="9629775" cy="1800225"/>
-          </a:xfrm>
-          <a:prstGeom prst="rect">
-            <a:avLst/>
-          </a:prstGeom>
-        </p:spPr>
-      </p:pic>
-    </p:spTree>
-  </p:cSld>
-  <p:clrMapOvr>
-    <a:masterClrMapping/>
-  </p:clrMapOvr>
-</p:sld>
-</file>
-
 <file path=ppt/tags/tag1.xml><?xml version="1.0" encoding="utf-8"?>
 <p:tagLst xmlns:p="http://schemas.openxmlformats.org/presentationml/2006/main">
   <p:tag name="KSO_WM_UNIT_PLACING_PICTURE_USER_VIEWPORT" val="{&quot;height&quot;:6853,&quot;width&quot;:12864}"/>
@@ -4912,6 +7154,30 @@
 <file path=ppt/tags/tag4.xml><?xml version="1.0" encoding="utf-8"?>
 <p:tagLst xmlns:p="http://schemas.openxmlformats.org/presentationml/2006/main">
   <p:tag name="KSO_WM_UNIT_PLACING_PICTURE_USER_VIEWPORT" val="{&quot;height&quot;:6822,&quot;width&quot;:16560}"/>
+</p:tagLst>
+</file>
+
+<file path=ppt/tags/tag5.xml><?xml version="1.0" encoding="utf-8"?>
+<p:tagLst xmlns:p="http://schemas.openxmlformats.org/presentationml/2006/main">
+  <p:tag name="KSO_WM_UNIT_PLACING_PICTURE_USER_VIEWPORT" val="{&quot;height&quot;:4335,&quot;width&quot;:13035}"/>
+</p:tagLst>
+</file>
+
+<file path=ppt/tags/tag6.xml><?xml version="1.0" encoding="utf-8"?>
+<p:tagLst xmlns:p="http://schemas.openxmlformats.org/presentationml/2006/main">
+  <p:tag name="KSO_WM_UNIT_PLACING_PICTURE_USER_VIEWPORT" val="{&quot;height&quot;:2130,&quot;width&quot;:8010}"/>
+</p:tagLst>
+</file>
+
+<file path=ppt/tags/tag7.xml><?xml version="1.0" encoding="utf-8"?>
+<p:tagLst xmlns:p="http://schemas.openxmlformats.org/presentationml/2006/main">
+  <p:tag name="KSO_WM_UNIT_PLACING_PICTURE_USER_VIEWPORT" val="{&quot;height&quot;:6853,&quot;width&quot;:9393}"/>
+</p:tagLst>
+</file>
+
+<file path=ppt/tags/tag8.xml><?xml version="1.0" encoding="utf-8"?>
+<p:tagLst xmlns:p="http://schemas.openxmlformats.org/presentationml/2006/main">
+  <p:tag name="KSO_WM_UNIT_PLACING_PICTURE_USER_VIEWPORT" val="{&quot;height&quot;:4425,&quot;width&quot;:15720}"/>
 </p:tagLst>
 </file>
 
